--- a/Mern Chat.pptx
+++ b/Mern Chat.pptx
@@ -1,52 +1,56 @@
 
 <file path=ppt/presentation.xml><?xml version="1.0" encoding="utf-8"?>
-<p:presentation xmlns:a="http://schemas.openxmlformats.org/drawingml/2006/main" xmlns:r="http://schemas.openxmlformats.org/officeDocument/2006/relationships" xmlns:mc="http://schemas.openxmlformats.org/markup-compatibility/2006" xmlns:mv="urn:schemas-microsoft-com:mac:vml" xmlns:p="http://schemas.openxmlformats.org/presentationml/2006/main" xmlns:c="http://schemas.openxmlformats.org/drawingml/2006/chart" xmlns:dgm="http://schemas.openxmlformats.org/drawingml/2006/diagram" xmlns:o="urn:schemas-microsoft-com:office:office" xmlns:v="urn:schemas-microsoft-com:vml" xmlns:pvml="urn:schemas-microsoft-com:office:powerpoint" xmlns:com="http://schemas.openxmlformats.org/drawingml/2006/compatibility" xmlns:p14="http://schemas.microsoft.com/office/powerpoint/2010/main" xmlns:p15="http://schemas.microsoft.com/office/powerpoint/2012/main" xmlns:ahyp="http://schemas.microsoft.com/office/drawing/2018/hyperlinkcolor" autoCompressPictures="0" embedTrueTypeFonts="1" strictFirstAndLastChars="0" saveSubsetFonts="1">
+<p:presentation xmlns:a="http://schemas.openxmlformats.org/drawingml/2006/main" xmlns:r="http://schemas.openxmlformats.org/officeDocument/2006/relationships" xmlns:p="http://schemas.openxmlformats.org/presentationml/2006/main" strictFirstAndLastChars="0" embedTrueTypeFonts="1" saveSubsetFonts="1" autoCompressPictures="0">
   <p:sldMasterIdLst>
-    <p:sldMasterId id="2147483659" r:id="rId4"/>
+    <p:sldMasterId id="2147483659" r:id="rId1"/>
   </p:sldMasterIdLst>
   <p:notesMasterIdLst>
-    <p:notesMasterId r:id="rId5"/>
+    <p:notesMasterId r:id="rId8"/>
   </p:notesMasterIdLst>
   <p:sldIdLst>
-    <p:sldId id="256" r:id="rId6"/>
-    <p:sldId id="257" r:id="rId7"/>
-    <p:sldId id="258" r:id="rId8"/>
-    <p:sldId id="259" r:id="rId9"/>
-    <p:sldId id="260" r:id="rId10"/>
-    <p:sldId id="261" r:id="rId11"/>
+    <p:sldId id="256" r:id="rId2"/>
+    <p:sldId id="257" r:id="rId3"/>
+    <p:sldId id="258" r:id="rId4"/>
+    <p:sldId id="259" r:id="rId5"/>
+    <p:sldId id="260" r:id="rId6"/>
+    <p:sldId id="261" r:id="rId7"/>
   </p:sldIdLst>
-  <p:sldSz cy="5143500" cx="9144000"/>
+  <p:sldSz cx="9144000" cy="5143500" type="screen16x9"/>
   <p:notesSz cx="6858000" cy="9144000"/>
   <p:embeddedFontLst>
     <p:embeddedFont>
-      <p:font typeface="Playfair Display"/>
-      <p:regular r:id="rId12"/>
-      <p:bold r:id="rId13"/>
-      <p:italic r:id="rId14"/>
-      <p:boldItalic r:id="rId15"/>
+      <p:font typeface="Playfair Display" charset="0"/>
+      <p:regular r:id="rId9"/>
+      <p:bold r:id="rId10"/>
+      <p:italic r:id="rId11"/>
+      <p:boldItalic r:id="rId12"/>
     </p:embeddedFont>
     <p:embeddedFont>
-      <p:font typeface="Lato"/>
-      <p:regular r:id="rId16"/>
-      <p:bold r:id="rId17"/>
-      <p:italic r:id="rId18"/>
-      <p:boldItalic r:id="rId19"/>
+      <p:font typeface="Lato" charset="0"/>
+      <p:regular r:id="rId13"/>
+      <p:bold r:id="rId14"/>
+      <p:italic r:id="rId15"/>
+      <p:boldItalic r:id="rId16"/>
     </p:embeddedFont>
     <p:embeddedFont>
-      <p:font typeface="Montserrat"/>
-      <p:regular r:id="rId20"/>
-      <p:bold r:id="rId21"/>
-      <p:italic r:id="rId22"/>
-      <p:boldItalic r:id="rId23"/>
+      <p:font typeface="Montserrat" charset="0"/>
+      <p:regular r:id="rId17"/>
+      <p:bold r:id="rId18"/>
+      <p:italic r:id="rId19"/>
+      <p:boldItalic r:id="rId20"/>
     </p:embeddedFont>
     <p:embeddedFont>
-      <p:font typeface="Playfair Display Black"/>
-      <p:bold r:id="rId24"/>
-      <p:boldItalic r:id="rId25"/>
+      <p:font typeface="Playfair Display Black" charset="0"/>
+      <p:bold r:id="rId21"/>
+      <p:boldItalic r:id="rId22"/>
+    </p:embeddedFont>
+    <p:embeddedFont>
+      <p:font typeface="Impact" pitchFamily="34" charset="0"/>
+      <p:regular r:id="rId23"/>
     </p:embeddedFont>
   </p:embeddedFontLst>
   <p:defaultTextStyle>
-    <a:defPPr lvl="0" marR="0" rtl="0" algn="l">
+    <a:defPPr marR="0" lvl="0" algn="l" rtl="0">
       <a:lnSpc>
         <a:spcPct val="100000"/>
       </a:lnSpc>
@@ -57,7 +61,7 @@
         <a:spcPts val="0"/>
       </a:spcAft>
     </a:defPPr>
-    <a:lvl1pPr lvl="0" marR="0" rtl="0" algn="l">
+    <a:lvl1pPr marR="0" lvl="0" algn="l" rtl="0">
       <a:lnSpc>
         <a:spcPct val="100000"/>
       </a:lnSpc>
@@ -71,7 +75,7 @@
         <a:srgbClr val="000000"/>
       </a:buClr>
       <a:buFont typeface="Arial"/>
-      <a:defRPr b="0" i="0" sz="1400" u="none" cap="none" strike="noStrike">
+      <a:defRPr sz="1400" b="0" i="0" u="none" strike="noStrike" cap="none">
         <a:solidFill>
           <a:srgbClr val="000000"/>
         </a:solidFill>
@@ -81,7 +85,7 @@
         <a:sym typeface="Arial"/>
       </a:defRPr>
     </a:lvl1pPr>
-    <a:lvl2pPr lvl="1" marR="0" rtl="0" algn="l">
+    <a:lvl2pPr marR="0" lvl="1" algn="l" rtl="0">
       <a:lnSpc>
         <a:spcPct val="100000"/>
       </a:lnSpc>
@@ -95,7 +99,7 @@
         <a:srgbClr val="000000"/>
       </a:buClr>
       <a:buFont typeface="Arial"/>
-      <a:defRPr b="0" i="0" sz="1400" u="none" cap="none" strike="noStrike">
+      <a:defRPr sz="1400" b="0" i="0" u="none" strike="noStrike" cap="none">
         <a:solidFill>
           <a:srgbClr val="000000"/>
         </a:solidFill>
@@ -105,7 +109,7 @@
         <a:sym typeface="Arial"/>
       </a:defRPr>
     </a:lvl2pPr>
-    <a:lvl3pPr lvl="2" marR="0" rtl="0" algn="l">
+    <a:lvl3pPr marR="0" lvl="2" algn="l" rtl="0">
       <a:lnSpc>
         <a:spcPct val="100000"/>
       </a:lnSpc>
@@ -119,7 +123,7 @@
         <a:srgbClr val="000000"/>
       </a:buClr>
       <a:buFont typeface="Arial"/>
-      <a:defRPr b="0" i="0" sz="1400" u="none" cap="none" strike="noStrike">
+      <a:defRPr sz="1400" b="0" i="0" u="none" strike="noStrike" cap="none">
         <a:solidFill>
           <a:srgbClr val="000000"/>
         </a:solidFill>
@@ -129,7 +133,7 @@
         <a:sym typeface="Arial"/>
       </a:defRPr>
     </a:lvl3pPr>
-    <a:lvl4pPr lvl="3" marR="0" rtl="0" algn="l">
+    <a:lvl4pPr marR="0" lvl="3" algn="l" rtl="0">
       <a:lnSpc>
         <a:spcPct val="100000"/>
       </a:lnSpc>
@@ -143,7 +147,7 @@
         <a:srgbClr val="000000"/>
       </a:buClr>
       <a:buFont typeface="Arial"/>
-      <a:defRPr b="0" i="0" sz="1400" u="none" cap="none" strike="noStrike">
+      <a:defRPr sz="1400" b="0" i="0" u="none" strike="noStrike" cap="none">
         <a:solidFill>
           <a:srgbClr val="000000"/>
         </a:solidFill>
@@ -153,7 +157,7 @@
         <a:sym typeface="Arial"/>
       </a:defRPr>
     </a:lvl4pPr>
-    <a:lvl5pPr lvl="4" marR="0" rtl="0" algn="l">
+    <a:lvl5pPr marR="0" lvl="4" algn="l" rtl="0">
       <a:lnSpc>
         <a:spcPct val="100000"/>
       </a:lnSpc>
@@ -167,7 +171,7 @@
         <a:srgbClr val="000000"/>
       </a:buClr>
       <a:buFont typeface="Arial"/>
-      <a:defRPr b="0" i="0" sz="1400" u="none" cap="none" strike="noStrike">
+      <a:defRPr sz="1400" b="0" i="0" u="none" strike="noStrike" cap="none">
         <a:solidFill>
           <a:srgbClr val="000000"/>
         </a:solidFill>
@@ -177,7 +181,7 @@
         <a:sym typeface="Arial"/>
       </a:defRPr>
     </a:lvl5pPr>
-    <a:lvl6pPr lvl="5" marR="0" rtl="0" algn="l">
+    <a:lvl6pPr marR="0" lvl="5" algn="l" rtl="0">
       <a:lnSpc>
         <a:spcPct val="100000"/>
       </a:lnSpc>
@@ -191,7 +195,7 @@
         <a:srgbClr val="000000"/>
       </a:buClr>
       <a:buFont typeface="Arial"/>
-      <a:defRPr b="0" i="0" sz="1400" u="none" cap="none" strike="noStrike">
+      <a:defRPr sz="1400" b="0" i="0" u="none" strike="noStrike" cap="none">
         <a:solidFill>
           <a:srgbClr val="000000"/>
         </a:solidFill>
@@ -201,7 +205,7 @@
         <a:sym typeface="Arial"/>
       </a:defRPr>
     </a:lvl6pPr>
-    <a:lvl7pPr lvl="6" marR="0" rtl="0" algn="l">
+    <a:lvl7pPr marR="0" lvl="6" algn="l" rtl="0">
       <a:lnSpc>
         <a:spcPct val="100000"/>
       </a:lnSpc>
@@ -215,7 +219,7 @@
         <a:srgbClr val="000000"/>
       </a:buClr>
       <a:buFont typeface="Arial"/>
-      <a:defRPr b="0" i="0" sz="1400" u="none" cap="none" strike="noStrike">
+      <a:defRPr sz="1400" b="0" i="0" u="none" strike="noStrike" cap="none">
         <a:solidFill>
           <a:srgbClr val="000000"/>
         </a:solidFill>
@@ -225,7 +229,7 @@
         <a:sym typeface="Arial"/>
       </a:defRPr>
     </a:lvl7pPr>
-    <a:lvl8pPr lvl="7" marR="0" rtl="0" algn="l">
+    <a:lvl8pPr marR="0" lvl="7" algn="l" rtl="0">
       <a:lnSpc>
         <a:spcPct val="100000"/>
       </a:lnSpc>
@@ -239,7 +243,7 @@
         <a:srgbClr val="000000"/>
       </a:buClr>
       <a:buFont typeface="Arial"/>
-      <a:defRPr b="0" i="0" sz="1400" u="none" cap="none" strike="noStrike">
+      <a:defRPr sz="1400" b="0" i="0" u="none" strike="noStrike" cap="none">
         <a:solidFill>
           <a:srgbClr val="000000"/>
         </a:solidFill>
@@ -249,7 +253,7 @@
         <a:sym typeface="Arial"/>
       </a:defRPr>
     </a:lvl8pPr>
-    <a:lvl9pPr lvl="8" marR="0" rtl="0" algn="l">
+    <a:lvl9pPr marR="0" lvl="8" algn="l" rtl="0">
       <a:lnSpc>
         <a:spcPct val="100000"/>
       </a:lnSpc>
@@ -263,7 +267,7 @@
         <a:srgbClr val="000000"/>
       </a:buClr>
       <a:buFont typeface="Arial"/>
-      <a:defRPr b="0" i="0" sz="1400" u="none" cap="none" strike="noStrike">
+      <a:defRPr sz="1400" b="0" i="0" u="none" strike="noStrike" cap="none">
         <a:solidFill>
           <a:srgbClr val="000000"/>
         </a:solidFill>
@@ -276,7 +280,7 @@
   </p:defaultTextStyle>
   <p:extLst>
     <p:ext uri="{EFAFB233-063F-42B5-8137-9DF3F51BA10A}">
-      <p15:sldGuideLst>
+      <p15:sldGuideLst xmlns:ahyp="http://schemas.microsoft.com/office/drawing/2018/hyperlinkcolor" xmlns:p15="http://schemas.microsoft.com/office/powerpoint/2012/main" xmlns:p14="http://schemas.microsoft.com/office/powerpoint/2010/main" xmlns:com="http://schemas.openxmlformats.org/drawingml/2006/compatibility" xmlns:pvml="urn:schemas-microsoft-com:office:powerpoint" xmlns:v="urn:schemas-microsoft-com:vml" xmlns:o="urn:schemas-microsoft-com:office:office" xmlns:dgm="http://schemas.openxmlformats.org/drawingml/2006/diagram" xmlns:c="http://schemas.openxmlformats.org/drawingml/2006/chart" xmlns:mv="urn:schemas-microsoft-com:mac:vml" xmlns:mc="http://schemas.openxmlformats.org/markup-compatibility/2006" xmlns="">
         <p15:guide id="1" orient="horz" pos="1620">
           <p15:clr>
             <a:srgbClr val="A4A3A4"/>
@@ -294,11 +298,16 @@
 </file>
 
 <file path=ppt/notesMasters/notesMaster1.xml><?xml version="1.0" encoding="utf-8"?>
-<p:notesMaster xmlns:a="http://schemas.openxmlformats.org/drawingml/2006/main" xmlns:r="http://schemas.openxmlformats.org/officeDocument/2006/relationships" xmlns:mc="http://schemas.openxmlformats.org/markup-compatibility/2006" xmlns:mv="urn:schemas-microsoft-com:mac:vml" xmlns:p="http://schemas.openxmlformats.org/presentationml/2006/main" xmlns:c="http://schemas.openxmlformats.org/drawingml/2006/chart" xmlns:dgm="http://schemas.openxmlformats.org/drawingml/2006/diagram" xmlns:o="urn:schemas-microsoft-com:office:office" xmlns:v="urn:schemas-microsoft-com:vml" xmlns:pvml="urn:schemas-microsoft-com:office:powerpoint" xmlns:com="http://schemas.openxmlformats.org/drawingml/2006/compatibility" xmlns:p14="http://schemas.microsoft.com/office/powerpoint/2010/main" xmlns:p15="http://schemas.microsoft.com/office/powerpoint/2012/main" xmlns:ahyp="http://schemas.microsoft.com/office/drawing/2018/hyperlinkcolor">
+<p:notesMaster xmlns:a="http://schemas.openxmlformats.org/drawingml/2006/main" xmlns:r="http://schemas.openxmlformats.org/officeDocument/2006/relationships" xmlns:p="http://schemas.openxmlformats.org/presentationml/2006/main">
   <p:cSld>
+    <p:bg>
+      <p:bgRef idx="1001">
+        <a:schemeClr val="bg1"/>
+      </p:bgRef>
+    </p:bg>
     <p:spTree>
       <p:nvGrpSpPr>
-        <p:cNvPr id="2" name="Shape 2"/>
+        <p:cNvPr id="1" name="Shape 2"/>
         <p:cNvGrpSpPr/>
         <p:nvPr/>
       </p:nvGrpSpPr>
@@ -313,9 +322,11 @@
       <p:sp>
         <p:nvSpPr>
           <p:cNvPr id="3" name="Google Shape;3;n"/>
-          <p:cNvSpPr/>
+          <p:cNvSpPr>
+            <a:spLocks noGrp="1" noRot="1" noChangeAspect="1"/>
+          </p:cNvSpPr>
           <p:nvPr>
-            <p:ph idx="2" type="sldImg"/>
+            <p:ph type="sldImg" idx="2"/>
           </p:nvPr>
         </p:nvSpPr>
         <p:spPr>
@@ -324,9 +335,13 @@
             <a:ext cx="6096075" cy="3429000"/>
           </a:xfrm>
           <a:custGeom>
-            <a:rect b="b" l="l" r="r" t="t"/>
+            <a:avLst/>
+            <a:gdLst/>
+            <a:ahLst/>
+            <a:cxnLst/>
+            <a:rect l="l" t="t" r="r" b="b"/>
             <a:pathLst>
-              <a:path extrusionOk="0" h="120000" w="120000">
+              <a:path w="120000" h="120000" extrusionOk="0">
                 <a:moveTo>
                   <a:pt x="0" y="0"/>
                 </a:moveTo>
@@ -344,23 +359,25 @@
             </a:pathLst>
           </a:custGeom>
           <a:noFill/>
-          <a:ln cap="flat" cmpd="sng" w="9525">
+          <a:ln w="9525" cap="flat" cmpd="sng">
             <a:solidFill>
               <a:srgbClr val="000000"/>
             </a:solidFill>
             <a:prstDash val="solid"/>
             <a:round/>
-            <a:headEnd len="sm" w="sm" type="none"/>
-            <a:tailEnd len="sm" w="sm" type="none"/>
+            <a:headEnd type="none" w="sm" len="sm"/>
+            <a:tailEnd type="none" w="sm" len="sm"/>
           </a:ln>
         </p:spPr>
       </p:sp>
       <p:sp>
         <p:nvSpPr>
           <p:cNvPr id="4" name="Google Shape;4;n"/>
-          <p:cNvSpPr txBox="1"/>
+          <p:cNvSpPr txBox="1">
+            <a:spLocks noGrp="1"/>
+          </p:cNvSpPr>
           <p:nvPr>
-            <p:ph idx="1" type="body"/>
+            <p:ph type="body" idx="1"/>
           </p:nvPr>
         </p:nvSpPr>
         <p:spPr>
@@ -377,11 +394,11 @@
           </a:ln>
         </p:spPr>
         <p:txBody>
-          <a:bodyPr anchorCtr="0" anchor="t" bIns="91425" lIns="91425" spcFirstLastPara="1" rIns="91425" wrap="square" tIns="91425">
+          <a:bodyPr spcFirstLastPara="1" wrap="square" lIns="91425" tIns="91425" rIns="91425" bIns="91425" anchor="t" anchorCtr="0">
             <a:noAutofit/>
           </a:bodyPr>
           <a:lstStyle>
-            <a:lvl1pPr indent="-298450" lvl="0" marL="457200">
+            <a:lvl1pPr marL="457200" lvl="0" indent="-298450">
               <a:spcBef>
                 <a:spcPts val="0"/>
               </a:spcBef>
@@ -392,7 +409,7 @@
               <a:buChar char="●"/>
               <a:defRPr sz="1100"/>
             </a:lvl1pPr>
-            <a:lvl2pPr indent="-298450" lvl="1" marL="914400">
+            <a:lvl2pPr marL="914400" lvl="1" indent="-298450">
               <a:spcBef>
                 <a:spcPts val="0"/>
               </a:spcBef>
@@ -403,7 +420,7 @@
               <a:buChar char="○"/>
               <a:defRPr sz="1100"/>
             </a:lvl2pPr>
-            <a:lvl3pPr indent="-298450" lvl="2" marL="1371600">
+            <a:lvl3pPr marL="1371600" lvl="2" indent="-298450">
               <a:spcBef>
                 <a:spcPts val="0"/>
               </a:spcBef>
@@ -414,7 +431,7 @@
               <a:buChar char="■"/>
               <a:defRPr sz="1100"/>
             </a:lvl3pPr>
-            <a:lvl4pPr indent="-298450" lvl="3" marL="1828800">
+            <a:lvl4pPr marL="1828800" lvl="3" indent="-298450">
               <a:spcBef>
                 <a:spcPts val="0"/>
               </a:spcBef>
@@ -425,7 +442,7 @@
               <a:buChar char="●"/>
               <a:defRPr sz="1100"/>
             </a:lvl4pPr>
-            <a:lvl5pPr indent="-298450" lvl="4" marL="2286000">
+            <a:lvl5pPr marL="2286000" lvl="4" indent="-298450">
               <a:spcBef>
                 <a:spcPts val="0"/>
               </a:spcBef>
@@ -436,7 +453,7 @@
               <a:buChar char="○"/>
               <a:defRPr sz="1100"/>
             </a:lvl5pPr>
-            <a:lvl6pPr indent="-298450" lvl="5" marL="2743200">
+            <a:lvl6pPr marL="2743200" lvl="5" indent="-298450">
               <a:spcBef>
                 <a:spcPts val="0"/>
               </a:spcBef>
@@ -447,7 +464,7 @@
               <a:buChar char="■"/>
               <a:defRPr sz="1100"/>
             </a:lvl6pPr>
-            <a:lvl7pPr indent="-298450" lvl="6" marL="3200400">
+            <a:lvl7pPr marL="3200400" lvl="6" indent="-298450">
               <a:spcBef>
                 <a:spcPts val="0"/>
               </a:spcBef>
@@ -458,7 +475,7 @@
               <a:buChar char="●"/>
               <a:defRPr sz="1100"/>
             </a:lvl7pPr>
-            <a:lvl8pPr indent="-298450" lvl="7" marL="3657600">
+            <a:lvl8pPr marL="3657600" lvl="7" indent="-298450">
               <a:spcBef>
                 <a:spcPts val="0"/>
               </a:spcBef>
@@ -469,7 +486,7 @@
               <a:buChar char="○"/>
               <a:defRPr sz="1100"/>
             </a:lvl8pPr>
-            <a:lvl9pPr indent="-298450" lvl="8" marL="4114800">
+            <a:lvl9pPr marL="4114800" lvl="8" indent="-298450">
               <a:spcBef>
                 <a:spcPts val="0"/>
               </a:spcBef>
@@ -481,14 +498,21 @@
               <a:defRPr sz="1100"/>
             </a:lvl9pPr>
           </a:lstStyle>
-          <a:p/>
+          <a:p>
+            <a:endParaRPr/>
+          </a:p>
         </p:txBody>
       </p:sp>
     </p:spTree>
+    <p:extLst>
+      <p:ext uri="{BB962C8B-B14F-4D97-AF65-F5344CB8AC3E}">
+        <p14:creationId xmlns:p14="http://schemas.microsoft.com/office/powerpoint/2010/main" val="3088883653"/>
+      </p:ext>
+    </p:extLst>
   </p:cSld>
-  <p:clrMap accent1="accent1" accent2="accent2" accent3="accent3" accent4="accent4" accent5="accent5" accent6="accent6" bg1="lt1" bg2="dk2" tx1="dk1" tx2="lt2" folHlink="folHlink" hlink="hlink"/>
+  <p:clrMap bg1="lt1" tx1="dk1" bg2="dk2" tx2="lt2" accent1="accent1" accent2="accent2" accent3="accent3" accent4="accent4" accent5="accent5" accent6="accent6" hlink="hlink" folHlink="folHlink"/>
   <p:notesStyle>
-    <a:defPPr lvl="0" marR="0" rtl="0" algn="l">
+    <a:defPPr marR="0" lvl="0" algn="l" rtl="0">
       <a:lnSpc>
         <a:spcPct val="100000"/>
       </a:lnSpc>
@@ -499,7 +523,7 @@
         <a:spcPts val="0"/>
       </a:spcAft>
     </a:defPPr>
-    <a:lvl1pPr lvl="0" marR="0" rtl="0" algn="l">
+    <a:lvl1pPr marR="0" lvl="0" algn="l" rtl="0">
       <a:lnSpc>
         <a:spcPct val="100000"/>
       </a:lnSpc>
@@ -513,7 +537,7 @@
         <a:srgbClr val="000000"/>
       </a:buClr>
       <a:buFont typeface="Arial"/>
-      <a:defRPr b="0" i="0" sz="1400" u="none" cap="none" strike="noStrike">
+      <a:defRPr sz="1400" b="0" i="0" u="none" strike="noStrike" cap="none">
         <a:solidFill>
           <a:srgbClr val="000000"/>
         </a:solidFill>
@@ -523,7 +547,7 @@
         <a:sym typeface="Arial"/>
       </a:defRPr>
     </a:lvl1pPr>
-    <a:lvl2pPr lvl="1" marR="0" rtl="0" algn="l">
+    <a:lvl2pPr marR="0" lvl="1" algn="l" rtl="0">
       <a:lnSpc>
         <a:spcPct val="100000"/>
       </a:lnSpc>
@@ -537,7 +561,7 @@
         <a:srgbClr val="000000"/>
       </a:buClr>
       <a:buFont typeface="Arial"/>
-      <a:defRPr b="0" i="0" sz="1400" u="none" cap="none" strike="noStrike">
+      <a:defRPr sz="1400" b="0" i="0" u="none" strike="noStrike" cap="none">
         <a:solidFill>
           <a:srgbClr val="000000"/>
         </a:solidFill>
@@ -547,7 +571,7 @@
         <a:sym typeface="Arial"/>
       </a:defRPr>
     </a:lvl2pPr>
-    <a:lvl3pPr lvl="2" marR="0" rtl="0" algn="l">
+    <a:lvl3pPr marR="0" lvl="2" algn="l" rtl="0">
       <a:lnSpc>
         <a:spcPct val="100000"/>
       </a:lnSpc>
@@ -561,7 +585,7 @@
         <a:srgbClr val="000000"/>
       </a:buClr>
       <a:buFont typeface="Arial"/>
-      <a:defRPr b="0" i="0" sz="1400" u="none" cap="none" strike="noStrike">
+      <a:defRPr sz="1400" b="0" i="0" u="none" strike="noStrike" cap="none">
         <a:solidFill>
           <a:srgbClr val="000000"/>
         </a:solidFill>
@@ -571,7 +595,7 @@
         <a:sym typeface="Arial"/>
       </a:defRPr>
     </a:lvl3pPr>
-    <a:lvl4pPr lvl="3" marR="0" rtl="0" algn="l">
+    <a:lvl4pPr marR="0" lvl="3" algn="l" rtl="0">
       <a:lnSpc>
         <a:spcPct val="100000"/>
       </a:lnSpc>
@@ -585,7 +609,7 @@
         <a:srgbClr val="000000"/>
       </a:buClr>
       <a:buFont typeface="Arial"/>
-      <a:defRPr b="0" i="0" sz="1400" u="none" cap="none" strike="noStrike">
+      <a:defRPr sz="1400" b="0" i="0" u="none" strike="noStrike" cap="none">
         <a:solidFill>
           <a:srgbClr val="000000"/>
         </a:solidFill>
@@ -595,7 +619,7 @@
         <a:sym typeface="Arial"/>
       </a:defRPr>
     </a:lvl4pPr>
-    <a:lvl5pPr lvl="4" marR="0" rtl="0" algn="l">
+    <a:lvl5pPr marR="0" lvl="4" algn="l" rtl="0">
       <a:lnSpc>
         <a:spcPct val="100000"/>
       </a:lnSpc>
@@ -609,7 +633,7 @@
         <a:srgbClr val="000000"/>
       </a:buClr>
       <a:buFont typeface="Arial"/>
-      <a:defRPr b="0" i="0" sz="1400" u="none" cap="none" strike="noStrike">
+      <a:defRPr sz="1400" b="0" i="0" u="none" strike="noStrike" cap="none">
         <a:solidFill>
           <a:srgbClr val="000000"/>
         </a:solidFill>
@@ -619,7 +643,7 @@
         <a:sym typeface="Arial"/>
       </a:defRPr>
     </a:lvl5pPr>
-    <a:lvl6pPr lvl="5" marR="0" rtl="0" algn="l">
+    <a:lvl6pPr marR="0" lvl="5" algn="l" rtl="0">
       <a:lnSpc>
         <a:spcPct val="100000"/>
       </a:lnSpc>
@@ -633,7 +657,7 @@
         <a:srgbClr val="000000"/>
       </a:buClr>
       <a:buFont typeface="Arial"/>
-      <a:defRPr b="0" i="0" sz="1400" u="none" cap="none" strike="noStrike">
+      <a:defRPr sz="1400" b="0" i="0" u="none" strike="noStrike" cap="none">
         <a:solidFill>
           <a:srgbClr val="000000"/>
         </a:solidFill>
@@ -643,7 +667,7 @@
         <a:sym typeface="Arial"/>
       </a:defRPr>
     </a:lvl6pPr>
-    <a:lvl7pPr lvl="6" marR="0" rtl="0" algn="l">
+    <a:lvl7pPr marR="0" lvl="6" algn="l" rtl="0">
       <a:lnSpc>
         <a:spcPct val="100000"/>
       </a:lnSpc>
@@ -657,7 +681,7 @@
         <a:srgbClr val="000000"/>
       </a:buClr>
       <a:buFont typeface="Arial"/>
-      <a:defRPr b="0" i="0" sz="1400" u="none" cap="none" strike="noStrike">
+      <a:defRPr sz="1400" b="0" i="0" u="none" strike="noStrike" cap="none">
         <a:solidFill>
           <a:srgbClr val="000000"/>
         </a:solidFill>
@@ -667,7 +691,7 @@
         <a:sym typeface="Arial"/>
       </a:defRPr>
     </a:lvl7pPr>
-    <a:lvl8pPr lvl="7" marR="0" rtl="0" algn="l">
+    <a:lvl8pPr marR="0" lvl="7" algn="l" rtl="0">
       <a:lnSpc>
         <a:spcPct val="100000"/>
       </a:lnSpc>
@@ -681,7 +705,7 @@
         <a:srgbClr val="000000"/>
       </a:buClr>
       <a:buFont typeface="Arial"/>
-      <a:defRPr b="0" i="0" sz="1400" u="none" cap="none" strike="noStrike">
+      <a:defRPr sz="1400" b="0" i="0" u="none" strike="noStrike" cap="none">
         <a:solidFill>
           <a:srgbClr val="000000"/>
         </a:solidFill>
@@ -691,7 +715,7 @@
         <a:sym typeface="Arial"/>
       </a:defRPr>
     </a:lvl8pPr>
-    <a:lvl9pPr lvl="8" marR="0" rtl="0" algn="l">
+    <a:lvl9pPr marR="0" lvl="8" algn="l" rtl="0">
       <a:lnSpc>
         <a:spcPct val="100000"/>
       </a:lnSpc>
@@ -705,7 +729,7 @@
         <a:srgbClr val="000000"/>
       </a:buClr>
       <a:buFont typeface="Arial"/>
-      <a:defRPr b="0" i="0" sz="1400" u="none" cap="none" strike="noStrike">
+      <a:defRPr sz="1400" b="0" i="0" u="none" strike="noStrike" cap="none">
         <a:solidFill>
           <a:srgbClr val="000000"/>
         </a:solidFill>
@@ -720,11 +744,11 @@
 </file>
 
 <file path=ppt/notesSlides/notesSlide1.xml><?xml version="1.0" encoding="utf-8"?>
-<p:notes xmlns:a="http://schemas.openxmlformats.org/drawingml/2006/main" xmlns:r="http://schemas.openxmlformats.org/officeDocument/2006/relationships" xmlns:mc="http://schemas.openxmlformats.org/markup-compatibility/2006" xmlns:mv="urn:schemas-microsoft-com:mac:vml" xmlns:p="http://schemas.openxmlformats.org/presentationml/2006/main" xmlns:c="http://schemas.openxmlformats.org/drawingml/2006/chart" xmlns:dgm="http://schemas.openxmlformats.org/drawingml/2006/diagram" xmlns:o="urn:schemas-microsoft-com:office:office" xmlns:v="urn:schemas-microsoft-com:vml" xmlns:pvml="urn:schemas-microsoft-com:office:powerpoint" xmlns:com="http://schemas.openxmlformats.org/drawingml/2006/compatibility" xmlns:p14="http://schemas.microsoft.com/office/powerpoint/2010/main" xmlns:p15="http://schemas.microsoft.com/office/powerpoint/2012/main" xmlns:ahyp="http://schemas.microsoft.com/office/drawing/2018/hyperlinkcolor" showMasterPhAnim="0" showMasterSp="0">
+<p:notes xmlns:a="http://schemas.openxmlformats.org/drawingml/2006/main" xmlns:r="http://schemas.openxmlformats.org/officeDocument/2006/relationships" xmlns:p="http://schemas.openxmlformats.org/presentationml/2006/main" showMasterSp="0" showMasterPhAnim="0">
   <p:cSld>
     <p:spTree>
       <p:nvGrpSpPr>
-        <p:cNvPr id="55" name="Shape 55"/>
+        <p:cNvPr id="1" name="Shape 55"/>
         <p:cNvGrpSpPr/>
         <p:nvPr/>
       </p:nvGrpSpPr>
@@ -739,20 +763,26 @@
       <p:sp>
         <p:nvSpPr>
           <p:cNvPr id="56" name="Google Shape;56;p:notes"/>
-          <p:cNvSpPr/>
+          <p:cNvSpPr>
+            <a:spLocks noGrp="1" noRot="1" noChangeAspect="1"/>
+          </p:cNvSpPr>
           <p:nvPr>
-            <p:ph idx="2" type="sldImg"/>
+            <p:ph type="sldImg" idx="2"/>
           </p:nvPr>
         </p:nvSpPr>
         <p:spPr>
           <a:xfrm>
-            <a:off x="381300" y="685800"/>
-            <a:ext cx="6096075" cy="3429000"/>
+            <a:off x="381000" y="685800"/>
+            <a:ext cx="6096000" cy="3429000"/>
           </a:xfrm>
           <a:custGeom>
-            <a:rect b="b" l="l" r="r" t="t"/>
+            <a:avLst/>
+            <a:gdLst/>
+            <a:ahLst/>
+            <a:cxnLst/>
+            <a:rect l="l" t="t" r="r" b="b"/>
             <a:pathLst>
-              <a:path extrusionOk="0" h="120000" w="120000">
+              <a:path w="120000" h="120000" extrusionOk="0">
                 <a:moveTo>
                   <a:pt x="0" y="0"/>
                 </a:moveTo>
@@ -774,9 +804,11 @@
       <p:sp>
         <p:nvSpPr>
           <p:cNvPr id="57" name="Google Shape;57;p:notes"/>
-          <p:cNvSpPr txBox="1"/>
+          <p:cNvSpPr txBox="1">
+            <a:spLocks noGrp="1"/>
+          </p:cNvSpPr>
           <p:nvPr>
-            <p:ph idx="1" type="body"/>
+            <p:ph type="body" idx="1"/>
           </p:nvPr>
         </p:nvSpPr>
         <p:spPr>
@@ -789,12 +821,12 @@
           </a:prstGeom>
         </p:spPr>
         <p:txBody>
-          <a:bodyPr anchorCtr="0" anchor="t" bIns="91425" lIns="91425" spcFirstLastPara="1" rIns="91425" wrap="square" tIns="91425">
+          <a:bodyPr spcFirstLastPara="1" wrap="square" lIns="91425" tIns="91425" rIns="91425" bIns="91425" anchor="t" anchorCtr="0">
             <a:noAutofit/>
           </a:bodyPr>
           <a:lstStyle/>
           <a:p>
-            <a:pPr indent="0" lvl="0" marL="0" rtl="0" algn="l">
+            <a:pPr marL="0" lvl="0" indent="0" algn="l" rtl="0">
               <a:spcBef>
                 <a:spcPts val="0"/>
               </a:spcBef>
@@ -803,9 +835,6 @@
               </a:spcAft>
               <a:buNone/>
             </a:pPr>
-            <a:r>
-              <a:t/>
-            </a:r>
             <a:endParaRPr/>
           </a:p>
         </p:txBody>
@@ -819,11 +848,11 @@
 </file>
 
 <file path=ppt/notesSlides/notesSlide2.xml><?xml version="1.0" encoding="utf-8"?>
-<p:notes xmlns:a="http://schemas.openxmlformats.org/drawingml/2006/main" xmlns:r="http://schemas.openxmlformats.org/officeDocument/2006/relationships" xmlns:mc="http://schemas.openxmlformats.org/markup-compatibility/2006" xmlns:mv="urn:schemas-microsoft-com:mac:vml" xmlns:p="http://schemas.openxmlformats.org/presentationml/2006/main" xmlns:c="http://schemas.openxmlformats.org/drawingml/2006/chart" xmlns:dgm="http://schemas.openxmlformats.org/drawingml/2006/diagram" xmlns:o="urn:schemas-microsoft-com:office:office" xmlns:v="urn:schemas-microsoft-com:vml" xmlns:pvml="urn:schemas-microsoft-com:office:powerpoint" xmlns:com="http://schemas.openxmlformats.org/drawingml/2006/compatibility" xmlns:p14="http://schemas.microsoft.com/office/powerpoint/2010/main" xmlns:p15="http://schemas.microsoft.com/office/powerpoint/2012/main" xmlns:ahyp="http://schemas.microsoft.com/office/drawing/2018/hyperlinkcolor" showMasterPhAnim="0" showMasterSp="0">
+<p:notes xmlns:a="http://schemas.openxmlformats.org/drawingml/2006/main" xmlns:r="http://schemas.openxmlformats.org/officeDocument/2006/relationships" xmlns:p="http://schemas.openxmlformats.org/presentationml/2006/main" showMasterSp="0" showMasterPhAnim="0">
   <p:cSld>
     <p:spTree>
       <p:nvGrpSpPr>
-        <p:cNvPr id="61" name="Shape 61"/>
+        <p:cNvPr id="1" name="Shape 61"/>
         <p:cNvGrpSpPr/>
         <p:nvPr/>
       </p:nvGrpSpPr>
@@ -838,9 +867,11 @@
       <p:sp>
         <p:nvSpPr>
           <p:cNvPr id="62" name="Google Shape;62;g149d0103491_0_674:notes"/>
-          <p:cNvSpPr/>
+          <p:cNvSpPr>
+            <a:spLocks noGrp="1" noRot="1" noChangeAspect="1"/>
+          </p:cNvSpPr>
           <p:nvPr>
-            <p:ph idx="2" type="sldImg"/>
+            <p:ph type="sldImg" idx="2"/>
           </p:nvPr>
         </p:nvSpPr>
         <p:spPr>
@@ -849,9 +880,13 @@
             <a:ext cx="6096000" cy="3429000"/>
           </a:xfrm>
           <a:custGeom>
-            <a:rect b="b" l="l" r="r" t="t"/>
+            <a:avLst/>
+            <a:gdLst/>
+            <a:ahLst/>
+            <a:cxnLst/>
+            <a:rect l="l" t="t" r="r" b="b"/>
             <a:pathLst>
-              <a:path extrusionOk="0" h="120000" w="120000">
+              <a:path w="120000" h="120000" extrusionOk="0">
                 <a:moveTo>
                   <a:pt x="0" y="0"/>
                 </a:moveTo>
@@ -873,9 +908,11 @@
       <p:sp>
         <p:nvSpPr>
           <p:cNvPr id="63" name="Google Shape;63;g149d0103491_0_674:notes"/>
-          <p:cNvSpPr txBox="1"/>
+          <p:cNvSpPr txBox="1">
+            <a:spLocks noGrp="1"/>
+          </p:cNvSpPr>
           <p:nvPr>
-            <p:ph idx="1" type="body"/>
+            <p:ph type="body" idx="1"/>
           </p:nvPr>
         </p:nvSpPr>
         <p:spPr>
@@ -888,12 +925,12 @@
           </a:prstGeom>
         </p:spPr>
         <p:txBody>
-          <a:bodyPr anchorCtr="0" anchor="t" bIns="91425" lIns="91425" spcFirstLastPara="1" rIns="91425" wrap="square" tIns="91425">
+          <a:bodyPr spcFirstLastPara="1" wrap="square" lIns="91425" tIns="91425" rIns="91425" bIns="91425" anchor="t" anchorCtr="0">
             <a:noAutofit/>
           </a:bodyPr>
           <a:lstStyle/>
           <a:p>
-            <a:pPr indent="0" lvl="0" marL="0" rtl="0" algn="l">
+            <a:pPr marL="0" lvl="0" indent="0" algn="l" rtl="0">
               <a:spcBef>
                 <a:spcPts val="0"/>
               </a:spcBef>
@@ -902,9 +939,6 @@
               </a:spcAft>
               <a:buNone/>
             </a:pPr>
-            <a:r>
-              <a:t/>
-            </a:r>
             <a:endParaRPr/>
           </a:p>
         </p:txBody>
@@ -918,11 +952,11 @@
 </file>
 
 <file path=ppt/notesSlides/notesSlide3.xml><?xml version="1.0" encoding="utf-8"?>
-<p:notes xmlns:a="http://schemas.openxmlformats.org/drawingml/2006/main" xmlns:r="http://schemas.openxmlformats.org/officeDocument/2006/relationships" xmlns:mc="http://schemas.openxmlformats.org/markup-compatibility/2006" xmlns:mv="urn:schemas-microsoft-com:mac:vml" xmlns:p="http://schemas.openxmlformats.org/presentationml/2006/main" xmlns:c="http://schemas.openxmlformats.org/drawingml/2006/chart" xmlns:dgm="http://schemas.openxmlformats.org/drawingml/2006/diagram" xmlns:o="urn:schemas-microsoft-com:office:office" xmlns:v="urn:schemas-microsoft-com:vml" xmlns:pvml="urn:schemas-microsoft-com:office:powerpoint" xmlns:com="http://schemas.openxmlformats.org/drawingml/2006/compatibility" xmlns:p14="http://schemas.microsoft.com/office/powerpoint/2010/main" xmlns:p15="http://schemas.microsoft.com/office/powerpoint/2012/main" xmlns:ahyp="http://schemas.microsoft.com/office/drawing/2018/hyperlinkcolor" showMasterPhAnim="0" showMasterSp="0">
+<p:notes xmlns:a="http://schemas.openxmlformats.org/drawingml/2006/main" xmlns:r="http://schemas.openxmlformats.org/officeDocument/2006/relationships" xmlns:p="http://schemas.openxmlformats.org/presentationml/2006/main" showMasterSp="0" showMasterPhAnim="0">
   <p:cSld>
     <p:spTree>
       <p:nvGrpSpPr>
-        <p:cNvPr id="67" name="Shape 67"/>
+        <p:cNvPr id="1" name="Shape 67"/>
         <p:cNvGrpSpPr/>
         <p:nvPr/>
       </p:nvGrpSpPr>
@@ -937,9 +971,11 @@
       <p:sp>
         <p:nvSpPr>
           <p:cNvPr id="68" name="Google Shape;68;g149d0103491_0_1106:notes"/>
-          <p:cNvSpPr/>
+          <p:cNvSpPr>
+            <a:spLocks noGrp="1" noRot="1" noChangeAspect="1"/>
+          </p:cNvSpPr>
           <p:nvPr>
-            <p:ph idx="2" type="sldImg"/>
+            <p:ph type="sldImg" idx="2"/>
           </p:nvPr>
         </p:nvSpPr>
         <p:spPr>
@@ -948,9 +984,13 @@
             <a:ext cx="6096000" cy="3429000"/>
           </a:xfrm>
           <a:custGeom>
-            <a:rect b="b" l="l" r="r" t="t"/>
+            <a:avLst/>
+            <a:gdLst/>
+            <a:ahLst/>
+            <a:cxnLst/>
+            <a:rect l="l" t="t" r="r" b="b"/>
             <a:pathLst>
-              <a:path extrusionOk="0" h="120000" w="120000">
+              <a:path w="120000" h="120000" extrusionOk="0">
                 <a:moveTo>
                   <a:pt x="0" y="0"/>
                 </a:moveTo>
@@ -972,9 +1012,11 @@
       <p:sp>
         <p:nvSpPr>
           <p:cNvPr id="69" name="Google Shape;69;g149d0103491_0_1106:notes"/>
-          <p:cNvSpPr txBox="1"/>
+          <p:cNvSpPr txBox="1">
+            <a:spLocks noGrp="1"/>
+          </p:cNvSpPr>
           <p:nvPr>
-            <p:ph idx="1" type="body"/>
+            <p:ph type="body" idx="1"/>
           </p:nvPr>
         </p:nvSpPr>
         <p:spPr>
@@ -987,12 +1029,12 @@
           </a:prstGeom>
         </p:spPr>
         <p:txBody>
-          <a:bodyPr anchorCtr="0" anchor="t" bIns="91425" lIns="91425" spcFirstLastPara="1" rIns="91425" wrap="square" tIns="91425">
+          <a:bodyPr spcFirstLastPara="1" wrap="square" lIns="91425" tIns="91425" rIns="91425" bIns="91425" anchor="t" anchorCtr="0">
             <a:noAutofit/>
           </a:bodyPr>
           <a:lstStyle/>
           <a:p>
-            <a:pPr indent="0" lvl="0" marL="0" rtl="0" algn="l">
+            <a:pPr marL="0" lvl="0" indent="0" algn="l" rtl="0">
               <a:spcBef>
                 <a:spcPts val="0"/>
               </a:spcBef>
@@ -1001,9 +1043,6 @@
               </a:spcAft>
               <a:buNone/>
             </a:pPr>
-            <a:r>
-              <a:t/>
-            </a:r>
             <a:endParaRPr/>
           </a:p>
         </p:txBody>
@@ -1017,11 +1056,11 @@
 </file>
 
 <file path=ppt/notesSlides/notesSlide4.xml><?xml version="1.0" encoding="utf-8"?>
-<p:notes xmlns:a="http://schemas.openxmlformats.org/drawingml/2006/main" xmlns:r="http://schemas.openxmlformats.org/officeDocument/2006/relationships" xmlns:mc="http://schemas.openxmlformats.org/markup-compatibility/2006" xmlns:mv="urn:schemas-microsoft-com:mac:vml" xmlns:p="http://schemas.openxmlformats.org/presentationml/2006/main" xmlns:c="http://schemas.openxmlformats.org/drawingml/2006/chart" xmlns:dgm="http://schemas.openxmlformats.org/drawingml/2006/diagram" xmlns:o="urn:schemas-microsoft-com:office:office" xmlns:v="urn:schemas-microsoft-com:vml" xmlns:pvml="urn:schemas-microsoft-com:office:powerpoint" xmlns:com="http://schemas.openxmlformats.org/drawingml/2006/compatibility" xmlns:p14="http://schemas.microsoft.com/office/powerpoint/2010/main" xmlns:p15="http://schemas.microsoft.com/office/powerpoint/2012/main" xmlns:ahyp="http://schemas.microsoft.com/office/drawing/2018/hyperlinkcolor" showMasterPhAnim="0" showMasterSp="0">
+<p:notes xmlns:a="http://schemas.openxmlformats.org/drawingml/2006/main" xmlns:r="http://schemas.openxmlformats.org/officeDocument/2006/relationships" xmlns:p="http://schemas.openxmlformats.org/presentationml/2006/main" showMasterSp="0" showMasterPhAnim="0">
   <p:cSld>
     <p:spTree>
       <p:nvGrpSpPr>
-        <p:cNvPr id="73" name="Shape 73"/>
+        <p:cNvPr id="1" name="Shape 73"/>
         <p:cNvGrpSpPr/>
         <p:nvPr/>
       </p:nvGrpSpPr>
@@ -1036,9 +1075,11 @@
       <p:sp>
         <p:nvSpPr>
           <p:cNvPr id="74" name="Google Shape;74;g1e076237a35_0_13:notes"/>
-          <p:cNvSpPr/>
+          <p:cNvSpPr>
+            <a:spLocks noGrp="1" noRot="1" noChangeAspect="1"/>
+          </p:cNvSpPr>
           <p:nvPr>
-            <p:ph idx="2" type="sldImg"/>
+            <p:ph type="sldImg" idx="2"/>
           </p:nvPr>
         </p:nvSpPr>
         <p:spPr>
@@ -1047,9 +1088,13 @@
             <a:ext cx="6096000" cy="3429000"/>
           </a:xfrm>
           <a:custGeom>
-            <a:rect b="b" l="l" r="r" t="t"/>
+            <a:avLst/>
+            <a:gdLst/>
+            <a:ahLst/>
+            <a:cxnLst/>
+            <a:rect l="l" t="t" r="r" b="b"/>
             <a:pathLst>
-              <a:path extrusionOk="0" h="120000" w="120000">
+              <a:path w="120000" h="120000" extrusionOk="0">
                 <a:moveTo>
                   <a:pt x="0" y="0"/>
                 </a:moveTo>
@@ -1071,9 +1116,11 @@
       <p:sp>
         <p:nvSpPr>
           <p:cNvPr id="75" name="Google Shape;75;g1e076237a35_0_13:notes"/>
-          <p:cNvSpPr txBox="1"/>
+          <p:cNvSpPr txBox="1">
+            <a:spLocks noGrp="1"/>
+          </p:cNvSpPr>
           <p:nvPr>
-            <p:ph idx="1" type="body"/>
+            <p:ph type="body" idx="1"/>
           </p:nvPr>
         </p:nvSpPr>
         <p:spPr>
@@ -1086,12 +1133,12 @@
           </a:prstGeom>
         </p:spPr>
         <p:txBody>
-          <a:bodyPr anchorCtr="0" anchor="t" bIns="91425" lIns="91425" spcFirstLastPara="1" rIns="91425" wrap="square" tIns="91425">
+          <a:bodyPr spcFirstLastPara="1" wrap="square" lIns="91425" tIns="91425" rIns="91425" bIns="91425" anchor="t" anchorCtr="0">
             <a:noAutofit/>
           </a:bodyPr>
           <a:lstStyle/>
           <a:p>
-            <a:pPr indent="0" lvl="0" marL="0" rtl="0" algn="l">
+            <a:pPr marL="0" lvl="0" indent="0" algn="l" rtl="0">
               <a:spcBef>
                 <a:spcPts val="0"/>
               </a:spcBef>
@@ -1100,9 +1147,6 @@
               </a:spcAft>
               <a:buNone/>
             </a:pPr>
-            <a:r>
-              <a:t/>
-            </a:r>
             <a:endParaRPr/>
           </a:p>
         </p:txBody>
@@ -1116,11 +1160,11 @@
 </file>
 
 <file path=ppt/notesSlides/notesSlide5.xml><?xml version="1.0" encoding="utf-8"?>
-<p:notes xmlns:a="http://schemas.openxmlformats.org/drawingml/2006/main" xmlns:r="http://schemas.openxmlformats.org/officeDocument/2006/relationships" xmlns:mc="http://schemas.openxmlformats.org/markup-compatibility/2006" xmlns:mv="urn:schemas-microsoft-com:mac:vml" xmlns:p="http://schemas.openxmlformats.org/presentationml/2006/main" xmlns:c="http://schemas.openxmlformats.org/drawingml/2006/chart" xmlns:dgm="http://schemas.openxmlformats.org/drawingml/2006/diagram" xmlns:o="urn:schemas-microsoft-com:office:office" xmlns:v="urn:schemas-microsoft-com:vml" xmlns:pvml="urn:schemas-microsoft-com:office:powerpoint" xmlns:com="http://schemas.openxmlformats.org/drawingml/2006/compatibility" xmlns:p14="http://schemas.microsoft.com/office/powerpoint/2010/main" xmlns:p15="http://schemas.microsoft.com/office/powerpoint/2012/main" xmlns:ahyp="http://schemas.microsoft.com/office/drawing/2018/hyperlinkcolor" showMasterPhAnim="0" showMasterSp="0">
+<p:notes xmlns:a="http://schemas.openxmlformats.org/drawingml/2006/main" xmlns:r="http://schemas.openxmlformats.org/officeDocument/2006/relationships" xmlns:p="http://schemas.openxmlformats.org/presentationml/2006/main" showMasterSp="0" showMasterPhAnim="0">
   <p:cSld>
     <p:spTree>
       <p:nvGrpSpPr>
-        <p:cNvPr id="79" name="Shape 79"/>
+        <p:cNvPr id="1" name="Shape 79"/>
         <p:cNvGrpSpPr/>
         <p:nvPr/>
       </p:nvGrpSpPr>
@@ -1135,9 +1179,11 @@
       <p:sp>
         <p:nvSpPr>
           <p:cNvPr id="80" name="Google Shape;80;g1e076237a35_0_19:notes"/>
-          <p:cNvSpPr/>
+          <p:cNvSpPr>
+            <a:spLocks noGrp="1" noRot="1" noChangeAspect="1"/>
+          </p:cNvSpPr>
           <p:nvPr>
-            <p:ph idx="2" type="sldImg"/>
+            <p:ph type="sldImg" idx="2"/>
           </p:nvPr>
         </p:nvSpPr>
         <p:spPr>
@@ -1146,9 +1192,13 @@
             <a:ext cx="6096000" cy="3429000"/>
           </a:xfrm>
           <a:custGeom>
-            <a:rect b="b" l="l" r="r" t="t"/>
+            <a:avLst/>
+            <a:gdLst/>
+            <a:ahLst/>
+            <a:cxnLst/>
+            <a:rect l="l" t="t" r="r" b="b"/>
             <a:pathLst>
-              <a:path extrusionOk="0" h="120000" w="120000">
+              <a:path w="120000" h="120000" extrusionOk="0">
                 <a:moveTo>
                   <a:pt x="0" y="0"/>
                 </a:moveTo>
@@ -1170,9 +1220,11 @@
       <p:sp>
         <p:nvSpPr>
           <p:cNvPr id="81" name="Google Shape;81;g1e076237a35_0_19:notes"/>
-          <p:cNvSpPr txBox="1"/>
+          <p:cNvSpPr txBox="1">
+            <a:spLocks noGrp="1"/>
+          </p:cNvSpPr>
           <p:nvPr>
-            <p:ph idx="1" type="body"/>
+            <p:ph type="body" idx="1"/>
           </p:nvPr>
         </p:nvSpPr>
         <p:spPr>
@@ -1185,12 +1237,12 @@
           </a:prstGeom>
         </p:spPr>
         <p:txBody>
-          <a:bodyPr anchorCtr="0" anchor="t" bIns="91425" lIns="91425" spcFirstLastPara="1" rIns="91425" wrap="square" tIns="91425">
+          <a:bodyPr spcFirstLastPara="1" wrap="square" lIns="91425" tIns="91425" rIns="91425" bIns="91425" anchor="t" anchorCtr="0">
             <a:noAutofit/>
           </a:bodyPr>
           <a:lstStyle/>
           <a:p>
-            <a:pPr indent="0" lvl="0" marL="0" rtl="0" algn="l">
+            <a:pPr marL="0" lvl="0" indent="0" algn="l" rtl="0">
               <a:spcBef>
                 <a:spcPts val="0"/>
               </a:spcBef>
@@ -1199,9 +1251,6 @@
               </a:spcAft>
               <a:buNone/>
             </a:pPr>
-            <a:r>
-              <a:t/>
-            </a:r>
             <a:endParaRPr/>
           </a:p>
         </p:txBody>
@@ -1215,11 +1264,11 @@
 </file>
 
 <file path=ppt/notesSlides/notesSlide6.xml><?xml version="1.0" encoding="utf-8"?>
-<p:notes xmlns:a="http://schemas.openxmlformats.org/drawingml/2006/main" xmlns:r="http://schemas.openxmlformats.org/officeDocument/2006/relationships" xmlns:mc="http://schemas.openxmlformats.org/markup-compatibility/2006" xmlns:mv="urn:schemas-microsoft-com:mac:vml" xmlns:p="http://schemas.openxmlformats.org/presentationml/2006/main" xmlns:c="http://schemas.openxmlformats.org/drawingml/2006/chart" xmlns:dgm="http://schemas.openxmlformats.org/drawingml/2006/diagram" xmlns:o="urn:schemas-microsoft-com:office:office" xmlns:v="urn:schemas-microsoft-com:vml" xmlns:pvml="urn:schemas-microsoft-com:office:powerpoint" xmlns:com="http://schemas.openxmlformats.org/drawingml/2006/compatibility" xmlns:p14="http://schemas.microsoft.com/office/powerpoint/2010/main" xmlns:p15="http://schemas.microsoft.com/office/powerpoint/2012/main" xmlns:ahyp="http://schemas.microsoft.com/office/drawing/2018/hyperlinkcolor" showMasterPhAnim="0" showMasterSp="0">
+<p:notes xmlns:a="http://schemas.openxmlformats.org/drawingml/2006/main" xmlns:r="http://schemas.openxmlformats.org/officeDocument/2006/relationships" xmlns:p="http://schemas.openxmlformats.org/presentationml/2006/main" showMasterSp="0" showMasterPhAnim="0">
   <p:cSld>
     <p:spTree>
       <p:nvGrpSpPr>
-        <p:cNvPr id="86" name="Shape 86"/>
+        <p:cNvPr id="1" name="Shape 86"/>
         <p:cNvGrpSpPr/>
         <p:nvPr/>
       </p:nvGrpSpPr>
@@ -1234,9 +1283,11 @@
       <p:sp>
         <p:nvSpPr>
           <p:cNvPr id="87" name="Google Shape;87;g1e076237a35_0_58:notes"/>
-          <p:cNvSpPr/>
+          <p:cNvSpPr>
+            <a:spLocks noGrp="1" noRot="1" noChangeAspect="1"/>
+          </p:cNvSpPr>
           <p:nvPr>
-            <p:ph idx="2" type="sldImg"/>
+            <p:ph type="sldImg" idx="2"/>
           </p:nvPr>
         </p:nvSpPr>
         <p:spPr>
@@ -1245,9 +1296,13 @@
             <a:ext cx="6096000" cy="3429000"/>
           </a:xfrm>
           <a:custGeom>
-            <a:rect b="b" l="l" r="r" t="t"/>
+            <a:avLst/>
+            <a:gdLst/>
+            <a:ahLst/>
+            <a:cxnLst/>
+            <a:rect l="l" t="t" r="r" b="b"/>
             <a:pathLst>
-              <a:path extrusionOk="0" h="120000" w="120000">
+              <a:path w="120000" h="120000" extrusionOk="0">
                 <a:moveTo>
                   <a:pt x="0" y="0"/>
                 </a:moveTo>
@@ -1269,9 +1324,11 @@
       <p:sp>
         <p:nvSpPr>
           <p:cNvPr id="88" name="Google Shape;88;g1e076237a35_0_58:notes"/>
-          <p:cNvSpPr txBox="1"/>
+          <p:cNvSpPr txBox="1">
+            <a:spLocks noGrp="1"/>
+          </p:cNvSpPr>
           <p:nvPr>
-            <p:ph idx="1" type="body"/>
+            <p:ph type="body" idx="1"/>
           </p:nvPr>
         </p:nvSpPr>
         <p:spPr>
@@ -1284,12 +1341,12 @@
           </a:prstGeom>
         </p:spPr>
         <p:txBody>
-          <a:bodyPr anchorCtr="0" anchor="t" bIns="91425" lIns="91425" spcFirstLastPara="1" rIns="91425" wrap="square" tIns="91425">
+          <a:bodyPr spcFirstLastPara="1" wrap="square" lIns="91425" tIns="91425" rIns="91425" bIns="91425" anchor="t" anchorCtr="0">
             <a:noAutofit/>
           </a:bodyPr>
           <a:lstStyle/>
           <a:p>
-            <a:pPr indent="0" lvl="0" marL="0" rtl="0" algn="l">
+            <a:pPr marL="0" lvl="0" indent="0" algn="l" rtl="0">
               <a:spcBef>
                 <a:spcPts val="0"/>
               </a:spcBef>
@@ -1298,9 +1355,6 @@
               </a:spcAft>
               <a:buNone/>
             </a:pPr>
-            <a:r>
-              <a:t/>
-            </a:r>
             <a:endParaRPr/>
           </a:p>
         </p:txBody>
@@ -1314,11 +1368,11 @@
 </file>
 
 <file path=ppt/slideLayouts/slideLayout1.xml><?xml version="1.0" encoding="utf-8"?>
-<p:sldLayout xmlns:a="http://schemas.openxmlformats.org/drawingml/2006/main" xmlns:r="http://schemas.openxmlformats.org/officeDocument/2006/relationships" xmlns:mc="http://schemas.openxmlformats.org/markup-compatibility/2006" xmlns:mv="urn:schemas-microsoft-com:mac:vml" xmlns:p="http://schemas.openxmlformats.org/presentationml/2006/main" xmlns:c="http://schemas.openxmlformats.org/drawingml/2006/chart" xmlns:dgm="http://schemas.openxmlformats.org/drawingml/2006/diagram" xmlns:o="urn:schemas-microsoft-com:office:office" xmlns:v="urn:schemas-microsoft-com:vml" xmlns:pvml="urn:schemas-microsoft-com:office:powerpoint" xmlns:com="http://schemas.openxmlformats.org/drawingml/2006/compatibility" xmlns:p14="http://schemas.microsoft.com/office/powerpoint/2010/main" xmlns:p15="http://schemas.microsoft.com/office/powerpoint/2012/main" xmlns:ahyp="http://schemas.microsoft.com/office/drawing/2018/hyperlinkcolor" matchingName="Title slide" type="title">
+<p:sldLayout xmlns:a="http://schemas.openxmlformats.org/drawingml/2006/main" xmlns:r="http://schemas.openxmlformats.org/officeDocument/2006/relationships" xmlns:p="http://schemas.openxmlformats.org/presentationml/2006/main" matchingName="Title slide" type="title">
   <p:cSld name="TITLE">
     <p:spTree>
       <p:nvGrpSpPr>
-        <p:cNvPr id="9" name="Shape 9"/>
+        <p:cNvPr id="1" name="Shape 9"/>
         <p:cNvGrpSpPr/>
         <p:nvPr/>
       </p:nvGrpSpPr>
@@ -1352,12 +1406,12 @@
           </a:ln>
         </p:spPr>
         <p:txBody>
-          <a:bodyPr anchorCtr="0" anchor="ctr" bIns="91425" lIns="91425" spcFirstLastPara="1" rIns="91425" wrap="square" tIns="91425">
+          <a:bodyPr spcFirstLastPara="1" wrap="square" lIns="91425" tIns="91425" rIns="91425" bIns="91425" anchor="ctr" anchorCtr="0">
             <a:noAutofit/>
           </a:bodyPr>
           <a:lstStyle/>
           <a:p>
-            <a:pPr indent="0" lvl="0" marL="0" rtl="0" algn="l">
+            <a:pPr marL="0" lvl="0" indent="0" algn="l" rtl="0">
               <a:spcBef>
                 <a:spcPts val="0"/>
               </a:spcBef>
@@ -1366,9 +1420,6 @@
               </a:spcAft>
               <a:buNone/>
             </a:pPr>
-            <a:r>
-              <a:t/>
-            </a:r>
             <a:endParaRPr/>
           </a:p>
         </p:txBody>
@@ -1388,23 +1439,23 @@
             <a:avLst/>
           </a:prstGeom>
           <a:noFill/>
-          <a:ln cap="flat" cmpd="sng" w="28575">
+          <a:ln w="28575" cap="flat" cmpd="sng">
             <a:solidFill>
               <a:schemeClr val="lt1"/>
             </a:solidFill>
             <a:prstDash val="solid"/>
             <a:miter lim="8000"/>
-            <a:headEnd len="sm" w="sm" type="none"/>
-            <a:tailEnd len="sm" w="sm" type="none"/>
+            <a:headEnd type="none" w="sm" len="sm"/>
+            <a:tailEnd type="none" w="sm" len="sm"/>
           </a:ln>
         </p:spPr>
         <p:txBody>
-          <a:bodyPr anchorCtr="0" anchor="ctr" bIns="91425" lIns="91425" spcFirstLastPara="1" rIns="91425" wrap="square" tIns="91425">
+          <a:bodyPr spcFirstLastPara="1" wrap="square" lIns="91425" tIns="91425" rIns="91425" bIns="91425" anchor="ctr" anchorCtr="0">
             <a:noAutofit/>
           </a:bodyPr>
           <a:lstStyle/>
           <a:p>
-            <a:pPr indent="0" lvl="0" marL="0" rtl="0" algn="l">
+            <a:pPr marL="0" lvl="0" indent="0" algn="l" rtl="0">
               <a:spcBef>
                 <a:spcPts val="0"/>
               </a:spcBef>
@@ -1413,9 +1464,6 @@
               </a:spcAft>
               <a:buNone/>
             </a:pPr>
-            <a:r>
-              <a:t/>
-            </a:r>
             <a:endParaRPr/>
           </a:p>
         </p:txBody>
@@ -1423,7 +1471,9 @@
       <p:sp>
         <p:nvSpPr>
           <p:cNvPr id="12" name="Google Shape;12;p2"/>
-          <p:cNvSpPr txBox="1"/>
+          <p:cNvSpPr txBox="1">
+            <a:spLocks noGrp="1"/>
+          </p:cNvSpPr>
           <p:nvPr>
             <p:ph type="ctrTitle"/>
           </p:nvPr>
@@ -1438,7 +1488,7 @@
           </a:prstGeom>
         </p:spPr>
         <p:txBody>
-          <a:bodyPr anchorCtr="0" anchor="ctr" bIns="91425" lIns="91425" spcFirstLastPara="1" rIns="91425" wrap="square" tIns="91425">
+          <a:bodyPr spcFirstLastPara="1" wrap="square" lIns="91425" tIns="91425" rIns="91425" bIns="91425" anchor="ctr" anchorCtr="0">
             <a:normAutofit/>
           </a:bodyPr>
           <a:lstStyle>
@@ -1650,15 +1700,19 @@
               </a:defRPr>
             </a:lvl9pPr>
           </a:lstStyle>
-          <a:p/>
+          <a:p>
+            <a:endParaRPr/>
+          </a:p>
         </p:txBody>
       </p:sp>
       <p:sp>
         <p:nvSpPr>
           <p:cNvPr id="13" name="Google Shape;13;p2"/>
-          <p:cNvSpPr txBox="1"/>
+          <p:cNvSpPr txBox="1">
+            <a:spLocks noGrp="1"/>
+          </p:cNvSpPr>
           <p:nvPr>
-            <p:ph idx="1" type="subTitle"/>
+            <p:ph type="subTitle" idx="1"/>
           </p:nvPr>
         </p:nvSpPr>
         <p:spPr>
@@ -1671,7 +1725,7 @@
           </a:prstGeom>
         </p:spPr>
         <p:txBody>
-          <a:bodyPr anchorCtr="0" anchor="b" bIns="91425" lIns="91425" spcFirstLastPara="1" rIns="91425" wrap="square" tIns="91425">
+          <a:bodyPr spcFirstLastPara="1" wrap="square" lIns="91425" tIns="91425" rIns="91425" bIns="91425" anchor="b" anchorCtr="0">
             <a:normAutofit/>
           </a:bodyPr>
           <a:lstStyle>
@@ -1717,7 +1771,7 @@
               <a:buSzPts val="1800"/>
               <a:buFont typeface="Playfair Display"/>
               <a:buNone/>
-              <a:defRPr b="1" sz="1800">
+              <a:defRPr sz="1800" b="1">
                 <a:solidFill>
                   <a:schemeClr val="lt1"/>
                 </a:solidFill>
@@ -1743,7 +1797,7 @@
               <a:buSzPts val="1800"/>
               <a:buFont typeface="Playfair Display"/>
               <a:buNone/>
-              <a:defRPr b="1" sz="1800">
+              <a:defRPr sz="1800" b="1">
                 <a:solidFill>
                   <a:schemeClr val="lt1"/>
                 </a:solidFill>
@@ -1769,7 +1823,7 @@
               <a:buSzPts val="1800"/>
               <a:buFont typeface="Playfair Display"/>
               <a:buNone/>
-              <a:defRPr b="1" sz="1800">
+              <a:defRPr sz="1800" b="1">
                 <a:solidFill>
                   <a:schemeClr val="lt1"/>
                 </a:solidFill>
@@ -1795,7 +1849,7 @@
               <a:buSzPts val="1800"/>
               <a:buFont typeface="Playfair Display"/>
               <a:buNone/>
-              <a:defRPr b="1" sz="1800">
+              <a:defRPr sz="1800" b="1">
                 <a:solidFill>
                   <a:schemeClr val="lt1"/>
                 </a:solidFill>
@@ -1821,7 +1875,7 @@
               <a:buSzPts val="1800"/>
               <a:buFont typeface="Playfair Display"/>
               <a:buNone/>
-              <a:defRPr b="1" sz="1800">
+              <a:defRPr sz="1800" b="1">
                 <a:solidFill>
                   <a:schemeClr val="lt1"/>
                 </a:solidFill>
@@ -1847,7 +1901,7 @@
               <a:buSzPts val="1800"/>
               <a:buFont typeface="Playfair Display"/>
               <a:buNone/>
-              <a:defRPr b="1" sz="1800">
+              <a:defRPr sz="1800" b="1">
                 <a:solidFill>
                   <a:schemeClr val="lt1"/>
                 </a:solidFill>
@@ -1873,7 +1927,7 @@
               <a:buSzPts val="1800"/>
               <a:buFont typeface="Playfair Display"/>
               <a:buNone/>
-              <a:defRPr b="1" sz="1800">
+              <a:defRPr sz="1800" b="1">
                 <a:solidFill>
                   <a:schemeClr val="lt1"/>
                 </a:solidFill>
@@ -1899,7 +1953,7 @@
               <a:buSzPts val="1800"/>
               <a:buFont typeface="Playfair Display"/>
               <a:buNone/>
-              <a:defRPr b="1" sz="1800">
+              <a:defRPr sz="1800" b="1">
                 <a:solidFill>
                   <a:schemeClr val="lt1"/>
                 </a:solidFill>
@@ -1910,15 +1964,19 @@
               </a:defRPr>
             </a:lvl9pPr>
           </a:lstStyle>
-          <a:p/>
+          <a:p>
+            <a:endParaRPr/>
+          </a:p>
         </p:txBody>
       </p:sp>
       <p:sp>
         <p:nvSpPr>
           <p:cNvPr id="14" name="Google Shape;14;p2"/>
-          <p:cNvSpPr txBox="1"/>
+          <p:cNvSpPr txBox="1">
+            <a:spLocks noGrp="1"/>
+          </p:cNvSpPr>
           <p:nvPr>
-            <p:ph idx="12" type="sldNum"/>
+            <p:ph type="sldNum" idx="12"/>
           </p:nvPr>
         </p:nvSpPr>
         <p:spPr>
@@ -1931,7 +1989,7 @@
           </a:prstGeom>
         </p:spPr>
         <p:txBody>
-          <a:bodyPr anchorCtr="0" anchor="ctr" bIns="91425" lIns="91425" spcFirstLastPara="1" rIns="91425" wrap="square" tIns="91425">
+          <a:bodyPr spcFirstLastPara="1" wrap="square" lIns="91425" tIns="91425" rIns="91425" bIns="91425" anchor="ctr" anchorCtr="0">
             <a:normAutofit/>
           </a:bodyPr>
           <a:lstStyle>
@@ -1973,7 +2031,7 @@
             </a:lvl9pPr>
           </a:lstStyle>
           <a:p>
-            <a:pPr indent="0" lvl="0" marL="0" rtl="0" algn="r">
+            <a:pPr marL="0" lvl="0" indent="0" algn="r" rtl="0">
               <a:spcBef>
                 <a:spcPts val="0"/>
               </a:spcBef>
@@ -1984,7 +2042,7 @@
             </a:pPr>
             <a:fld id="{00000000-1234-1234-1234-123412341234}" type="slidenum">
               <a:rPr lang="fr"/>
-              <a:t>‹#›</a:t>
+              <a:t>‹N°›</a:t>
             </a:fld>
             <a:endParaRPr/>
           </a:p>
@@ -1999,11 +2057,11 @@
 </file>
 
 <file path=ppt/slideLayouts/slideLayout10.xml><?xml version="1.0" encoding="utf-8"?>
-<p:sldLayout xmlns:a="http://schemas.openxmlformats.org/drawingml/2006/main" xmlns:r="http://schemas.openxmlformats.org/officeDocument/2006/relationships" xmlns:mc="http://schemas.openxmlformats.org/markup-compatibility/2006" xmlns:mv="urn:schemas-microsoft-com:mac:vml" xmlns:p="http://schemas.openxmlformats.org/presentationml/2006/main" xmlns:c="http://schemas.openxmlformats.org/drawingml/2006/chart" xmlns:dgm="http://schemas.openxmlformats.org/drawingml/2006/diagram" xmlns:o="urn:schemas-microsoft-com:office:office" xmlns:v="urn:schemas-microsoft-com:vml" xmlns:pvml="urn:schemas-microsoft-com:office:powerpoint" xmlns:com="http://schemas.openxmlformats.org/drawingml/2006/compatibility" xmlns:p14="http://schemas.microsoft.com/office/powerpoint/2010/main" xmlns:p15="http://schemas.microsoft.com/office/powerpoint/2012/main" xmlns:ahyp="http://schemas.microsoft.com/office/drawing/2018/hyperlinkcolor" matchingName="Big number">
+<p:sldLayout xmlns:a="http://schemas.openxmlformats.org/drawingml/2006/main" xmlns:r="http://schemas.openxmlformats.org/officeDocument/2006/relationships" xmlns:p="http://schemas.openxmlformats.org/presentationml/2006/main" matchingName="Big number">
   <p:cSld name="BIG_NUMBER">
     <p:spTree>
       <p:nvGrpSpPr>
-        <p:cNvPr id="48" name="Shape 48"/>
+        <p:cNvPr id="1" name="Shape 48"/>
         <p:cNvGrpSpPr/>
         <p:nvPr/>
       </p:nvGrpSpPr>
@@ -2037,12 +2095,12 @@
           </a:ln>
         </p:spPr>
         <p:txBody>
-          <a:bodyPr anchorCtr="0" anchor="ctr" bIns="91425" lIns="91425" spcFirstLastPara="1" rIns="91425" wrap="square" tIns="91425">
+          <a:bodyPr spcFirstLastPara="1" wrap="square" lIns="91425" tIns="91425" rIns="91425" bIns="91425" anchor="ctr" anchorCtr="0">
             <a:noAutofit/>
           </a:bodyPr>
           <a:lstStyle/>
           <a:p>
-            <a:pPr indent="0" lvl="0" marL="0" rtl="0" algn="l">
+            <a:pPr marL="0" lvl="0" indent="0" algn="l" rtl="0">
               <a:spcBef>
                 <a:spcPts val="0"/>
               </a:spcBef>
@@ -2051,9 +2109,6 @@
               </a:spcAft>
               <a:buNone/>
             </a:pPr>
-            <a:r>
-              <a:t/>
-            </a:r>
             <a:endParaRPr/>
           </a:p>
         </p:txBody>
@@ -2061,9 +2116,11 @@
       <p:sp>
         <p:nvSpPr>
           <p:cNvPr id="50" name="Google Shape;50;p11"/>
-          <p:cNvSpPr txBox="1"/>
+          <p:cNvSpPr txBox="1">
+            <a:spLocks noGrp="1"/>
+          </p:cNvSpPr>
           <p:nvPr>
-            <p:ph hasCustomPrompt="1" type="title"/>
+            <p:ph type="title" hasCustomPrompt="1"/>
           </p:nvPr>
         </p:nvSpPr>
         <p:spPr>
@@ -2076,7 +2133,7 @@
           </a:prstGeom>
         </p:spPr>
         <p:txBody>
-          <a:bodyPr anchorCtr="0" anchor="b" bIns="91425" lIns="91425" spcFirstLastPara="1" rIns="91425" wrap="square" tIns="91425">
+          <a:bodyPr spcFirstLastPara="1" wrap="square" lIns="91425" tIns="91425" rIns="91425" bIns="91425" anchor="b" anchorCtr="0">
             <a:normAutofit/>
           </a:bodyPr>
           <a:lstStyle>
@@ -2244,9 +2301,11 @@
       <p:sp>
         <p:nvSpPr>
           <p:cNvPr id="51" name="Google Shape;51;p11"/>
-          <p:cNvSpPr txBox="1"/>
+          <p:cNvSpPr txBox="1">
+            <a:spLocks noGrp="1"/>
+          </p:cNvSpPr>
           <p:nvPr>
-            <p:ph idx="1" type="body"/>
+            <p:ph type="body" idx="1"/>
           </p:nvPr>
         </p:nvSpPr>
         <p:spPr>
@@ -2259,11 +2318,11 @@
           </a:prstGeom>
         </p:spPr>
         <p:txBody>
-          <a:bodyPr anchorCtr="0" anchor="t" bIns="91425" lIns="91425" spcFirstLastPara="1" rIns="91425" wrap="square" tIns="91425">
+          <a:bodyPr spcFirstLastPara="1" wrap="square" lIns="91425" tIns="91425" rIns="91425" bIns="91425" anchor="t" anchorCtr="0">
             <a:normAutofit/>
           </a:bodyPr>
           <a:lstStyle>
-            <a:lvl1pPr indent="-342900" lvl="0" marL="457200" algn="ctr">
+            <a:lvl1pPr marL="457200" lvl="0" indent="-342900" algn="ctr">
               <a:spcBef>
                 <a:spcPts val="0"/>
               </a:spcBef>
@@ -2274,7 +2333,7 @@
               <a:buChar char="●"/>
               <a:defRPr/>
             </a:lvl1pPr>
-            <a:lvl2pPr indent="-317500" lvl="1" marL="914400" algn="ctr">
+            <a:lvl2pPr marL="914400" lvl="1" indent="-317500" algn="ctr">
               <a:spcBef>
                 <a:spcPts val="0"/>
               </a:spcBef>
@@ -2285,7 +2344,7 @@
               <a:buChar char="○"/>
               <a:defRPr/>
             </a:lvl2pPr>
-            <a:lvl3pPr indent="-317500" lvl="2" marL="1371600" algn="ctr">
+            <a:lvl3pPr marL="1371600" lvl="2" indent="-317500" algn="ctr">
               <a:spcBef>
                 <a:spcPts val="0"/>
               </a:spcBef>
@@ -2296,7 +2355,7 @@
               <a:buChar char="■"/>
               <a:defRPr/>
             </a:lvl3pPr>
-            <a:lvl4pPr indent="-317500" lvl="3" marL="1828800" algn="ctr">
+            <a:lvl4pPr marL="1828800" lvl="3" indent="-317500" algn="ctr">
               <a:spcBef>
                 <a:spcPts val="0"/>
               </a:spcBef>
@@ -2307,7 +2366,7 @@
               <a:buChar char="●"/>
               <a:defRPr/>
             </a:lvl4pPr>
-            <a:lvl5pPr indent="-317500" lvl="4" marL="2286000" algn="ctr">
+            <a:lvl5pPr marL="2286000" lvl="4" indent="-317500" algn="ctr">
               <a:spcBef>
                 <a:spcPts val="0"/>
               </a:spcBef>
@@ -2318,7 +2377,7 @@
               <a:buChar char="○"/>
               <a:defRPr/>
             </a:lvl5pPr>
-            <a:lvl6pPr indent="-317500" lvl="5" marL="2743200" algn="ctr">
+            <a:lvl6pPr marL="2743200" lvl="5" indent="-317500" algn="ctr">
               <a:spcBef>
                 <a:spcPts val="0"/>
               </a:spcBef>
@@ -2329,7 +2388,7 @@
               <a:buChar char="■"/>
               <a:defRPr/>
             </a:lvl6pPr>
-            <a:lvl7pPr indent="-317500" lvl="6" marL="3200400" algn="ctr">
+            <a:lvl7pPr marL="3200400" lvl="6" indent="-317500" algn="ctr">
               <a:spcBef>
                 <a:spcPts val="0"/>
               </a:spcBef>
@@ -2340,7 +2399,7 @@
               <a:buChar char="●"/>
               <a:defRPr/>
             </a:lvl7pPr>
-            <a:lvl8pPr indent="-317500" lvl="7" marL="3657600" algn="ctr">
+            <a:lvl8pPr marL="3657600" lvl="7" indent="-317500" algn="ctr">
               <a:spcBef>
                 <a:spcPts val="0"/>
               </a:spcBef>
@@ -2351,7 +2410,7 @@
               <a:buChar char="○"/>
               <a:defRPr/>
             </a:lvl8pPr>
-            <a:lvl9pPr indent="-317500" lvl="8" marL="4114800" algn="ctr">
+            <a:lvl9pPr marL="4114800" lvl="8" indent="-317500" algn="ctr">
               <a:spcBef>
                 <a:spcPts val="0"/>
               </a:spcBef>
@@ -2363,15 +2422,19 @@
               <a:defRPr/>
             </a:lvl9pPr>
           </a:lstStyle>
-          <a:p/>
+          <a:p>
+            <a:endParaRPr/>
+          </a:p>
         </p:txBody>
       </p:sp>
       <p:sp>
         <p:nvSpPr>
           <p:cNvPr id="52" name="Google Shape;52;p11"/>
-          <p:cNvSpPr txBox="1"/>
+          <p:cNvSpPr txBox="1">
+            <a:spLocks noGrp="1"/>
+          </p:cNvSpPr>
           <p:nvPr>
-            <p:ph idx="12" type="sldNum"/>
+            <p:ph type="sldNum" idx="12"/>
           </p:nvPr>
         </p:nvSpPr>
         <p:spPr>
@@ -2384,7 +2447,7 @@
           </a:prstGeom>
         </p:spPr>
         <p:txBody>
-          <a:bodyPr anchorCtr="0" anchor="ctr" bIns="91425" lIns="91425" spcFirstLastPara="1" rIns="91425" wrap="square" tIns="91425">
+          <a:bodyPr spcFirstLastPara="1" wrap="square" lIns="91425" tIns="91425" rIns="91425" bIns="91425" anchor="ctr" anchorCtr="0">
             <a:normAutofit/>
           </a:bodyPr>
           <a:lstStyle>
@@ -2426,7 +2489,7 @@
             </a:lvl9pPr>
           </a:lstStyle>
           <a:p>
-            <a:pPr indent="0" lvl="0" marL="0" rtl="0" algn="r">
+            <a:pPr marL="0" lvl="0" indent="0" algn="r" rtl="0">
               <a:spcBef>
                 <a:spcPts val="0"/>
               </a:spcBef>
@@ -2437,7 +2500,7 @@
             </a:pPr>
             <a:fld id="{00000000-1234-1234-1234-123412341234}" type="slidenum">
               <a:rPr lang="fr"/>
-              <a:t>‹#›</a:t>
+              <a:t>‹N°›</a:t>
             </a:fld>
             <a:endParaRPr/>
           </a:p>
@@ -2452,11 +2515,11 @@
 </file>
 
 <file path=ppt/slideLayouts/slideLayout11.xml><?xml version="1.0" encoding="utf-8"?>
-<p:sldLayout xmlns:a="http://schemas.openxmlformats.org/drawingml/2006/main" xmlns:r="http://schemas.openxmlformats.org/officeDocument/2006/relationships" xmlns:mc="http://schemas.openxmlformats.org/markup-compatibility/2006" xmlns:mv="urn:schemas-microsoft-com:mac:vml" xmlns:p="http://schemas.openxmlformats.org/presentationml/2006/main" xmlns:c="http://schemas.openxmlformats.org/drawingml/2006/chart" xmlns:dgm="http://schemas.openxmlformats.org/drawingml/2006/diagram" xmlns:o="urn:schemas-microsoft-com:office:office" xmlns:v="urn:schemas-microsoft-com:vml" xmlns:pvml="urn:schemas-microsoft-com:office:powerpoint" xmlns:com="http://schemas.openxmlformats.org/drawingml/2006/compatibility" xmlns:p14="http://schemas.microsoft.com/office/powerpoint/2010/main" xmlns:p15="http://schemas.microsoft.com/office/powerpoint/2012/main" xmlns:ahyp="http://schemas.microsoft.com/office/drawing/2018/hyperlinkcolor" matchingName="Blank" type="blank">
+<p:sldLayout xmlns:a="http://schemas.openxmlformats.org/drawingml/2006/main" xmlns:r="http://schemas.openxmlformats.org/officeDocument/2006/relationships" xmlns:p="http://schemas.openxmlformats.org/presentationml/2006/main" matchingName="Blank" type="blank">
   <p:cSld name="BLANK">
     <p:spTree>
       <p:nvGrpSpPr>
-        <p:cNvPr id="53" name="Shape 53"/>
+        <p:cNvPr id="1" name="Shape 53"/>
         <p:cNvGrpSpPr/>
         <p:nvPr/>
       </p:nvGrpSpPr>
@@ -2471,9 +2534,11 @@
       <p:sp>
         <p:nvSpPr>
           <p:cNvPr id="54" name="Google Shape;54;p12"/>
-          <p:cNvSpPr txBox="1"/>
+          <p:cNvSpPr txBox="1">
+            <a:spLocks noGrp="1"/>
+          </p:cNvSpPr>
           <p:nvPr>
-            <p:ph idx="12" type="sldNum"/>
+            <p:ph type="sldNum" idx="12"/>
           </p:nvPr>
         </p:nvSpPr>
         <p:spPr>
@@ -2486,7 +2551,7 @@
           </a:prstGeom>
         </p:spPr>
         <p:txBody>
-          <a:bodyPr anchorCtr="0" anchor="ctr" bIns="91425" lIns="91425" spcFirstLastPara="1" rIns="91425" wrap="square" tIns="91425">
+          <a:bodyPr spcFirstLastPara="1" wrap="square" lIns="91425" tIns="91425" rIns="91425" bIns="91425" anchor="ctr" anchorCtr="0">
             <a:normAutofit/>
           </a:bodyPr>
           <a:lstStyle>
@@ -2528,7 +2593,7 @@
             </a:lvl9pPr>
           </a:lstStyle>
           <a:p>
-            <a:pPr indent="0" lvl="0" marL="0" rtl="0" algn="r">
+            <a:pPr marL="0" lvl="0" indent="0" algn="r" rtl="0">
               <a:spcBef>
                 <a:spcPts val="0"/>
               </a:spcBef>
@@ -2539,7 +2604,7 @@
             </a:pPr>
             <a:fld id="{00000000-1234-1234-1234-123412341234}" type="slidenum">
               <a:rPr lang="fr"/>
-              <a:t>‹#›</a:t>
+              <a:t>‹N°›</a:t>
             </a:fld>
             <a:endParaRPr/>
           </a:p>
@@ -2554,18 +2619,19 @@
 </file>
 
 <file path=ppt/slideLayouts/slideLayout2.xml><?xml version="1.0" encoding="utf-8"?>
-<p:sldLayout xmlns:a="http://schemas.openxmlformats.org/drawingml/2006/main" xmlns:r="http://schemas.openxmlformats.org/officeDocument/2006/relationships" xmlns:mc="http://schemas.openxmlformats.org/markup-compatibility/2006" xmlns:mv="urn:schemas-microsoft-com:mac:vml" xmlns:p="http://schemas.openxmlformats.org/presentationml/2006/main" xmlns:c="http://schemas.openxmlformats.org/drawingml/2006/chart" xmlns:dgm="http://schemas.openxmlformats.org/drawingml/2006/diagram" xmlns:o="urn:schemas-microsoft-com:office:office" xmlns:v="urn:schemas-microsoft-com:vml" xmlns:pvml="urn:schemas-microsoft-com:office:powerpoint" xmlns:com="http://schemas.openxmlformats.org/drawingml/2006/compatibility" xmlns:p14="http://schemas.microsoft.com/office/powerpoint/2010/main" xmlns:p15="http://schemas.microsoft.com/office/powerpoint/2012/main" xmlns:ahyp="http://schemas.microsoft.com/office/drawing/2018/hyperlinkcolor" matchingName="Section header" type="secHead">
+<p:sldLayout xmlns:a="http://schemas.openxmlformats.org/drawingml/2006/main" xmlns:r="http://schemas.openxmlformats.org/officeDocument/2006/relationships" xmlns:p="http://schemas.openxmlformats.org/presentationml/2006/main" matchingName="Section header" type="secHead">
   <p:cSld name="SECTION_HEADER">
     <p:bg>
       <p:bgPr>
         <a:solidFill>
           <a:schemeClr val="dk1"/>
         </a:solidFill>
+        <a:effectLst/>
       </p:bgPr>
     </p:bg>
     <p:spTree>
       <p:nvGrpSpPr>
-        <p:cNvPr id="15" name="Shape 15"/>
+        <p:cNvPr id="1" name="Shape 15"/>
         <p:cNvGrpSpPr/>
         <p:nvPr/>
       </p:nvGrpSpPr>
@@ -2580,7 +2646,9 @@
       <p:sp>
         <p:nvSpPr>
           <p:cNvPr id="16" name="Google Shape;16;p3"/>
-          <p:cNvSpPr txBox="1"/>
+          <p:cNvSpPr txBox="1">
+            <a:spLocks noGrp="1"/>
+          </p:cNvSpPr>
           <p:nvPr>
             <p:ph type="title"/>
           </p:nvPr>
@@ -2595,7 +2663,7 @@
           </a:prstGeom>
         </p:spPr>
         <p:txBody>
-          <a:bodyPr anchorCtr="0" anchor="ctr" bIns="91425" lIns="91425" spcFirstLastPara="1" rIns="91425" wrap="square" tIns="91425">
+          <a:bodyPr spcFirstLastPara="1" wrap="square" lIns="91425" tIns="91425" rIns="91425" bIns="91425" anchor="ctr" anchorCtr="0">
             <a:normAutofit/>
           </a:bodyPr>
           <a:lstStyle>
@@ -2612,7 +2680,7 @@
               <a:buSzPts val="4800"/>
               <a:buFont typeface="Lato"/>
               <a:buNone/>
-              <a:defRPr b="0" sz="4800">
+              <a:defRPr sz="4800" b="0">
                 <a:solidFill>
                   <a:schemeClr val="lt1"/>
                 </a:solidFill>
@@ -2635,7 +2703,7 @@
               <a:buSzPts val="4800"/>
               <a:buFont typeface="Lato"/>
               <a:buNone/>
-              <a:defRPr b="0" sz="4800">
+              <a:defRPr sz="4800" b="0">
                 <a:solidFill>
                   <a:schemeClr val="lt1"/>
                 </a:solidFill>
@@ -2658,7 +2726,7 @@
               <a:buSzPts val="4800"/>
               <a:buFont typeface="Lato"/>
               <a:buNone/>
-              <a:defRPr b="0" sz="4800">
+              <a:defRPr sz="4800" b="0">
                 <a:solidFill>
                   <a:schemeClr val="lt1"/>
                 </a:solidFill>
@@ -2681,7 +2749,7 @@
               <a:buSzPts val="4800"/>
               <a:buFont typeface="Lato"/>
               <a:buNone/>
-              <a:defRPr b="0" sz="4800">
+              <a:defRPr sz="4800" b="0">
                 <a:solidFill>
                   <a:schemeClr val="lt1"/>
                 </a:solidFill>
@@ -2704,7 +2772,7 @@
               <a:buSzPts val="4800"/>
               <a:buFont typeface="Lato"/>
               <a:buNone/>
-              <a:defRPr b="0" sz="4800">
+              <a:defRPr sz="4800" b="0">
                 <a:solidFill>
                   <a:schemeClr val="lt1"/>
                 </a:solidFill>
@@ -2727,7 +2795,7 @@
               <a:buSzPts val="4800"/>
               <a:buFont typeface="Lato"/>
               <a:buNone/>
-              <a:defRPr b="0" sz="4800">
+              <a:defRPr sz="4800" b="0">
                 <a:solidFill>
                   <a:schemeClr val="lt1"/>
                 </a:solidFill>
@@ -2750,7 +2818,7 @@
               <a:buSzPts val="4800"/>
               <a:buFont typeface="Lato"/>
               <a:buNone/>
-              <a:defRPr b="0" sz="4800">
+              <a:defRPr sz="4800" b="0">
                 <a:solidFill>
                   <a:schemeClr val="lt1"/>
                 </a:solidFill>
@@ -2773,7 +2841,7 @@
               <a:buSzPts val="4800"/>
               <a:buFont typeface="Lato"/>
               <a:buNone/>
-              <a:defRPr b="0" sz="4800">
+              <a:defRPr sz="4800" b="0">
                 <a:solidFill>
                   <a:schemeClr val="lt1"/>
                 </a:solidFill>
@@ -2796,7 +2864,7 @@
               <a:buSzPts val="4800"/>
               <a:buFont typeface="Lato"/>
               <a:buNone/>
-              <a:defRPr b="0" sz="4800">
+              <a:defRPr sz="4800" b="0">
                 <a:solidFill>
                   <a:schemeClr val="lt1"/>
                 </a:solidFill>
@@ -2807,15 +2875,19 @@
               </a:defRPr>
             </a:lvl9pPr>
           </a:lstStyle>
-          <a:p/>
+          <a:p>
+            <a:endParaRPr/>
+          </a:p>
         </p:txBody>
       </p:sp>
       <p:sp>
         <p:nvSpPr>
           <p:cNvPr id="17" name="Google Shape;17;p3"/>
-          <p:cNvSpPr txBox="1"/>
+          <p:cNvSpPr txBox="1">
+            <a:spLocks noGrp="1"/>
+          </p:cNvSpPr>
           <p:nvPr>
-            <p:ph idx="12" type="sldNum"/>
+            <p:ph type="sldNum" idx="12"/>
           </p:nvPr>
         </p:nvSpPr>
         <p:spPr>
@@ -2828,7 +2900,7 @@
           </a:prstGeom>
         </p:spPr>
         <p:txBody>
-          <a:bodyPr anchorCtr="0" anchor="ctr" bIns="91425" lIns="91425" spcFirstLastPara="1" rIns="91425" wrap="square" tIns="91425">
+          <a:bodyPr spcFirstLastPara="1" wrap="square" lIns="91425" tIns="91425" rIns="91425" bIns="91425" anchor="ctr" anchorCtr="0">
             <a:normAutofit/>
           </a:bodyPr>
           <a:lstStyle>
@@ -2906,7 +2978,7 @@
             </a:lvl9pPr>
           </a:lstStyle>
           <a:p>
-            <a:pPr indent="0" lvl="0" marL="0" rtl="0" algn="r">
+            <a:pPr marL="0" lvl="0" indent="0" algn="r" rtl="0">
               <a:spcBef>
                 <a:spcPts val="0"/>
               </a:spcBef>
@@ -2917,7 +2989,7 @@
             </a:pPr>
             <a:fld id="{00000000-1234-1234-1234-123412341234}" type="slidenum">
               <a:rPr lang="fr"/>
-              <a:t>‹#›</a:t>
+              <a:t>‹N°›</a:t>
             </a:fld>
             <a:endParaRPr/>
           </a:p>
@@ -2932,11 +3004,11 @@
 </file>
 
 <file path=ppt/slideLayouts/slideLayout3.xml><?xml version="1.0" encoding="utf-8"?>
-<p:sldLayout xmlns:a="http://schemas.openxmlformats.org/drawingml/2006/main" xmlns:r="http://schemas.openxmlformats.org/officeDocument/2006/relationships" xmlns:mc="http://schemas.openxmlformats.org/markup-compatibility/2006" xmlns:mv="urn:schemas-microsoft-com:mac:vml" xmlns:p="http://schemas.openxmlformats.org/presentationml/2006/main" xmlns:c="http://schemas.openxmlformats.org/drawingml/2006/chart" xmlns:dgm="http://schemas.openxmlformats.org/drawingml/2006/diagram" xmlns:o="urn:schemas-microsoft-com:office:office" xmlns:v="urn:schemas-microsoft-com:vml" xmlns:pvml="urn:schemas-microsoft-com:office:powerpoint" xmlns:com="http://schemas.openxmlformats.org/drawingml/2006/compatibility" xmlns:p14="http://schemas.microsoft.com/office/powerpoint/2010/main" xmlns:p15="http://schemas.microsoft.com/office/powerpoint/2012/main" xmlns:ahyp="http://schemas.microsoft.com/office/drawing/2018/hyperlinkcolor" matchingName="Title and body" type="tx">
+<p:sldLayout xmlns:a="http://schemas.openxmlformats.org/drawingml/2006/main" xmlns:r="http://schemas.openxmlformats.org/officeDocument/2006/relationships" xmlns:p="http://schemas.openxmlformats.org/presentationml/2006/main" matchingName="Title and body" type="tx">
   <p:cSld name="TITLE_AND_BODY">
     <p:spTree>
       <p:nvGrpSpPr>
-        <p:cNvPr id="18" name="Shape 18"/>
+        <p:cNvPr id="1" name="Shape 18"/>
         <p:cNvGrpSpPr/>
         <p:nvPr/>
       </p:nvGrpSpPr>
@@ -2970,12 +3042,12 @@
           </a:ln>
         </p:spPr>
         <p:txBody>
-          <a:bodyPr anchorCtr="0" anchor="ctr" bIns="91425" lIns="91425" spcFirstLastPara="1" rIns="91425" wrap="square" tIns="91425">
+          <a:bodyPr spcFirstLastPara="1" wrap="square" lIns="91425" tIns="91425" rIns="91425" bIns="91425" anchor="ctr" anchorCtr="0">
             <a:noAutofit/>
           </a:bodyPr>
           <a:lstStyle/>
           <a:p>
-            <a:pPr indent="0" lvl="0" marL="0" rtl="0" algn="l">
+            <a:pPr marL="0" lvl="0" indent="0" algn="l" rtl="0">
               <a:spcBef>
                 <a:spcPts val="0"/>
               </a:spcBef>
@@ -2984,9 +3056,6 @@
               </a:spcAft>
               <a:buNone/>
             </a:pPr>
-            <a:r>
-              <a:t/>
-            </a:r>
             <a:endParaRPr/>
           </a:p>
         </p:txBody>
@@ -2994,7 +3063,9 @@
       <p:sp>
         <p:nvSpPr>
           <p:cNvPr id="20" name="Google Shape;20;p4"/>
-          <p:cNvSpPr txBox="1"/>
+          <p:cNvSpPr txBox="1">
+            <a:spLocks noGrp="1"/>
+          </p:cNvSpPr>
           <p:nvPr>
             <p:ph type="title"/>
           </p:nvPr>
@@ -3009,7 +3080,7 @@
           </a:prstGeom>
         </p:spPr>
         <p:txBody>
-          <a:bodyPr anchorCtr="0" anchor="t" bIns="91425" lIns="91425" spcFirstLastPara="1" rIns="91425" wrap="square" tIns="91425">
+          <a:bodyPr spcFirstLastPara="1" wrap="square" lIns="91425" tIns="91425" rIns="91425" bIns="91425" anchor="t" anchorCtr="0">
             <a:normAutofit/>
           </a:bodyPr>
           <a:lstStyle>
@@ -3113,15 +3184,19 @@
               <a:defRPr/>
             </a:lvl9pPr>
           </a:lstStyle>
-          <a:p/>
+          <a:p>
+            <a:endParaRPr/>
+          </a:p>
         </p:txBody>
       </p:sp>
       <p:sp>
         <p:nvSpPr>
           <p:cNvPr id="21" name="Google Shape;21;p4"/>
-          <p:cNvSpPr txBox="1"/>
+          <p:cNvSpPr txBox="1">
+            <a:spLocks noGrp="1"/>
+          </p:cNvSpPr>
           <p:nvPr>
-            <p:ph idx="1" type="body"/>
+            <p:ph type="body" idx="1"/>
           </p:nvPr>
         </p:nvSpPr>
         <p:spPr>
@@ -3134,11 +3209,11 @@
           </a:prstGeom>
         </p:spPr>
         <p:txBody>
-          <a:bodyPr anchorCtr="0" anchor="t" bIns="91425" lIns="91425" spcFirstLastPara="1" rIns="91425" wrap="square" tIns="91425">
+          <a:bodyPr spcFirstLastPara="1" wrap="square" lIns="91425" tIns="91425" rIns="91425" bIns="91425" anchor="t" anchorCtr="0">
             <a:normAutofit/>
           </a:bodyPr>
           <a:lstStyle>
-            <a:lvl1pPr indent="-342900" lvl="0" marL="457200">
+            <a:lvl1pPr marL="457200" lvl="0" indent="-342900">
               <a:spcBef>
                 <a:spcPts val="0"/>
               </a:spcBef>
@@ -3149,7 +3224,7 @@
               <a:buChar char="●"/>
               <a:defRPr/>
             </a:lvl1pPr>
-            <a:lvl2pPr indent="-317500" lvl="1" marL="914400">
+            <a:lvl2pPr marL="914400" lvl="1" indent="-317500">
               <a:spcBef>
                 <a:spcPts val="0"/>
               </a:spcBef>
@@ -3160,7 +3235,7 @@
               <a:buChar char="○"/>
               <a:defRPr/>
             </a:lvl2pPr>
-            <a:lvl3pPr indent="-317500" lvl="2" marL="1371600">
+            <a:lvl3pPr marL="1371600" lvl="2" indent="-317500">
               <a:spcBef>
                 <a:spcPts val="0"/>
               </a:spcBef>
@@ -3171,7 +3246,7 @@
               <a:buChar char="■"/>
               <a:defRPr/>
             </a:lvl3pPr>
-            <a:lvl4pPr indent="-317500" lvl="3" marL="1828800">
+            <a:lvl4pPr marL="1828800" lvl="3" indent="-317500">
               <a:spcBef>
                 <a:spcPts val="0"/>
               </a:spcBef>
@@ -3182,7 +3257,7 @@
               <a:buChar char="●"/>
               <a:defRPr/>
             </a:lvl4pPr>
-            <a:lvl5pPr indent="-317500" lvl="4" marL="2286000">
+            <a:lvl5pPr marL="2286000" lvl="4" indent="-317500">
               <a:spcBef>
                 <a:spcPts val="0"/>
               </a:spcBef>
@@ -3193,7 +3268,7 @@
               <a:buChar char="○"/>
               <a:defRPr/>
             </a:lvl5pPr>
-            <a:lvl6pPr indent="-317500" lvl="5" marL="2743200">
+            <a:lvl6pPr marL="2743200" lvl="5" indent="-317500">
               <a:spcBef>
                 <a:spcPts val="0"/>
               </a:spcBef>
@@ -3204,7 +3279,7 @@
               <a:buChar char="■"/>
               <a:defRPr/>
             </a:lvl6pPr>
-            <a:lvl7pPr indent="-317500" lvl="6" marL="3200400">
+            <a:lvl7pPr marL="3200400" lvl="6" indent="-317500">
               <a:spcBef>
                 <a:spcPts val="0"/>
               </a:spcBef>
@@ -3215,7 +3290,7 @@
               <a:buChar char="●"/>
               <a:defRPr/>
             </a:lvl7pPr>
-            <a:lvl8pPr indent="-317500" lvl="7" marL="3657600">
+            <a:lvl8pPr marL="3657600" lvl="7" indent="-317500">
               <a:spcBef>
                 <a:spcPts val="0"/>
               </a:spcBef>
@@ -3226,7 +3301,7 @@
               <a:buChar char="○"/>
               <a:defRPr/>
             </a:lvl8pPr>
-            <a:lvl9pPr indent="-317500" lvl="8" marL="4114800">
+            <a:lvl9pPr marL="4114800" lvl="8" indent="-317500">
               <a:spcBef>
                 <a:spcPts val="0"/>
               </a:spcBef>
@@ -3238,15 +3313,19 @@
               <a:defRPr/>
             </a:lvl9pPr>
           </a:lstStyle>
-          <a:p/>
+          <a:p>
+            <a:endParaRPr/>
+          </a:p>
         </p:txBody>
       </p:sp>
       <p:sp>
         <p:nvSpPr>
           <p:cNvPr id="22" name="Google Shape;22;p4"/>
-          <p:cNvSpPr txBox="1"/>
+          <p:cNvSpPr txBox="1">
+            <a:spLocks noGrp="1"/>
+          </p:cNvSpPr>
           <p:nvPr>
-            <p:ph idx="12" type="sldNum"/>
+            <p:ph type="sldNum" idx="12"/>
           </p:nvPr>
         </p:nvSpPr>
         <p:spPr>
@@ -3259,7 +3338,7 @@
           </a:prstGeom>
         </p:spPr>
         <p:txBody>
-          <a:bodyPr anchorCtr="0" anchor="ctr" bIns="91425" lIns="91425" spcFirstLastPara="1" rIns="91425" wrap="square" tIns="91425">
+          <a:bodyPr spcFirstLastPara="1" wrap="square" lIns="91425" tIns="91425" rIns="91425" bIns="91425" anchor="ctr" anchorCtr="0">
             <a:normAutofit/>
           </a:bodyPr>
           <a:lstStyle>
@@ -3301,7 +3380,7 @@
             </a:lvl9pPr>
           </a:lstStyle>
           <a:p>
-            <a:pPr indent="0" lvl="0" marL="0" rtl="0" algn="r">
+            <a:pPr marL="0" lvl="0" indent="0" algn="r" rtl="0">
               <a:spcBef>
                 <a:spcPts val="0"/>
               </a:spcBef>
@@ -3312,7 +3391,7 @@
             </a:pPr>
             <a:fld id="{00000000-1234-1234-1234-123412341234}" type="slidenum">
               <a:rPr lang="fr"/>
-              <a:t>‹#›</a:t>
+              <a:t>‹N°›</a:t>
             </a:fld>
             <a:endParaRPr/>
           </a:p>
@@ -3327,11 +3406,11 @@
 </file>
 
 <file path=ppt/slideLayouts/slideLayout4.xml><?xml version="1.0" encoding="utf-8"?>
-<p:sldLayout xmlns:a="http://schemas.openxmlformats.org/drawingml/2006/main" xmlns:r="http://schemas.openxmlformats.org/officeDocument/2006/relationships" xmlns:mc="http://schemas.openxmlformats.org/markup-compatibility/2006" xmlns:mv="urn:schemas-microsoft-com:mac:vml" xmlns:p="http://schemas.openxmlformats.org/presentationml/2006/main" xmlns:c="http://schemas.openxmlformats.org/drawingml/2006/chart" xmlns:dgm="http://schemas.openxmlformats.org/drawingml/2006/diagram" xmlns:o="urn:schemas-microsoft-com:office:office" xmlns:v="urn:schemas-microsoft-com:vml" xmlns:pvml="urn:schemas-microsoft-com:office:powerpoint" xmlns:com="http://schemas.openxmlformats.org/drawingml/2006/compatibility" xmlns:p14="http://schemas.microsoft.com/office/powerpoint/2010/main" xmlns:p15="http://schemas.microsoft.com/office/powerpoint/2012/main" xmlns:ahyp="http://schemas.microsoft.com/office/drawing/2018/hyperlinkcolor" matchingName="Title and two columns" type="twoColTx">
+<p:sldLayout xmlns:a="http://schemas.openxmlformats.org/drawingml/2006/main" xmlns:r="http://schemas.openxmlformats.org/officeDocument/2006/relationships" xmlns:p="http://schemas.openxmlformats.org/presentationml/2006/main" matchingName="Title and two columns" type="twoColTx">
   <p:cSld name="TITLE_AND_TWO_COLUMNS">
     <p:spTree>
       <p:nvGrpSpPr>
-        <p:cNvPr id="23" name="Shape 23"/>
+        <p:cNvPr id="1" name="Shape 23"/>
         <p:cNvGrpSpPr/>
         <p:nvPr/>
       </p:nvGrpSpPr>
@@ -3346,7 +3425,9 @@
       <p:sp>
         <p:nvSpPr>
           <p:cNvPr id="24" name="Google Shape;24;p5"/>
-          <p:cNvSpPr txBox="1"/>
+          <p:cNvSpPr txBox="1">
+            <a:spLocks noGrp="1"/>
+          </p:cNvSpPr>
           <p:nvPr>
             <p:ph type="title"/>
           </p:nvPr>
@@ -3361,7 +3442,7 @@
           </a:prstGeom>
         </p:spPr>
         <p:txBody>
-          <a:bodyPr anchorCtr="0" anchor="t" bIns="91425" lIns="91425" spcFirstLastPara="1" rIns="91425" wrap="square" tIns="91425">
+          <a:bodyPr spcFirstLastPara="1" wrap="square" lIns="91425" tIns="91425" rIns="91425" bIns="91425" anchor="t" anchorCtr="0">
             <a:normAutofit/>
           </a:bodyPr>
           <a:lstStyle>
@@ -3465,15 +3546,19 @@
               <a:defRPr/>
             </a:lvl9pPr>
           </a:lstStyle>
-          <a:p/>
+          <a:p>
+            <a:endParaRPr/>
+          </a:p>
         </p:txBody>
       </p:sp>
       <p:sp>
         <p:nvSpPr>
           <p:cNvPr id="25" name="Google Shape;25;p5"/>
-          <p:cNvSpPr txBox="1"/>
+          <p:cNvSpPr txBox="1">
+            <a:spLocks noGrp="1"/>
+          </p:cNvSpPr>
           <p:nvPr>
-            <p:ph idx="1" type="body"/>
+            <p:ph type="body" idx="1"/>
           </p:nvPr>
         </p:nvSpPr>
         <p:spPr>
@@ -3486,11 +3571,11 @@
           </a:prstGeom>
         </p:spPr>
         <p:txBody>
-          <a:bodyPr anchorCtr="0" anchor="t" bIns="91425" lIns="91425" spcFirstLastPara="1" rIns="91425" wrap="square" tIns="91425">
+          <a:bodyPr spcFirstLastPara="1" wrap="square" lIns="91425" tIns="91425" rIns="91425" bIns="91425" anchor="t" anchorCtr="0">
             <a:normAutofit/>
           </a:bodyPr>
           <a:lstStyle>
-            <a:lvl1pPr indent="-317500" lvl="0" marL="457200">
+            <a:lvl1pPr marL="457200" lvl="0" indent="-317500">
               <a:spcBef>
                 <a:spcPts val="0"/>
               </a:spcBef>
@@ -3501,7 +3586,7 @@
               <a:buChar char="●"/>
               <a:defRPr sz="1400"/>
             </a:lvl1pPr>
-            <a:lvl2pPr indent="-304800" lvl="1" marL="914400">
+            <a:lvl2pPr marL="914400" lvl="1" indent="-304800">
               <a:spcBef>
                 <a:spcPts val="0"/>
               </a:spcBef>
@@ -3512,7 +3597,7 @@
               <a:buChar char="○"/>
               <a:defRPr sz="1200"/>
             </a:lvl2pPr>
-            <a:lvl3pPr indent="-304800" lvl="2" marL="1371600">
+            <a:lvl3pPr marL="1371600" lvl="2" indent="-304800">
               <a:spcBef>
                 <a:spcPts val="0"/>
               </a:spcBef>
@@ -3523,7 +3608,7 @@
               <a:buChar char="■"/>
               <a:defRPr sz="1200"/>
             </a:lvl3pPr>
-            <a:lvl4pPr indent="-304800" lvl="3" marL="1828800">
+            <a:lvl4pPr marL="1828800" lvl="3" indent="-304800">
               <a:spcBef>
                 <a:spcPts val="0"/>
               </a:spcBef>
@@ -3534,7 +3619,7 @@
               <a:buChar char="●"/>
               <a:defRPr sz="1200"/>
             </a:lvl4pPr>
-            <a:lvl5pPr indent="-304800" lvl="4" marL="2286000">
+            <a:lvl5pPr marL="2286000" lvl="4" indent="-304800">
               <a:spcBef>
                 <a:spcPts val="0"/>
               </a:spcBef>
@@ -3545,7 +3630,7 @@
               <a:buChar char="○"/>
               <a:defRPr sz="1200"/>
             </a:lvl5pPr>
-            <a:lvl6pPr indent="-304800" lvl="5" marL="2743200">
+            <a:lvl6pPr marL="2743200" lvl="5" indent="-304800">
               <a:spcBef>
                 <a:spcPts val="0"/>
               </a:spcBef>
@@ -3556,7 +3641,7 @@
               <a:buChar char="■"/>
               <a:defRPr sz="1200"/>
             </a:lvl6pPr>
-            <a:lvl7pPr indent="-304800" lvl="6" marL="3200400">
+            <a:lvl7pPr marL="3200400" lvl="6" indent="-304800">
               <a:spcBef>
                 <a:spcPts val="0"/>
               </a:spcBef>
@@ -3567,7 +3652,7 @@
               <a:buChar char="●"/>
               <a:defRPr sz="1200"/>
             </a:lvl7pPr>
-            <a:lvl8pPr indent="-304800" lvl="7" marL="3657600">
+            <a:lvl8pPr marL="3657600" lvl="7" indent="-304800">
               <a:spcBef>
                 <a:spcPts val="0"/>
               </a:spcBef>
@@ -3578,7 +3663,7 @@
               <a:buChar char="○"/>
               <a:defRPr sz="1200"/>
             </a:lvl8pPr>
-            <a:lvl9pPr indent="-304800" lvl="8" marL="4114800">
+            <a:lvl9pPr marL="4114800" lvl="8" indent="-304800">
               <a:spcBef>
                 <a:spcPts val="0"/>
               </a:spcBef>
@@ -3590,15 +3675,19 @@
               <a:defRPr sz="1200"/>
             </a:lvl9pPr>
           </a:lstStyle>
-          <a:p/>
+          <a:p>
+            <a:endParaRPr/>
+          </a:p>
         </p:txBody>
       </p:sp>
       <p:sp>
         <p:nvSpPr>
           <p:cNvPr id="26" name="Google Shape;26;p5"/>
-          <p:cNvSpPr txBox="1"/>
+          <p:cNvSpPr txBox="1">
+            <a:spLocks noGrp="1"/>
+          </p:cNvSpPr>
           <p:nvPr>
-            <p:ph idx="2" type="body"/>
+            <p:ph type="body" idx="2"/>
           </p:nvPr>
         </p:nvSpPr>
         <p:spPr>
@@ -3611,11 +3700,11 @@
           </a:prstGeom>
         </p:spPr>
         <p:txBody>
-          <a:bodyPr anchorCtr="0" anchor="t" bIns="91425" lIns="91425" spcFirstLastPara="1" rIns="91425" wrap="square" tIns="91425">
+          <a:bodyPr spcFirstLastPara="1" wrap="square" lIns="91425" tIns="91425" rIns="91425" bIns="91425" anchor="t" anchorCtr="0">
             <a:normAutofit/>
           </a:bodyPr>
           <a:lstStyle>
-            <a:lvl1pPr indent="-317500" lvl="0" marL="457200">
+            <a:lvl1pPr marL="457200" lvl="0" indent="-317500">
               <a:spcBef>
                 <a:spcPts val="0"/>
               </a:spcBef>
@@ -3626,7 +3715,7 @@
               <a:buChar char="●"/>
               <a:defRPr sz="1400"/>
             </a:lvl1pPr>
-            <a:lvl2pPr indent="-304800" lvl="1" marL="914400">
+            <a:lvl2pPr marL="914400" lvl="1" indent="-304800">
               <a:spcBef>
                 <a:spcPts val="0"/>
               </a:spcBef>
@@ -3637,7 +3726,7 @@
               <a:buChar char="○"/>
               <a:defRPr sz="1200"/>
             </a:lvl2pPr>
-            <a:lvl3pPr indent="-304800" lvl="2" marL="1371600">
+            <a:lvl3pPr marL="1371600" lvl="2" indent="-304800">
               <a:spcBef>
                 <a:spcPts val="0"/>
               </a:spcBef>
@@ -3648,7 +3737,7 @@
               <a:buChar char="■"/>
               <a:defRPr sz="1200"/>
             </a:lvl3pPr>
-            <a:lvl4pPr indent="-304800" lvl="3" marL="1828800">
+            <a:lvl4pPr marL="1828800" lvl="3" indent="-304800">
               <a:spcBef>
                 <a:spcPts val="0"/>
               </a:spcBef>
@@ -3659,7 +3748,7 @@
               <a:buChar char="●"/>
               <a:defRPr sz="1200"/>
             </a:lvl4pPr>
-            <a:lvl5pPr indent="-304800" lvl="4" marL="2286000">
+            <a:lvl5pPr marL="2286000" lvl="4" indent="-304800">
               <a:spcBef>
                 <a:spcPts val="0"/>
               </a:spcBef>
@@ -3670,7 +3759,7 @@
               <a:buChar char="○"/>
               <a:defRPr sz="1200"/>
             </a:lvl5pPr>
-            <a:lvl6pPr indent="-304800" lvl="5" marL="2743200">
+            <a:lvl6pPr marL="2743200" lvl="5" indent="-304800">
               <a:spcBef>
                 <a:spcPts val="0"/>
               </a:spcBef>
@@ -3681,7 +3770,7 @@
               <a:buChar char="■"/>
               <a:defRPr sz="1200"/>
             </a:lvl6pPr>
-            <a:lvl7pPr indent="-304800" lvl="6" marL="3200400">
+            <a:lvl7pPr marL="3200400" lvl="6" indent="-304800">
               <a:spcBef>
                 <a:spcPts val="0"/>
               </a:spcBef>
@@ -3692,7 +3781,7 @@
               <a:buChar char="●"/>
               <a:defRPr sz="1200"/>
             </a:lvl7pPr>
-            <a:lvl8pPr indent="-304800" lvl="7" marL="3657600">
+            <a:lvl8pPr marL="3657600" lvl="7" indent="-304800">
               <a:spcBef>
                 <a:spcPts val="0"/>
               </a:spcBef>
@@ -3703,7 +3792,7 @@
               <a:buChar char="○"/>
               <a:defRPr sz="1200"/>
             </a:lvl8pPr>
-            <a:lvl9pPr indent="-304800" lvl="8" marL="4114800">
+            <a:lvl9pPr marL="4114800" lvl="8" indent="-304800">
               <a:spcBef>
                 <a:spcPts val="0"/>
               </a:spcBef>
@@ -3715,15 +3804,19 @@
               <a:defRPr sz="1200"/>
             </a:lvl9pPr>
           </a:lstStyle>
-          <a:p/>
+          <a:p>
+            <a:endParaRPr/>
+          </a:p>
         </p:txBody>
       </p:sp>
       <p:sp>
         <p:nvSpPr>
           <p:cNvPr id="27" name="Google Shape;27;p5"/>
-          <p:cNvSpPr txBox="1"/>
+          <p:cNvSpPr txBox="1">
+            <a:spLocks noGrp="1"/>
+          </p:cNvSpPr>
           <p:nvPr>
-            <p:ph idx="12" type="sldNum"/>
+            <p:ph type="sldNum" idx="12"/>
           </p:nvPr>
         </p:nvSpPr>
         <p:spPr>
@@ -3736,7 +3829,7 @@
           </a:prstGeom>
         </p:spPr>
         <p:txBody>
-          <a:bodyPr anchorCtr="0" anchor="ctr" bIns="91425" lIns="91425" spcFirstLastPara="1" rIns="91425" wrap="square" tIns="91425">
+          <a:bodyPr spcFirstLastPara="1" wrap="square" lIns="91425" tIns="91425" rIns="91425" bIns="91425" anchor="ctr" anchorCtr="0">
             <a:normAutofit/>
           </a:bodyPr>
           <a:lstStyle>
@@ -3778,7 +3871,7 @@
             </a:lvl9pPr>
           </a:lstStyle>
           <a:p>
-            <a:pPr indent="0" lvl="0" marL="0" rtl="0" algn="r">
+            <a:pPr marL="0" lvl="0" indent="0" algn="r" rtl="0">
               <a:spcBef>
                 <a:spcPts val="0"/>
               </a:spcBef>
@@ -3789,7 +3882,7 @@
             </a:pPr>
             <a:fld id="{00000000-1234-1234-1234-123412341234}" type="slidenum">
               <a:rPr lang="fr"/>
-              <a:t>‹#›</a:t>
+              <a:t>‹N°›</a:t>
             </a:fld>
             <a:endParaRPr/>
           </a:p>
@@ -3804,11 +3897,11 @@
 </file>
 
 <file path=ppt/slideLayouts/slideLayout5.xml><?xml version="1.0" encoding="utf-8"?>
-<p:sldLayout xmlns:a="http://schemas.openxmlformats.org/drawingml/2006/main" xmlns:r="http://schemas.openxmlformats.org/officeDocument/2006/relationships" xmlns:mc="http://schemas.openxmlformats.org/markup-compatibility/2006" xmlns:mv="urn:schemas-microsoft-com:mac:vml" xmlns:p="http://schemas.openxmlformats.org/presentationml/2006/main" xmlns:c="http://schemas.openxmlformats.org/drawingml/2006/chart" xmlns:dgm="http://schemas.openxmlformats.org/drawingml/2006/diagram" xmlns:o="urn:schemas-microsoft-com:office:office" xmlns:v="urn:schemas-microsoft-com:vml" xmlns:pvml="urn:schemas-microsoft-com:office:powerpoint" xmlns:com="http://schemas.openxmlformats.org/drawingml/2006/compatibility" xmlns:p14="http://schemas.microsoft.com/office/powerpoint/2010/main" xmlns:p15="http://schemas.microsoft.com/office/powerpoint/2012/main" xmlns:ahyp="http://schemas.microsoft.com/office/drawing/2018/hyperlinkcolor" matchingName="Title only" type="titleOnly">
+<p:sldLayout xmlns:a="http://schemas.openxmlformats.org/drawingml/2006/main" xmlns:r="http://schemas.openxmlformats.org/officeDocument/2006/relationships" xmlns:p="http://schemas.openxmlformats.org/presentationml/2006/main" matchingName="Title only" type="titleOnly">
   <p:cSld name="TITLE_ONLY">
     <p:spTree>
       <p:nvGrpSpPr>
-        <p:cNvPr id="28" name="Shape 28"/>
+        <p:cNvPr id="1" name="Shape 28"/>
         <p:cNvGrpSpPr/>
         <p:nvPr/>
       </p:nvGrpSpPr>
@@ -3823,7 +3916,9 @@
       <p:sp>
         <p:nvSpPr>
           <p:cNvPr id="29" name="Google Shape;29;p6"/>
-          <p:cNvSpPr txBox="1"/>
+          <p:cNvSpPr txBox="1">
+            <a:spLocks noGrp="1"/>
+          </p:cNvSpPr>
           <p:nvPr>
             <p:ph type="title"/>
           </p:nvPr>
@@ -3838,7 +3933,7 @@
           </a:prstGeom>
         </p:spPr>
         <p:txBody>
-          <a:bodyPr anchorCtr="0" anchor="t" bIns="91425" lIns="91425" spcFirstLastPara="1" rIns="91425" wrap="square" tIns="91425">
+          <a:bodyPr spcFirstLastPara="1" wrap="square" lIns="91425" tIns="91425" rIns="91425" bIns="91425" anchor="t" anchorCtr="0">
             <a:normAutofit/>
           </a:bodyPr>
           <a:lstStyle>
@@ -3942,15 +4037,19 @@
               <a:defRPr/>
             </a:lvl9pPr>
           </a:lstStyle>
-          <a:p/>
+          <a:p>
+            <a:endParaRPr/>
+          </a:p>
         </p:txBody>
       </p:sp>
       <p:sp>
         <p:nvSpPr>
           <p:cNvPr id="30" name="Google Shape;30;p6"/>
-          <p:cNvSpPr txBox="1"/>
+          <p:cNvSpPr txBox="1">
+            <a:spLocks noGrp="1"/>
+          </p:cNvSpPr>
           <p:nvPr>
-            <p:ph idx="12" type="sldNum"/>
+            <p:ph type="sldNum" idx="12"/>
           </p:nvPr>
         </p:nvSpPr>
         <p:spPr>
@@ -3963,7 +4062,7 @@
           </a:prstGeom>
         </p:spPr>
         <p:txBody>
-          <a:bodyPr anchorCtr="0" anchor="ctr" bIns="91425" lIns="91425" spcFirstLastPara="1" rIns="91425" wrap="square" tIns="91425">
+          <a:bodyPr spcFirstLastPara="1" wrap="square" lIns="91425" tIns="91425" rIns="91425" bIns="91425" anchor="ctr" anchorCtr="0">
             <a:normAutofit/>
           </a:bodyPr>
           <a:lstStyle>
@@ -4005,7 +4104,7 @@
             </a:lvl9pPr>
           </a:lstStyle>
           <a:p>
-            <a:pPr indent="0" lvl="0" marL="0" rtl="0" algn="r">
+            <a:pPr marL="0" lvl="0" indent="0" algn="r" rtl="0">
               <a:spcBef>
                 <a:spcPts val="0"/>
               </a:spcBef>
@@ -4016,7 +4115,7 @@
             </a:pPr>
             <a:fld id="{00000000-1234-1234-1234-123412341234}" type="slidenum">
               <a:rPr lang="fr"/>
-              <a:t>‹#›</a:t>
+              <a:t>‹N°›</a:t>
             </a:fld>
             <a:endParaRPr/>
           </a:p>
@@ -4031,11 +4130,11 @@
 </file>
 
 <file path=ppt/slideLayouts/slideLayout6.xml><?xml version="1.0" encoding="utf-8"?>
-<p:sldLayout xmlns:a="http://schemas.openxmlformats.org/drawingml/2006/main" xmlns:r="http://schemas.openxmlformats.org/officeDocument/2006/relationships" xmlns:mc="http://schemas.openxmlformats.org/markup-compatibility/2006" xmlns:mv="urn:schemas-microsoft-com:mac:vml" xmlns:p="http://schemas.openxmlformats.org/presentationml/2006/main" xmlns:c="http://schemas.openxmlformats.org/drawingml/2006/chart" xmlns:dgm="http://schemas.openxmlformats.org/drawingml/2006/diagram" xmlns:o="urn:schemas-microsoft-com:office:office" xmlns:v="urn:schemas-microsoft-com:vml" xmlns:pvml="urn:schemas-microsoft-com:office:powerpoint" xmlns:com="http://schemas.openxmlformats.org/drawingml/2006/compatibility" xmlns:p14="http://schemas.microsoft.com/office/powerpoint/2010/main" xmlns:p15="http://schemas.microsoft.com/office/powerpoint/2012/main" xmlns:ahyp="http://schemas.microsoft.com/office/drawing/2018/hyperlinkcolor" matchingName="One column text">
+<p:sldLayout xmlns:a="http://schemas.openxmlformats.org/drawingml/2006/main" xmlns:r="http://schemas.openxmlformats.org/officeDocument/2006/relationships" xmlns:p="http://schemas.openxmlformats.org/presentationml/2006/main" matchingName="One column text">
   <p:cSld name="ONE_COLUMN_TEXT">
     <p:spTree>
       <p:nvGrpSpPr>
-        <p:cNvPr id="31" name="Shape 31"/>
+        <p:cNvPr id="1" name="Shape 31"/>
         <p:cNvGrpSpPr/>
         <p:nvPr/>
       </p:nvGrpSpPr>
@@ -4050,7 +4149,9 @@
       <p:sp>
         <p:nvSpPr>
           <p:cNvPr id="32" name="Google Shape;32;p7"/>
-          <p:cNvSpPr txBox="1"/>
+          <p:cNvSpPr txBox="1">
+            <a:spLocks noGrp="1"/>
+          </p:cNvSpPr>
           <p:nvPr>
             <p:ph type="title"/>
           </p:nvPr>
@@ -4065,7 +4166,7 @@
           </a:prstGeom>
         </p:spPr>
         <p:txBody>
-          <a:bodyPr anchorCtr="0" anchor="b" bIns="91425" lIns="91425" spcFirstLastPara="1" rIns="91425" wrap="square" tIns="91425">
+          <a:bodyPr spcFirstLastPara="1" wrap="square" lIns="91425" tIns="91425" rIns="91425" bIns="91425" anchor="b" anchorCtr="0">
             <a:normAutofit/>
           </a:bodyPr>
           <a:lstStyle>
@@ -4169,15 +4270,19 @@
               <a:defRPr sz="2400"/>
             </a:lvl9pPr>
           </a:lstStyle>
-          <a:p/>
+          <a:p>
+            <a:endParaRPr/>
+          </a:p>
         </p:txBody>
       </p:sp>
       <p:sp>
         <p:nvSpPr>
           <p:cNvPr id="33" name="Google Shape;33;p7"/>
-          <p:cNvSpPr txBox="1"/>
+          <p:cNvSpPr txBox="1">
+            <a:spLocks noGrp="1"/>
+          </p:cNvSpPr>
           <p:nvPr>
-            <p:ph idx="1" type="body"/>
+            <p:ph type="body" idx="1"/>
           </p:nvPr>
         </p:nvSpPr>
         <p:spPr>
@@ -4190,11 +4295,11 @@
           </a:prstGeom>
         </p:spPr>
         <p:txBody>
-          <a:bodyPr anchorCtr="0" anchor="t" bIns="91425" lIns="91425" spcFirstLastPara="1" rIns="91425" wrap="square" tIns="91425">
+          <a:bodyPr spcFirstLastPara="1" wrap="square" lIns="91425" tIns="91425" rIns="91425" bIns="91425" anchor="t" anchorCtr="0">
             <a:normAutofit/>
           </a:bodyPr>
           <a:lstStyle>
-            <a:lvl1pPr indent="-304800" lvl="0" marL="457200">
+            <a:lvl1pPr marL="457200" lvl="0" indent="-304800">
               <a:spcBef>
                 <a:spcPts val="0"/>
               </a:spcBef>
@@ -4205,7 +4310,7 @@
               <a:buChar char="●"/>
               <a:defRPr sz="1200"/>
             </a:lvl1pPr>
-            <a:lvl2pPr indent="-304800" lvl="1" marL="914400">
+            <a:lvl2pPr marL="914400" lvl="1" indent="-304800">
               <a:spcBef>
                 <a:spcPts val="0"/>
               </a:spcBef>
@@ -4216,7 +4321,7 @@
               <a:buChar char="○"/>
               <a:defRPr sz="1200"/>
             </a:lvl2pPr>
-            <a:lvl3pPr indent="-304800" lvl="2" marL="1371600">
+            <a:lvl3pPr marL="1371600" lvl="2" indent="-304800">
               <a:spcBef>
                 <a:spcPts val="0"/>
               </a:spcBef>
@@ -4227,7 +4332,7 @@
               <a:buChar char="■"/>
               <a:defRPr sz="1200"/>
             </a:lvl3pPr>
-            <a:lvl4pPr indent="-304800" lvl="3" marL="1828800">
+            <a:lvl4pPr marL="1828800" lvl="3" indent="-304800">
               <a:spcBef>
                 <a:spcPts val="0"/>
               </a:spcBef>
@@ -4238,7 +4343,7 @@
               <a:buChar char="●"/>
               <a:defRPr sz="1200"/>
             </a:lvl4pPr>
-            <a:lvl5pPr indent="-304800" lvl="4" marL="2286000">
+            <a:lvl5pPr marL="2286000" lvl="4" indent="-304800">
               <a:spcBef>
                 <a:spcPts val="0"/>
               </a:spcBef>
@@ -4249,7 +4354,7 @@
               <a:buChar char="○"/>
               <a:defRPr sz="1200"/>
             </a:lvl5pPr>
-            <a:lvl6pPr indent="-304800" lvl="5" marL="2743200">
+            <a:lvl6pPr marL="2743200" lvl="5" indent="-304800">
               <a:spcBef>
                 <a:spcPts val="0"/>
               </a:spcBef>
@@ -4260,7 +4365,7 @@
               <a:buChar char="■"/>
               <a:defRPr sz="1200"/>
             </a:lvl6pPr>
-            <a:lvl7pPr indent="-304800" lvl="6" marL="3200400">
+            <a:lvl7pPr marL="3200400" lvl="6" indent="-304800">
               <a:spcBef>
                 <a:spcPts val="0"/>
               </a:spcBef>
@@ -4271,7 +4376,7 @@
               <a:buChar char="●"/>
               <a:defRPr sz="1200"/>
             </a:lvl7pPr>
-            <a:lvl8pPr indent="-304800" lvl="7" marL="3657600">
+            <a:lvl8pPr marL="3657600" lvl="7" indent="-304800">
               <a:spcBef>
                 <a:spcPts val="0"/>
               </a:spcBef>
@@ -4282,7 +4387,7 @@
               <a:buChar char="○"/>
               <a:defRPr sz="1200"/>
             </a:lvl8pPr>
-            <a:lvl9pPr indent="-304800" lvl="8" marL="4114800">
+            <a:lvl9pPr marL="4114800" lvl="8" indent="-304800">
               <a:spcBef>
                 <a:spcPts val="0"/>
               </a:spcBef>
@@ -4294,15 +4399,19 @@
               <a:defRPr sz="1200"/>
             </a:lvl9pPr>
           </a:lstStyle>
-          <a:p/>
+          <a:p>
+            <a:endParaRPr/>
+          </a:p>
         </p:txBody>
       </p:sp>
       <p:sp>
         <p:nvSpPr>
           <p:cNvPr id="34" name="Google Shape;34;p7"/>
-          <p:cNvSpPr txBox="1"/>
+          <p:cNvSpPr txBox="1">
+            <a:spLocks noGrp="1"/>
+          </p:cNvSpPr>
           <p:nvPr>
-            <p:ph idx="12" type="sldNum"/>
+            <p:ph type="sldNum" idx="12"/>
           </p:nvPr>
         </p:nvSpPr>
         <p:spPr>
@@ -4315,7 +4424,7 @@
           </a:prstGeom>
         </p:spPr>
         <p:txBody>
-          <a:bodyPr anchorCtr="0" anchor="ctr" bIns="91425" lIns="91425" spcFirstLastPara="1" rIns="91425" wrap="square" tIns="91425">
+          <a:bodyPr spcFirstLastPara="1" wrap="square" lIns="91425" tIns="91425" rIns="91425" bIns="91425" anchor="ctr" anchorCtr="0">
             <a:normAutofit/>
           </a:bodyPr>
           <a:lstStyle>
@@ -4357,7 +4466,7 @@
             </a:lvl9pPr>
           </a:lstStyle>
           <a:p>
-            <a:pPr indent="0" lvl="0" marL="0" rtl="0" algn="r">
+            <a:pPr marL="0" lvl="0" indent="0" algn="r" rtl="0">
               <a:spcBef>
                 <a:spcPts val="0"/>
               </a:spcBef>
@@ -4368,7 +4477,7 @@
             </a:pPr>
             <a:fld id="{00000000-1234-1234-1234-123412341234}" type="slidenum">
               <a:rPr lang="fr"/>
-              <a:t>‹#›</a:t>
+              <a:t>‹N°›</a:t>
             </a:fld>
             <a:endParaRPr/>
           </a:p>
@@ -4383,18 +4492,19 @@
 </file>
 
 <file path=ppt/slideLayouts/slideLayout7.xml><?xml version="1.0" encoding="utf-8"?>
-<p:sldLayout xmlns:a="http://schemas.openxmlformats.org/drawingml/2006/main" xmlns:r="http://schemas.openxmlformats.org/officeDocument/2006/relationships" xmlns:mc="http://schemas.openxmlformats.org/markup-compatibility/2006" xmlns:mv="urn:schemas-microsoft-com:mac:vml" xmlns:p="http://schemas.openxmlformats.org/presentationml/2006/main" xmlns:c="http://schemas.openxmlformats.org/drawingml/2006/chart" xmlns:dgm="http://schemas.openxmlformats.org/drawingml/2006/diagram" xmlns:o="urn:schemas-microsoft-com:office:office" xmlns:v="urn:schemas-microsoft-com:vml" xmlns:pvml="urn:schemas-microsoft-com:office:powerpoint" xmlns:com="http://schemas.openxmlformats.org/drawingml/2006/compatibility" xmlns:p14="http://schemas.microsoft.com/office/powerpoint/2010/main" xmlns:p15="http://schemas.microsoft.com/office/powerpoint/2012/main" xmlns:ahyp="http://schemas.microsoft.com/office/drawing/2018/hyperlinkcolor" matchingName="Main point">
+<p:sldLayout xmlns:a="http://schemas.openxmlformats.org/drawingml/2006/main" xmlns:r="http://schemas.openxmlformats.org/officeDocument/2006/relationships" xmlns:p="http://schemas.openxmlformats.org/presentationml/2006/main" matchingName="Main point">
   <p:cSld name="MAIN_POINT">
     <p:bg>
       <p:bgPr>
         <a:solidFill>
           <a:schemeClr val="dk2"/>
         </a:solidFill>
+        <a:effectLst/>
       </p:bgPr>
     </p:bg>
     <p:spTree>
       <p:nvGrpSpPr>
-        <p:cNvPr id="35" name="Shape 35"/>
+        <p:cNvPr id="1" name="Shape 35"/>
         <p:cNvGrpSpPr/>
         <p:nvPr/>
       </p:nvGrpSpPr>
@@ -4409,7 +4519,9 @@
       <p:sp>
         <p:nvSpPr>
           <p:cNvPr id="36" name="Google Shape;36;p8"/>
-          <p:cNvSpPr txBox="1"/>
+          <p:cNvSpPr txBox="1">
+            <a:spLocks noGrp="1"/>
+          </p:cNvSpPr>
           <p:nvPr>
             <p:ph type="title"/>
           </p:nvPr>
@@ -4424,7 +4536,7 @@
           </a:prstGeom>
         </p:spPr>
         <p:txBody>
-          <a:bodyPr anchorCtr="0" anchor="ctr" bIns="91425" lIns="91425" spcFirstLastPara="1" rIns="91425" wrap="square" tIns="91425">
+          <a:bodyPr spcFirstLastPara="1" wrap="square" lIns="91425" tIns="91425" rIns="91425" bIns="91425" anchor="ctr" anchorCtr="0">
             <a:normAutofit/>
           </a:bodyPr>
           <a:lstStyle>
@@ -4441,7 +4553,7 @@
               <a:buSzPts val="4800"/>
               <a:buFont typeface="Lato"/>
               <a:buNone/>
-              <a:defRPr b="0" sz="4800">
+              <a:defRPr sz="4800" b="0">
                 <a:solidFill>
                   <a:schemeClr val="lt1"/>
                 </a:solidFill>
@@ -4464,7 +4576,7 @@
               <a:buSzPts val="4800"/>
               <a:buFont typeface="Lato"/>
               <a:buNone/>
-              <a:defRPr b="0" sz="4800">
+              <a:defRPr sz="4800" b="0">
                 <a:solidFill>
                   <a:schemeClr val="lt1"/>
                 </a:solidFill>
@@ -4487,7 +4599,7 @@
               <a:buSzPts val="4800"/>
               <a:buFont typeface="Lato"/>
               <a:buNone/>
-              <a:defRPr b="0" sz="4800">
+              <a:defRPr sz="4800" b="0">
                 <a:solidFill>
                   <a:schemeClr val="lt1"/>
                 </a:solidFill>
@@ -4510,7 +4622,7 @@
               <a:buSzPts val="4800"/>
               <a:buFont typeface="Lato"/>
               <a:buNone/>
-              <a:defRPr b="0" sz="4800">
+              <a:defRPr sz="4800" b="0">
                 <a:solidFill>
                   <a:schemeClr val="lt1"/>
                 </a:solidFill>
@@ -4533,7 +4645,7 @@
               <a:buSzPts val="4800"/>
               <a:buFont typeface="Lato"/>
               <a:buNone/>
-              <a:defRPr b="0" sz="4800">
+              <a:defRPr sz="4800" b="0">
                 <a:solidFill>
                   <a:schemeClr val="lt1"/>
                 </a:solidFill>
@@ -4556,7 +4668,7 @@
               <a:buSzPts val="4800"/>
               <a:buFont typeface="Lato"/>
               <a:buNone/>
-              <a:defRPr b="0" sz="4800">
+              <a:defRPr sz="4800" b="0">
                 <a:solidFill>
                   <a:schemeClr val="lt1"/>
                 </a:solidFill>
@@ -4579,7 +4691,7 @@
               <a:buSzPts val="4800"/>
               <a:buFont typeface="Lato"/>
               <a:buNone/>
-              <a:defRPr b="0" sz="4800">
+              <a:defRPr sz="4800" b="0">
                 <a:solidFill>
                   <a:schemeClr val="lt1"/>
                 </a:solidFill>
@@ -4602,7 +4714,7 @@
               <a:buSzPts val="4800"/>
               <a:buFont typeface="Lato"/>
               <a:buNone/>
-              <a:defRPr b="0" sz="4800">
+              <a:defRPr sz="4800" b="0">
                 <a:solidFill>
                   <a:schemeClr val="lt1"/>
                 </a:solidFill>
@@ -4625,7 +4737,7 @@
               <a:buSzPts val="4800"/>
               <a:buFont typeface="Lato"/>
               <a:buNone/>
-              <a:defRPr b="0" sz="4800">
+              <a:defRPr sz="4800" b="0">
                 <a:solidFill>
                   <a:schemeClr val="lt1"/>
                 </a:solidFill>
@@ -4636,15 +4748,19 @@
               </a:defRPr>
             </a:lvl9pPr>
           </a:lstStyle>
-          <a:p/>
+          <a:p>
+            <a:endParaRPr/>
+          </a:p>
         </p:txBody>
       </p:sp>
       <p:sp>
         <p:nvSpPr>
           <p:cNvPr id="37" name="Google Shape;37;p8"/>
-          <p:cNvSpPr txBox="1"/>
+          <p:cNvSpPr txBox="1">
+            <a:spLocks noGrp="1"/>
+          </p:cNvSpPr>
           <p:nvPr>
-            <p:ph idx="12" type="sldNum"/>
+            <p:ph type="sldNum" idx="12"/>
           </p:nvPr>
         </p:nvSpPr>
         <p:spPr>
@@ -4657,7 +4773,7 @@
           </a:prstGeom>
         </p:spPr>
         <p:txBody>
-          <a:bodyPr anchorCtr="0" anchor="ctr" bIns="91425" lIns="91425" spcFirstLastPara="1" rIns="91425" wrap="square" tIns="91425">
+          <a:bodyPr spcFirstLastPara="1" wrap="square" lIns="91425" tIns="91425" rIns="91425" bIns="91425" anchor="ctr" anchorCtr="0">
             <a:normAutofit/>
           </a:bodyPr>
           <a:lstStyle>
@@ -4735,7 +4851,7 @@
             </a:lvl9pPr>
           </a:lstStyle>
           <a:p>
-            <a:pPr indent="0" lvl="0" marL="0" rtl="0" algn="r">
+            <a:pPr marL="0" lvl="0" indent="0" algn="r" rtl="0">
               <a:spcBef>
                 <a:spcPts val="0"/>
               </a:spcBef>
@@ -4746,7 +4862,7 @@
             </a:pPr>
             <a:fld id="{00000000-1234-1234-1234-123412341234}" type="slidenum">
               <a:rPr lang="fr"/>
-              <a:t>‹#›</a:t>
+              <a:t>‹N°›</a:t>
             </a:fld>
             <a:endParaRPr/>
           </a:p>
@@ -4761,11 +4877,11 @@
 </file>
 
 <file path=ppt/slideLayouts/slideLayout8.xml><?xml version="1.0" encoding="utf-8"?>
-<p:sldLayout xmlns:a="http://schemas.openxmlformats.org/drawingml/2006/main" xmlns:r="http://schemas.openxmlformats.org/officeDocument/2006/relationships" xmlns:mc="http://schemas.openxmlformats.org/markup-compatibility/2006" xmlns:mv="urn:schemas-microsoft-com:mac:vml" xmlns:p="http://schemas.openxmlformats.org/presentationml/2006/main" xmlns:c="http://schemas.openxmlformats.org/drawingml/2006/chart" xmlns:dgm="http://schemas.openxmlformats.org/drawingml/2006/diagram" xmlns:o="urn:schemas-microsoft-com:office:office" xmlns:v="urn:schemas-microsoft-com:vml" xmlns:pvml="urn:schemas-microsoft-com:office:powerpoint" xmlns:com="http://schemas.openxmlformats.org/drawingml/2006/compatibility" xmlns:p14="http://schemas.microsoft.com/office/powerpoint/2010/main" xmlns:p15="http://schemas.microsoft.com/office/powerpoint/2012/main" xmlns:ahyp="http://schemas.microsoft.com/office/drawing/2018/hyperlinkcolor" matchingName="Section title and description">
+<p:sldLayout xmlns:a="http://schemas.openxmlformats.org/drawingml/2006/main" xmlns:r="http://schemas.openxmlformats.org/officeDocument/2006/relationships" xmlns:p="http://schemas.openxmlformats.org/presentationml/2006/main" matchingName="Section title and description">
   <p:cSld name="SECTION_TITLE_AND_DESCRIPTION">
     <p:spTree>
       <p:nvGrpSpPr>
-        <p:cNvPr id="38" name="Shape 38"/>
+        <p:cNvPr id="1" name="Shape 38"/>
         <p:cNvGrpSpPr/>
         <p:nvPr/>
       </p:nvGrpSpPr>
@@ -4799,12 +4915,12 @@
           </a:ln>
         </p:spPr>
         <p:txBody>
-          <a:bodyPr anchorCtr="0" anchor="ctr" bIns="91425" lIns="91425" spcFirstLastPara="1" rIns="91425" wrap="square" tIns="91425">
+          <a:bodyPr spcFirstLastPara="1" wrap="square" lIns="91425" tIns="91425" rIns="91425" bIns="91425" anchor="ctr" anchorCtr="0">
             <a:noAutofit/>
           </a:bodyPr>
           <a:lstStyle/>
           <a:p>
-            <a:pPr indent="0" lvl="0" marL="0" rtl="0" algn="l">
+            <a:pPr marL="0" lvl="0" indent="0" algn="l" rtl="0">
               <a:spcBef>
                 <a:spcPts val="0"/>
               </a:spcBef>
@@ -4813,9 +4929,6 @@
               </a:spcAft>
               <a:buNone/>
             </a:pPr>
-            <a:r>
-              <a:t/>
-            </a:r>
             <a:endParaRPr/>
           </a:p>
         </p:txBody>
@@ -4835,21 +4948,23 @@
             <a:avLst/>
           </a:prstGeom>
           <a:noFill/>
-          <a:ln cap="flat" cmpd="sng" w="19050">
+          <a:ln w="19050" cap="flat" cmpd="sng">
             <a:solidFill>
               <a:schemeClr val="lt1"/>
             </a:solidFill>
             <a:prstDash val="solid"/>
             <a:round/>
-            <a:headEnd len="sm" w="sm" type="none"/>
-            <a:tailEnd len="sm" w="sm" type="none"/>
+            <a:headEnd type="none" w="sm" len="sm"/>
+            <a:tailEnd type="none" w="sm" len="sm"/>
           </a:ln>
         </p:spPr>
       </p:cxnSp>
       <p:sp>
         <p:nvSpPr>
           <p:cNvPr id="41" name="Google Shape;41;p9"/>
-          <p:cNvSpPr txBox="1"/>
+          <p:cNvSpPr txBox="1">
+            <a:spLocks noGrp="1"/>
+          </p:cNvSpPr>
           <p:nvPr>
             <p:ph type="title"/>
           </p:nvPr>
@@ -4864,7 +4979,7 @@
           </a:prstGeom>
         </p:spPr>
         <p:txBody>
-          <a:bodyPr anchorCtr="0" anchor="b" bIns="91425" lIns="91425" spcFirstLastPara="1" rIns="91425" wrap="square" tIns="91425">
+          <a:bodyPr spcFirstLastPara="1" wrap="square" lIns="91425" tIns="91425" rIns="91425" bIns="91425" anchor="b" anchorCtr="0">
             <a:normAutofit/>
           </a:bodyPr>
           <a:lstStyle>
@@ -4968,15 +5083,19 @@
               <a:defRPr sz="4200"/>
             </a:lvl9pPr>
           </a:lstStyle>
-          <a:p/>
+          <a:p>
+            <a:endParaRPr/>
+          </a:p>
         </p:txBody>
       </p:sp>
       <p:sp>
         <p:nvSpPr>
           <p:cNvPr id="42" name="Google Shape;42;p9"/>
-          <p:cNvSpPr txBox="1"/>
+          <p:cNvSpPr txBox="1">
+            <a:spLocks noGrp="1"/>
+          </p:cNvSpPr>
           <p:nvPr>
-            <p:ph idx="1" type="subTitle"/>
+            <p:ph type="subTitle" idx="1"/>
           </p:nvPr>
         </p:nvSpPr>
         <p:spPr>
@@ -4989,7 +5108,7 @@
           </a:prstGeom>
         </p:spPr>
         <p:txBody>
-          <a:bodyPr anchorCtr="0" anchor="t" bIns="91425" lIns="91425" spcFirstLastPara="1" rIns="91425" wrap="square" tIns="91425">
+          <a:bodyPr spcFirstLastPara="1" wrap="square" lIns="91425" tIns="91425" rIns="91425" bIns="91425" anchor="t" anchorCtr="0">
             <a:normAutofit/>
           </a:bodyPr>
           <a:lstStyle>
@@ -5120,15 +5239,19 @@
               <a:defRPr sz="2100"/>
             </a:lvl9pPr>
           </a:lstStyle>
-          <a:p/>
+          <a:p>
+            <a:endParaRPr/>
+          </a:p>
         </p:txBody>
       </p:sp>
       <p:sp>
         <p:nvSpPr>
           <p:cNvPr id="43" name="Google Shape;43;p9"/>
-          <p:cNvSpPr txBox="1"/>
+          <p:cNvSpPr txBox="1">
+            <a:spLocks noGrp="1"/>
+          </p:cNvSpPr>
           <p:nvPr>
-            <p:ph idx="2" type="body"/>
+            <p:ph type="body" idx="2"/>
           </p:nvPr>
         </p:nvSpPr>
         <p:spPr>
@@ -5141,11 +5264,11 @@
           </a:prstGeom>
         </p:spPr>
         <p:txBody>
-          <a:bodyPr anchorCtr="0" anchor="ctr" bIns="91425" lIns="91425" spcFirstLastPara="1" rIns="91425" wrap="square" tIns="91425">
+          <a:bodyPr spcFirstLastPara="1" wrap="square" lIns="91425" tIns="91425" rIns="91425" bIns="91425" anchor="ctr" anchorCtr="0">
             <a:normAutofit/>
           </a:bodyPr>
           <a:lstStyle>
-            <a:lvl1pPr indent="-342900" lvl="0" marL="457200">
+            <a:lvl1pPr marL="457200" lvl="0" indent="-342900">
               <a:spcBef>
                 <a:spcPts val="0"/>
               </a:spcBef>
@@ -5163,7 +5286,7 @@
                 </a:solidFill>
               </a:defRPr>
             </a:lvl1pPr>
-            <a:lvl2pPr indent="-317500" lvl="1" marL="914400">
+            <a:lvl2pPr marL="914400" lvl="1" indent="-317500">
               <a:spcBef>
                 <a:spcPts val="0"/>
               </a:spcBef>
@@ -5181,7 +5304,7 @@
                 </a:solidFill>
               </a:defRPr>
             </a:lvl2pPr>
-            <a:lvl3pPr indent="-317500" lvl="2" marL="1371600">
+            <a:lvl3pPr marL="1371600" lvl="2" indent="-317500">
               <a:spcBef>
                 <a:spcPts val="0"/>
               </a:spcBef>
@@ -5199,7 +5322,7 @@
                 </a:solidFill>
               </a:defRPr>
             </a:lvl3pPr>
-            <a:lvl4pPr indent="-317500" lvl="3" marL="1828800">
+            <a:lvl4pPr marL="1828800" lvl="3" indent="-317500">
               <a:spcBef>
                 <a:spcPts val="0"/>
               </a:spcBef>
@@ -5217,7 +5340,7 @@
                 </a:solidFill>
               </a:defRPr>
             </a:lvl4pPr>
-            <a:lvl5pPr indent="-317500" lvl="4" marL="2286000">
+            <a:lvl5pPr marL="2286000" lvl="4" indent="-317500">
               <a:spcBef>
                 <a:spcPts val="0"/>
               </a:spcBef>
@@ -5235,7 +5358,7 @@
                 </a:solidFill>
               </a:defRPr>
             </a:lvl5pPr>
-            <a:lvl6pPr indent="-317500" lvl="5" marL="2743200">
+            <a:lvl6pPr marL="2743200" lvl="5" indent="-317500">
               <a:spcBef>
                 <a:spcPts val="0"/>
               </a:spcBef>
@@ -5253,7 +5376,7 @@
                 </a:solidFill>
               </a:defRPr>
             </a:lvl6pPr>
-            <a:lvl7pPr indent="-317500" lvl="6" marL="3200400">
+            <a:lvl7pPr marL="3200400" lvl="6" indent="-317500">
               <a:spcBef>
                 <a:spcPts val="0"/>
               </a:spcBef>
@@ -5271,7 +5394,7 @@
                 </a:solidFill>
               </a:defRPr>
             </a:lvl7pPr>
-            <a:lvl8pPr indent="-317500" lvl="7" marL="3657600">
+            <a:lvl8pPr marL="3657600" lvl="7" indent="-317500">
               <a:spcBef>
                 <a:spcPts val="0"/>
               </a:spcBef>
@@ -5289,7 +5412,7 @@
                 </a:solidFill>
               </a:defRPr>
             </a:lvl8pPr>
-            <a:lvl9pPr indent="-317500" lvl="8" marL="4114800">
+            <a:lvl9pPr marL="4114800" lvl="8" indent="-317500">
               <a:spcBef>
                 <a:spcPts val="0"/>
               </a:spcBef>
@@ -5308,15 +5431,19 @@
               </a:defRPr>
             </a:lvl9pPr>
           </a:lstStyle>
-          <a:p/>
+          <a:p>
+            <a:endParaRPr/>
+          </a:p>
         </p:txBody>
       </p:sp>
       <p:sp>
         <p:nvSpPr>
           <p:cNvPr id="44" name="Google Shape;44;p9"/>
-          <p:cNvSpPr txBox="1"/>
+          <p:cNvSpPr txBox="1">
+            <a:spLocks noGrp="1"/>
+          </p:cNvSpPr>
           <p:nvPr>
-            <p:ph idx="12" type="sldNum"/>
+            <p:ph type="sldNum" idx="12"/>
           </p:nvPr>
         </p:nvSpPr>
         <p:spPr>
@@ -5329,7 +5456,7 @@
           </a:prstGeom>
         </p:spPr>
         <p:txBody>
-          <a:bodyPr anchorCtr="0" anchor="ctr" bIns="91425" lIns="91425" spcFirstLastPara="1" rIns="91425" wrap="square" tIns="91425">
+          <a:bodyPr spcFirstLastPara="1" wrap="square" lIns="91425" tIns="91425" rIns="91425" bIns="91425" anchor="ctr" anchorCtr="0">
             <a:normAutofit/>
           </a:bodyPr>
           <a:lstStyle>
@@ -5407,7 +5534,7 @@
             </a:lvl9pPr>
           </a:lstStyle>
           <a:p>
-            <a:pPr indent="0" lvl="0" marL="0" rtl="0" algn="r">
+            <a:pPr marL="0" lvl="0" indent="0" algn="r" rtl="0">
               <a:spcBef>
                 <a:spcPts val="0"/>
               </a:spcBef>
@@ -5418,7 +5545,7 @@
             </a:pPr>
             <a:fld id="{00000000-1234-1234-1234-123412341234}" type="slidenum">
               <a:rPr lang="fr"/>
-              <a:t>‹#›</a:t>
+              <a:t>‹N°›</a:t>
             </a:fld>
             <a:endParaRPr/>
           </a:p>
@@ -5433,11 +5560,11 @@
 </file>
 
 <file path=ppt/slideLayouts/slideLayout9.xml><?xml version="1.0" encoding="utf-8"?>
-<p:sldLayout xmlns:a="http://schemas.openxmlformats.org/drawingml/2006/main" xmlns:r="http://schemas.openxmlformats.org/officeDocument/2006/relationships" xmlns:mc="http://schemas.openxmlformats.org/markup-compatibility/2006" xmlns:mv="urn:schemas-microsoft-com:mac:vml" xmlns:p="http://schemas.openxmlformats.org/presentationml/2006/main" xmlns:c="http://schemas.openxmlformats.org/drawingml/2006/chart" xmlns:dgm="http://schemas.openxmlformats.org/drawingml/2006/diagram" xmlns:o="urn:schemas-microsoft-com:office:office" xmlns:v="urn:schemas-microsoft-com:vml" xmlns:pvml="urn:schemas-microsoft-com:office:powerpoint" xmlns:com="http://schemas.openxmlformats.org/drawingml/2006/compatibility" xmlns:p14="http://schemas.microsoft.com/office/powerpoint/2010/main" xmlns:p15="http://schemas.microsoft.com/office/powerpoint/2012/main" xmlns:ahyp="http://schemas.microsoft.com/office/drawing/2018/hyperlinkcolor" matchingName="Caption">
+<p:sldLayout xmlns:a="http://schemas.openxmlformats.org/drawingml/2006/main" xmlns:r="http://schemas.openxmlformats.org/officeDocument/2006/relationships" xmlns:p="http://schemas.openxmlformats.org/presentationml/2006/main" matchingName="Caption">
   <p:cSld name="CAPTION_ONLY">
     <p:spTree>
       <p:nvGrpSpPr>
-        <p:cNvPr id="45" name="Shape 45"/>
+        <p:cNvPr id="1" name="Shape 45"/>
         <p:cNvGrpSpPr/>
         <p:nvPr/>
       </p:nvGrpSpPr>
@@ -5452,9 +5579,11 @@
       <p:sp>
         <p:nvSpPr>
           <p:cNvPr id="46" name="Google Shape;46;p10"/>
-          <p:cNvSpPr txBox="1"/>
+          <p:cNvSpPr txBox="1">
+            <a:spLocks noGrp="1"/>
+          </p:cNvSpPr>
           <p:nvPr>
-            <p:ph idx="1" type="body"/>
+            <p:ph type="body" idx="1"/>
           </p:nvPr>
         </p:nvSpPr>
         <p:spPr>
@@ -5467,11 +5596,11 @@
           </a:prstGeom>
         </p:spPr>
         <p:txBody>
-          <a:bodyPr anchorCtr="0" anchor="ctr" bIns="91425" lIns="91425" spcFirstLastPara="1" rIns="91425" wrap="square" tIns="91425">
+          <a:bodyPr spcFirstLastPara="1" wrap="square" lIns="91425" tIns="91425" rIns="91425" bIns="91425" anchor="ctr" anchorCtr="0">
             <a:normAutofit/>
           </a:bodyPr>
           <a:lstStyle>
-            <a:lvl1pPr indent="-228600" lvl="0" marL="457200">
+            <a:lvl1pPr marL="457200" lvl="0" indent="-228600">
               <a:lnSpc>
                 <a:spcPct val="100000"/>
               </a:lnSpc>
@@ -5486,15 +5615,19 @@
               <a:defRPr/>
             </a:lvl1pPr>
           </a:lstStyle>
-          <a:p/>
+          <a:p>
+            <a:endParaRPr/>
+          </a:p>
         </p:txBody>
       </p:sp>
       <p:sp>
         <p:nvSpPr>
           <p:cNvPr id="47" name="Google Shape;47;p10"/>
-          <p:cNvSpPr txBox="1"/>
+          <p:cNvSpPr txBox="1">
+            <a:spLocks noGrp="1"/>
+          </p:cNvSpPr>
           <p:nvPr>
-            <p:ph idx="12" type="sldNum"/>
+            <p:ph type="sldNum" idx="12"/>
           </p:nvPr>
         </p:nvSpPr>
         <p:spPr>
@@ -5507,7 +5640,7 @@
           </a:prstGeom>
         </p:spPr>
         <p:txBody>
-          <a:bodyPr anchorCtr="0" anchor="ctr" bIns="91425" lIns="91425" spcFirstLastPara="1" rIns="91425" wrap="square" tIns="91425">
+          <a:bodyPr spcFirstLastPara="1" wrap="square" lIns="91425" tIns="91425" rIns="91425" bIns="91425" anchor="ctr" anchorCtr="0">
             <a:normAutofit/>
           </a:bodyPr>
           <a:lstStyle>
@@ -5549,7 +5682,7 @@
             </a:lvl9pPr>
           </a:lstStyle>
           <a:p>
-            <a:pPr indent="0" lvl="0" marL="0" rtl="0" algn="r">
+            <a:pPr marL="0" lvl="0" indent="0" algn="r" rtl="0">
               <a:spcBef>
                 <a:spcPts val="0"/>
               </a:spcBef>
@@ -5560,7 +5693,7 @@
             </a:pPr>
             <a:fld id="{00000000-1234-1234-1234-123412341234}" type="slidenum">
               <a:rPr lang="fr"/>
-              <a:t>‹#›</a:t>
+              <a:t>‹N°›</a:t>
             </a:fld>
             <a:endParaRPr/>
           </a:p>
@@ -5575,18 +5708,19 @@
 </file>
 
 <file path=ppt/slideMasters/slideMaster1.xml><?xml version="1.0" encoding="utf-8"?>
-<p:sldMaster xmlns:a="http://schemas.openxmlformats.org/drawingml/2006/main" xmlns:r="http://schemas.openxmlformats.org/officeDocument/2006/relationships" xmlns:mc="http://schemas.openxmlformats.org/markup-compatibility/2006" xmlns:mv="urn:schemas-microsoft-com:mac:vml" xmlns:p="http://schemas.openxmlformats.org/presentationml/2006/main" xmlns:c="http://schemas.openxmlformats.org/drawingml/2006/chart" xmlns:dgm="http://schemas.openxmlformats.org/drawingml/2006/diagram" xmlns:o="urn:schemas-microsoft-com:office:office" xmlns:v="urn:schemas-microsoft-com:vml" xmlns:pvml="urn:schemas-microsoft-com:office:powerpoint" xmlns:com="http://schemas.openxmlformats.org/drawingml/2006/compatibility" xmlns:p14="http://schemas.microsoft.com/office/powerpoint/2010/main" xmlns:p15="http://schemas.microsoft.com/office/powerpoint/2012/main" xmlns:ahyp="http://schemas.microsoft.com/office/drawing/2018/hyperlinkcolor">
+<p:sldMaster xmlns:a="http://schemas.openxmlformats.org/drawingml/2006/main" xmlns:r="http://schemas.openxmlformats.org/officeDocument/2006/relationships" xmlns:p="http://schemas.openxmlformats.org/presentationml/2006/main">
   <p:cSld name="coral">
     <p:bg>
       <p:bgPr>
         <a:solidFill>
           <a:schemeClr val="lt1"/>
         </a:solidFill>
+        <a:effectLst/>
       </p:bgPr>
     </p:bg>
     <p:spTree>
       <p:nvGrpSpPr>
-        <p:cNvPr id="5" name="Shape 5"/>
+        <p:cNvPr id="1" name="Shape 5"/>
         <p:cNvGrpSpPr/>
         <p:nvPr/>
       </p:nvGrpSpPr>
@@ -5601,7 +5735,9 @@
       <p:sp>
         <p:nvSpPr>
           <p:cNvPr id="6" name="Google Shape;6;p1"/>
-          <p:cNvSpPr txBox="1"/>
+          <p:cNvSpPr txBox="1">
+            <a:spLocks noGrp="1"/>
+          </p:cNvSpPr>
           <p:nvPr>
             <p:ph type="title"/>
           </p:nvPr>
@@ -5620,7 +5756,7 @@
           </a:ln>
         </p:spPr>
         <p:txBody>
-          <a:bodyPr anchorCtr="0" anchor="t" bIns="91425" lIns="91425" spcFirstLastPara="1" rIns="91425" wrap="square" tIns="91425">
+          <a:bodyPr spcFirstLastPara="1" wrap="square" lIns="91425" tIns="91425" rIns="91425" bIns="91425" anchor="t" anchorCtr="0">
             <a:normAutofit/>
           </a:bodyPr>
           <a:lstStyle>
@@ -5637,7 +5773,7 @@
               <a:buSzPts val="3200"/>
               <a:buFont typeface="Playfair Display"/>
               <a:buNone/>
-              <a:defRPr b="1" sz="3200">
+              <a:defRPr sz="3200" b="1">
                 <a:solidFill>
                   <a:schemeClr val="dk1"/>
                 </a:solidFill>
@@ -5660,7 +5796,7 @@
               <a:buSzPts val="3200"/>
               <a:buFont typeface="Playfair Display"/>
               <a:buNone/>
-              <a:defRPr b="1" sz="3200">
+              <a:defRPr sz="3200" b="1">
                 <a:solidFill>
                   <a:schemeClr val="dk1"/>
                 </a:solidFill>
@@ -5683,7 +5819,7 @@
               <a:buSzPts val="3200"/>
               <a:buFont typeface="Playfair Display"/>
               <a:buNone/>
-              <a:defRPr b="1" sz="3200">
+              <a:defRPr sz="3200" b="1">
                 <a:solidFill>
                   <a:schemeClr val="dk1"/>
                 </a:solidFill>
@@ -5706,7 +5842,7 @@
               <a:buSzPts val="3200"/>
               <a:buFont typeface="Playfair Display"/>
               <a:buNone/>
-              <a:defRPr b="1" sz="3200">
+              <a:defRPr sz="3200" b="1">
                 <a:solidFill>
                   <a:schemeClr val="dk1"/>
                 </a:solidFill>
@@ -5729,7 +5865,7 @@
               <a:buSzPts val="3200"/>
               <a:buFont typeface="Playfair Display"/>
               <a:buNone/>
-              <a:defRPr b="1" sz="3200">
+              <a:defRPr sz="3200" b="1">
                 <a:solidFill>
                   <a:schemeClr val="dk1"/>
                 </a:solidFill>
@@ -5752,7 +5888,7 @@
               <a:buSzPts val="3200"/>
               <a:buFont typeface="Playfair Display"/>
               <a:buNone/>
-              <a:defRPr b="1" sz="3200">
+              <a:defRPr sz="3200" b="1">
                 <a:solidFill>
                   <a:schemeClr val="dk1"/>
                 </a:solidFill>
@@ -5775,7 +5911,7 @@
               <a:buSzPts val="3200"/>
               <a:buFont typeface="Playfair Display"/>
               <a:buNone/>
-              <a:defRPr b="1" sz="3200">
+              <a:defRPr sz="3200" b="1">
                 <a:solidFill>
                   <a:schemeClr val="dk1"/>
                 </a:solidFill>
@@ -5798,7 +5934,7 @@
               <a:buSzPts val="3200"/>
               <a:buFont typeface="Playfair Display"/>
               <a:buNone/>
-              <a:defRPr b="1" sz="3200">
+              <a:defRPr sz="3200" b="1">
                 <a:solidFill>
                   <a:schemeClr val="dk1"/>
                 </a:solidFill>
@@ -5821,7 +5957,7 @@
               <a:buSzPts val="3200"/>
               <a:buFont typeface="Playfair Display"/>
               <a:buNone/>
-              <a:defRPr b="1" sz="3200">
+              <a:defRPr sz="3200" b="1">
                 <a:solidFill>
                   <a:schemeClr val="dk1"/>
                 </a:solidFill>
@@ -5832,15 +5968,19 @@
               </a:defRPr>
             </a:lvl9pPr>
           </a:lstStyle>
-          <a:p/>
+          <a:p>
+            <a:endParaRPr/>
+          </a:p>
         </p:txBody>
       </p:sp>
       <p:sp>
         <p:nvSpPr>
           <p:cNvPr id="7" name="Google Shape;7;p1"/>
-          <p:cNvSpPr txBox="1"/>
+          <p:cNvSpPr txBox="1">
+            <a:spLocks noGrp="1"/>
+          </p:cNvSpPr>
           <p:nvPr>
-            <p:ph idx="1" type="body"/>
+            <p:ph type="body" idx="1"/>
           </p:nvPr>
         </p:nvSpPr>
         <p:spPr>
@@ -5857,11 +5997,11 @@
           </a:ln>
         </p:spPr>
         <p:txBody>
-          <a:bodyPr anchorCtr="0" anchor="t" bIns="91425" lIns="91425" spcFirstLastPara="1" rIns="91425" wrap="square" tIns="91425">
+          <a:bodyPr spcFirstLastPara="1" wrap="square" lIns="91425" tIns="91425" rIns="91425" bIns="91425" anchor="t" anchorCtr="0">
             <a:normAutofit/>
           </a:bodyPr>
           <a:lstStyle>
-            <a:lvl1pPr indent="-342900" lvl="0" marL="457200">
+            <a:lvl1pPr marL="457200" lvl="0" indent="-342900">
               <a:lnSpc>
                 <a:spcPct val="115000"/>
               </a:lnSpc>
@@ -5887,7 +6027,7 @@
                 <a:sym typeface="Lato"/>
               </a:defRPr>
             </a:lvl1pPr>
-            <a:lvl2pPr indent="-317500" lvl="1" marL="914400">
+            <a:lvl2pPr marL="914400" lvl="1" indent="-317500">
               <a:lnSpc>
                 <a:spcPct val="115000"/>
               </a:lnSpc>
@@ -5913,7 +6053,7 @@
                 <a:sym typeface="Lato"/>
               </a:defRPr>
             </a:lvl2pPr>
-            <a:lvl3pPr indent="-317500" lvl="2" marL="1371600">
+            <a:lvl3pPr marL="1371600" lvl="2" indent="-317500">
               <a:lnSpc>
                 <a:spcPct val="115000"/>
               </a:lnSpc>
@@ -5939,7 +6079,7 @@
                 <a:sym typeface="Lato"/>
               </a:defRPr>
             </a:lvl3pPr>
-            <a:lvl4pPr indent="-317500" lvl="3" marL="1828800">
+            <a:lvl4pPr marL="1828800" lvl="3" indent="-317500">
               <a:lnSpc>
                 <a:spcPct val="115000"/>
               </a:lnSpc>
@@ -5965,7 +6105,7 @@
                 <a:sym typeface="Lato"/>
               </a:defRPr>
             </a:lvl4pPr>
-            <a:lvl5pPr indent="-317500" lvl="4" marL="2286000">
+            <a:lvl5pPr marL="2286000" lvl="4" indent="-317500">
               <a:lnSpc>
                 <a:spcPct val="115000"/>
               </a:lnSpc>
@@ -5991,7 +6131,7 @@
                 <a:sym typeface="Lato"/>
               </a:defRPr>
             </a:lvl5pPr>
-            <a:lvl6pPr indent="-317500" lvl="5" marL="2743200">
+            <a:lvl6pPr marL="2743200" lvl="5" indent="-317500">
               <a:lnSpc>
                 <a:spcPct val="115000"/>
               </a:lnSpc>
@@ -6017,7 +6157,7 @@
                 <a:sym typeface="Lato"/>
               </a:defRPr>
             </a:lvl6pPr>
-            <a:lvl7pPr indent="-317500" lvl="6" marL="3200400">
+            <a:lvl7pPr marL="3200400" lvl="6" indent="-317500">
               <a:lnSpc>
                 <a:spcPct val="115000"/>
               </a:lnSpc>
@@ -6043,7 +6183,7 @@
                 <a:sym typeface="Lato"/>
               </a:defRPr>
             </a:lvl7pPr>
-            <a:lvl8pPr indent="-317500" lvl="7" marL="3657600">
+            <a:lvl8pPr marL="3657600" lvl="7" indent="-317500">
               <a:lnSpc>
                 <a:spcPct val="115000"/>
               </a:lnSpc>
@@ -6069,7 +6209,7 @@
                 <a:sym typeface="Lato"/>
               </a:defRPr>
             </a:lvl8pPr>
-            <a:lvl9pPr indent="-317500" lvl="8" marL="4114800">
+            <a:lvl9pPr marL="4114800" lvl="8" indent="-317500">
               <a:lnSpc>
                 <a:spcPct val="115000"/>
               </a:lnSpc>
@@ -6096,15 +6236,19 @@
               </a:defRPr>
             </a:lvl9pPr>
           </a:lstStyle>
-          <a:p/>
+          <a:p>
+            <a:endParaRPr/>
+          </a:p>
         </p:txBody>
       </p:sp>
       <p:sp>
         <p:nvSpPr>
           <p:cNvPr id="8" name="Google Shape;8;p1"/>
-          <p:cNvSpPr txBox="1"/>
+          <p:cNvSpPr txBox="1">
+            <a:spLocks noGrp="1"/>
+          </p:cNvSpPr>
           <p:nvPr>
-            <p:ph idx="12" type="sldNum"/>
+            <p:ph type="sldNum" idx="12"/>
           </p:nvPr>
         </p:nvSpPr>
         <p:spPr>
@@ -6121,7 +6265,7 @@
           </a:ln>
         </p:spPr>
         <p:txBody>
-          <a:bodyPr anchorCtr="0" anchor="ctr" bIns="91425" lIns="91425" spcFirstLastPara="1" rIns="91425" wrap="square" tIns="91425">
+          <a:bodyPr spcFirstLastPara="1" wrap="square" lIns="91425" tIns="91425" rIns="91425" bIns="91425" anchor="ctr" anchorCtr="0">
             <a:normAutofit/>
           </a:bodyPr>
           <a:lstStyle>
@@ -6235,7 +6379,7 @@
             </a:lvl9pPr>
           </a:lstStyle>
           <a:p>
-            <a:pPr indent="0" lvl="0" marL="0" rtl="0" algn="r">
+            <a:pPr marL="0" lvl="0" indent="0" algn="r" rtl="0">
               <a:spcBef>
                 <a:spcPts val="0"/>
               </a:spcBef>
@@ -6246,7 +6390,7 @@
             </a:pPr>
             <a:fld id="{00000000-1234-1234-1234-123412341234}" type="slidenum">
               <a:rPr lang="fr"/>
-              <a:t>‹#›</a:t>
+              <a:t>‹N°›</a:t>
             </a:fld>
             <a:endParaRPr/>
           </a:p>
@@ -6254,7 +6398,7 @@
       </p:sp>
     </p:spTree>
   </p:cSld>
-  <p:clrMap accent1="accent1" accent2="accent2" accent3="accent3" accent4="accent4" accent5="accent5" accent6="accent6" bg1="lt1" bg2="dk2" tx1="dk1" tx2="lt2" folHlink="folHlink" hlink="hlink"/>
+  <p:clrMap bg1="lt1" tx1="dk1" bg2="dk2" tx2="lt2" accent1="accent1" accent2="accent2" accent3="accent3" accent4="accent4" accent5="accent5" accent6="accent6" hlink="hlink" folHlink="folHlink"/>
   <p:sldLayoutIdLst>
     <p:sldLayoutId id="2147483648" r:id="rId1"/>
     <p:sldLayoutId id="2147483649" r:id="rId2"/>
@@ -6268,10 +6412,10 @@
     <p:sldLayoutId id="2147483657" r:id="rId10"/>
     <p:sldLayoutId id="2147483658" r:id="rId11"/>
   </p:sldLayoutIdLst>
-  <p:hf dt="0" ftr="0" hdr="0" sldNum="0"/>
+  <p:hf sldNum="0" hdr="0" ftr="0" dt="0"/>
   <p:txStyles>
     <p:titleStyle>
-      <a:defPPr lvl="0" marR="0" rtl="0" algn="l">
+      <a:defPPr marR="0" lvl="0" algn="l" rtl="0">
         <a:lnSpc>
           <a:spcPct val="100000"/>
         </a:lnSpc>
@@ -6282,7 +6426,7 @@
           <a:spcPts val="0"/>
         </a:spcAft>
       </a:defPPr>
-      <a:lvl1pPr lvl="0" marR="0" rtl="0" algn="l">
+      <a:lvl1pPr marR="0" lvl="0" algn="l" rtl="0">
         <a:lnSpc>
           <a:spcPct val="100000"/>
         </a:lnSpc>
@@ -6296,7 +6440,7 @@
           <a:srgbClr val="000000"/>
         </a:buClr>
         <a:buFont typeface="Arial"/>
-        <a:defRPr b="0" i="0" sz="1400" u="none" cap="none" strike="noStrike">
+        <a:defRPr sz="1400" b="0" i="0" u="none" strike="noStrike" cap="none">
           <a:solidFill>
             <a:srgbClr val="000000"/>
           </a:solidFill>
@@ -6306,7 +6450,7 @@
           <a:sym typeface="Arial"/>
         </a:defRPr>
       </a:lvl1pPr>
-      <a:lvl2pPr lvl="1" marR="0" rtl="0" algn="l">
+      <a:lvl2pPr marR="0" lvl="1" algn="l" rtl="0">
         <a:lnSpc>
           <a:spcPct val="100000"/>
         </a:lnSpc>
@@ -6320,7 +6464,7 @@
           <a:srgbClr val="000000"/>
         </a:buClr>
         <a:buFont typeface="Arial"/>
-        <a:defRPr b="0" i="0" sz="1400" u="none" cap="none" strike="noStrike">
+        <a:defRPr sz="1400" b="0" i="0" u="none" strike="noStrike" cap="none">
           <a:solidFill>
             <a:srgbClr val="000000"/>
           </a:solidFill>
@@ -6330,7 +6474,7 @@
           <a:sym typeface="Arial"/>
         </a:defRPr>
       </a:lvl2pPr>
-      <a:lvl3pPr lvl="2" marR="0" rtl="0" algn="l">
+      <a:lvl3pPr marR="0" lvl="2" algn="l" rtl="0">
         <a:lnSpc>
           <a:spcPct val="100000"/>
         </a:lnSpc>
@@ -6344,7 +6488,7 @@
           <a:srgbClr val="000000"/>
         </a:buClr>
         <a:buFont typeface="Arial"/>
-        <a:defRPr b="0" i="0" sz="1400" u="none" cap="none" strike="noStrike">
+        <a:defRPr sz="1400" b="0" i="0" u="none" strike="noStrike" cap="none">
           <a:solidFill>
             <a:srgbClr val="000000"/>
           </a:solidFill>
@@ -6354,7 +6498,7 @@
           <a:sym typeface="Arial"/>
         </a:defRPr>
       </a:lvl3pPr>
-      <a:lvl4pPr lvl="3" marR="0" rtl="0" algn="l">
+      <a:lvl4pPr marR="0" lvl="3" algn="l" rtl="0">
         <a:lnSpc>
           <a:spcPct val="100000"/>
         </a:lnSpc>
@@ -6368,7 +6512,7 @@
           <a:srgbClr val="000000"/>
         </a:buClr>
         <a:buFont typeface="Arial"/>
-        <a:defRPr b="0" i="0" sz="1400" u="none" cap="none" strike="noStrike">
+        <a:defRPr sz="1400" b="0" i="0" u="none" strike="noStrike" cap="none">
           <a:solidFill>
             <a:srgbClr val="000000"/>
           </a:solidFill>
@@ -6378,7 +6522,7 @@
           <a:sym typeface="Arial"/>
         </a:defRPr>
       </a:lvl4pPr>
-      <a:lvl5pPr lvl="4" marR="0" rtl="0" algn="l">
+      <a:lvl5pPr marR="0" lvl="4" algn="l" rtl="0">
         <a:lnSpc>
           <a:spcPct val="100000"/>
         </a:lnSpc>
@@ -6392,7 +6536,7 @@
           <a:srgbClr val="000000"/>
         </a:buClr>
         <a:buFont typeface="Arial"/>
-        <a:defRPr b="0" i="0" sz="1400" u="none" cap="none" strike="noStrike">
+        <a:defRPr sz="1400" b="0" i="0" u="none" strike="noStrike" cap="none">
           <a:solidFill>
             <a:srgbClr val="000000"/>
           </a:solidFill>
@@ -6402,7 +6546,7 @@
           <a:sym typeface="Arial"/>
         </a:defRPr>
       </a:lvl5pPr>
-      <a:lvl6pPr lvl="5" marR="0" rtl="0" algn="l">
+      <a:lvl6pPr marR="0" lvl="5" algn="l" rtl="0">
         <a:lnSpc>
           <a:spcPct val="100000"/>
         </a:lnSpc>
@@ -6416,7 +6560,7 @@
           <a:srgbClr val="000000"/>
         </a:buClr>
         <a:buFont typeface="Arial"/>
-        <a:defRPr b="0" i="0" sz="1400" u="none" cap="none" strike="noStrike">
+        <a:defRPr sz="1400" b="0" i="0" u="none" strike="noStrike" cap="none">
           <a:solidFill>
             <a:srgbClr val="000000"/>
           </a:solidFill>
@@ -6426,7 +6570,7 @@
           <a:sym typeface="Arial"/>
         </a:defRPr>
       </a:lvl6pPr>
-      <a:lvl7pPr lvl="6" marR="0" rtl="0" algn="l">
+      <a:lvl7pPr marR="0" lvl="6" algn="l" rtl="0">
         <a:lnSpc>
           <a:spcPct val="100000"/>
         </a:lnSpc>
@@ -6440,7 +6584,7 @@
           <a:srgbClr val="000000"/>
         </a:buClr>
         <a:buFont typeface="Arial"/>
-        <a:defRPr b="0" i="0" sz="1400" u="none" cap="none" strike="noStrike">
+        <a:defRPr sz="1400" b="0" i="0" u="none" strike="noStrike" cap="none">
           <a:solidFill>
             <a:srgbClr val="000000"/>
           </a:solidFill>
@@ -6450,7 +6594,7 @@
           <a:sym typeface="Arial"/>
         </a:defRPr>
       </a:lvl7pPr>
-      <a:lvl8pPr lvl="7" marR="0" rtl="0" algn="l">
+      <a:lvl8pPr marR="0" lvl="7" algn="l" rtl="0">
         <a:lnSpc>
           <a:spcPct val="100000"/>
         </a:lnSpc>
@@ -6464,7 +6608,7 @@
           <a:srgbClr val="000000"/>
         </a:buClr>
         <a:buFont typeface="Arial"/>
-        <a:defRPr b="0" i="0" sz="1400" u="none" cap="none" strike="noStrike">
+        <a:defRPr sz="1400" b="0" i="0" u="none" strike="noStrike" cap="none">
           <a:solidFill>
             <a:srgbClr val="000000"/>
           </a:solidFill>
@@ -6474,7 +6618,7 @@
           <a:sym typeface="Arial"/>
         </a:defRPr>
       </a:lvl8pPr>
-      <a:lvl9pPr lvl="8" marR="0" rtl="0" algn="l">
+      <a:lvl9pPr marR="0" lvl="8" algn="l" rtl="0">
         <a:lnSpc>
           <a:spcPct val="100000"/>
         </a:lnSpc>
@@ -6488,7 +6632,7 @@
           <a:srgbClr val="000000"/>
         </a:buClr>
         <a:buFont typeface="Arial"/>
-        <a:defRPr b="0" i="0" sz="1400" u="none" cap="none" strike="noStrike">
+        <a:defRPr sz="1400" b="0" i="0" u="none" strike="noStrike" cap="none">
           <a:solidFill>
             <a:srgbClr val="000000"/>
           </a:solidFill>
@@ -6500,7 +6644,7 @@
       </a:lvl9pPr>
     </p:titleStyle>
     <p:bodyStyle>
-      <a:defPPr lvl="0" marR="0" rtl="0" algn="l">
+      <a:defPPr marR="0" lvl="0" algn="l" rtl="0">
         <a:lnSpc>
           <a:spcPct val="100000"/>
         </a:lnSpc>
@@ -6511,7 +6655,7 @@
           <a:spcPts val="0"/>
         </a:spcAft>
       </a:defPPr>
-      <a:lvl1pPr lvl="0" marR="0" rtl="0" algn="l">
+      <a:lvl1pPr marR="0" lvl="0" algn="l" rtl="0">
         <a:lnSpc>
           <a:spcPct val="100000"/>
         </a:lnSpc>
@@ -6525,7 +6669,7 @@
           <a:srgbClr val="000000"/>
         </a:buClr>
         <a:buFont typeface="Arial"/>
-        <a:defRPr b="0" i="0" sz="1400" u="none" cap="none" strike="noStrike">
+        <a:defRPr sz="1400" b="0" i="0" u="none" strike="noStrike" cap="none">
           <a:solidFill>
             <a:srgbClr val="000000"/>
           </a:solidFill>
@@ -6535,7 +6679,7 @@
           <a:sym typeface="Arial"/>
         </a:defRPr>
       </a:lvl1pPr>
-      <a:lvl2pPr lvl="1" marR="0" rtl="0" algn="l">
+      <a:lvl2pPr marR="0" lvl="1" algn="l" rtl="0">
         <a:lnSpc>
           <a:spcPct val="100000"/>
         </a:lnSpc>
@@ -6549,7 +6693,7 @@
           <a:srgbClr val="000000"/>
         </a:buClr>
         <a:buFont typeface="Arial"/>
-        <a:defRPr b="0" i="0" sz="1400" u="none" cap="none" strike="noStrike">
+        <a:defRPr sz="1400" b="0" i="0" u="none" strike="noStrike" cap="none">
           <a:solidFill>
             <a:srgbClr val="000000"/>
           </a:solidFill>
@@ -6559,7 +6703,7 @@
           <a:sym typeface="Arial"/>
         </a:defRPr>
       </a:lvl2pPr>
-      <a:lvl3pPr lvl="2" marR="0" rtl="0" algn="l">
+      <a:lvl3pPr marR="0" lvl="2" algn="l" rtl="0">
         <a:lnSpc>
           <a:spcPct val="100000"/>
         </a:lnSpc>
@@ -6573,7 +6717,7 @@
           <a:srgbClr val="000000"/>
         </a:buClr>
         <a:buFont typeface="Arial"/>
-        <a:defRPr b="0" i="0" sz="1400" u="none" cap="none" strike="noStrike">
+        <a:defRPr sz="1400" b="0" i="0" u="none" strike="noStrike" cap="none">
           <a:solidFill>
             <a:srgbClr val="000000"/>
           </a:solidFill>
@@ -6583,7 +6727,7 @@
           <a:sym typeface="Arial"/>
         </a:defRPr>
       </a:lvl3pPr>
-      <a:lvl4pPr lvl="3" marR="0" rtl="0" algn="l">
+      <a:lvl4pPr marR="0" lvl="3" algn="l" rtl="0">
         <a:lnSpc>
           <a:spcPct val="100000"/>
         </a:lnSpc>
@@ -6597,7 +6741,7 @@
           <a:srgbClr val="000000"/>
         </a:buClr>
         <a:buFont typeface="Arial"/>
-        <a:defRPr b="0" i="0" sz="1400" u="none" cap="none" strike="noStrike">
+        <a:defRPr sz="1400" b="0" i="0" u="none" strike="noStrike" cap="none">
           <a:solidFill>
             <a:srgbClr val="000000"/>
           </a:solidFill>
@@ -6607,7 +6751,7 @@
           <a:sym typeface="Arial"/>
         </a:defRPr>
       </a:lvl4pPr>
-      <a:lvl5pPr lvl="4" marR="0" rtl="0" algn="l">
+      <a:lvl5pPr marR="0" lvl="4" algn="l" rtl="0">
         <a:lnSpc>
           <a:spcPct val="100000"/>
         </a:lnSpc>
@@ -6621,7 +6765,7 @@
           <a:srgbClr val="000000"/>
         </a:buClr>
         <a:buFont typeface="Arial"/>
-        <a:defRPr b="0" i="0" sz="1400" u="none" cap="none" strike="noStrike">
+        <a:defRPr sz="1400" b="0" i="0" u="none" strike="noStrike" cap="none">
           <a:solidFill>
             <a:srgbClr val="000000"/>
           </a:solidFill>
@@ -6631,7 +6775,7 @@
           <a:sym typeface="Arial"/>
         </a:defRPr>
       </a:lvl5pPr>
-      <a:lvl6pPr lvl="5" marR="0" rtl="0" algn="l">
+      <a:lvl6pPr marR="0" lvl="5" algn="l" rtl="0">
         <a:lnSpc>
           <a:spcPct val="100000"/>
         </a:lnSpc>
@@ -6645,7 +6789,7 @@
           <a:srgbClr val="000000"/>
         </a:buClr>
         <a:buFont typeface="Arial"/>
-        <a:defRPr b="0" i="0" sz="1400" u="none" cap="none" strike="noStrike">
+        <a:defRPr sz="1400" b="0" i="0" u="none" strike="noStrike" cap="none">
           <a:solidFill>
             <a:srgbClr val="000000"/>
           </a:solidFill>
@@ -6655,7 +6799,7 @@
           <a:sym typeface="Arial"/>
         </a:defRPr>
       </a:lvl6pPr>
-      <a:lvl7pPr lvl="6" marR="0" rtl="0" algn="l">
+      <a:lvl7pPr marR="0" lvl="6" algn="l" rtl="0">
         <a:lnSpc>
           <a:spcPct val="100000"/>
         </a:lnSpc>
@@ -6669,7 +6813,7 @@
           <a:srgbClr val="000000"/>
         </a:buClr>
         <a:buFont typeface="Arial"/>
-        <a:defRPr b="0" i="0" sz="1400" u="none" cap="none" strike="noStrike">
+        <a:defRPr sz="1400" b="0" i="0" u="none" strike="noStrike" cap="none">
           <a:solidFill>
             <a:srgbClr val="000000"/>
           </a:solidFill>
@@ -6679,7 +6823,7 @@
           <a:sym typeface="Arial"/>
         </a:defRPr>
       </a:lvl7pPr>
-      <a:lvl8pPr lvl="7" marR="0" rtl="0" algn="l">
+      <a:lvl8pPr marR="0" lvl="7" algn="l" rtl="0">
         <a:lnSpc>
           <a:spcPct val="100000"/>
         </a:lnSpc>
@@ -6693,7 +6837,7 @@
           <a:srgbClr val="000000"/>
         </a:buClr>
         <a:buFont typeface="Arial"/>
-        <a:defRPr b="0" i="0" sz="1400" u="none" cap="none" strike="noStrike">
+        <a:defRPr sz="1400" b="0" i="0" u="none" strike="noStrike" cap="none">
           <a:solidFill>
             <a:srgbClr val="000000"/>
           </a:solidFill>
@@ -6703,7 +6847,7 @@
           <a:sym typeface="Arial"/>
         </a:defRPr>
       </a:lvl8pPr>
-      <a:lvl9pPr lvl="8" marR="0" rtl="0" algn="l">
+      <a:lvl9pPr marR="0" lvl="8" algn="l" rtl="0">
         <a:lnSpc>
           <a:spcPct val="100000"/>
         </a:lnSpc>
@@ -6717,7 +6861,7 @@
           <a:srgbClr val="000000"/>
         </a:buClr>
         <a:buFont typeface="Arial"/>
-        <a:defRPr b="0" i="0" sz="1400" u="none" cap="none" strike="noStrike">
+        <a:defRPr sz="1400" b="0" i="0" u="none" strike="noStrike" cap="none">
           <a:solidFill>
             <a:srgbClr val="000000"/>
           </a:solidFill>
@@ -6729,7 +6873,7 @@
       </a:lvl9pPr>
     </p:bodyStyle>
     <p:otherStyle>
-      <a:defPPr lvl="0" marR="0" rtl="0" algn="l">
+      <a:defPPr marR="0" lvl="0" algn="l" rtl="0">
         <a:lnSpc>
           <a:spcPct val="100000"/>
         </a:lnSpc>
@@ -6740,7 +6884,7 @@
           <a:spcPts val="0"/>
         </a:spcAft>
       </a:defPPr>
-      <a:lvl1pPr lvl="0" marR="0" rtl="0" algn="l">
+      <a:lvl1pPr marR="0" lvl="0" algn="l" rtl="0">
         <a:lnSpc>
           <a:spcPct val="100000"/>
         </a:lnSpc>
@@ -6754,7 +6898,7 @@
           <a:srgbClr val="000000"/>
         </a:buClr>
         <a:buFont typeface="Arial"/>
-        <a:defRPr b="0" i="0" sz="1400" u="none" cap="none" strike="noStrike">
+        <a:defRPr sz="1400" b="0" i="0" u="none" strike="noStrike" cap="none">
           <a:solidFill>
             <a:srgbClr val="000000"/>
           </a:solidFill>
@@ -6764,7 +6908,7 @@
           <a:sym typeface="Arial"/>
         </a:defRPr>
       </a:lvl1pPr>
-      <a:lvl2pPr lvl="1" marR="0" rtl="0" algn="l">
+      <a:lvl2pPr marR="0" lvl="1" algn="l" rtl="0">
         <a:lnSpc>
           <a:spcPct val="100000"/>
         </a:lnSpc>
@@ -6778,7 +6922,7 @@
           <a:srgbClr val="000000"/>
         </a:buClr>
         <a:buFont typeface="Arial"/>
-        <a:defRPr b="0" i="0" sz="1400" u="none" cap="none" strike="noStrike">
+        <a:defRPr sz="1400" b="0" i="0" u="none" strike="noStrike" cap="none">
           <a:solidFill>
             <a:srgbClr val="000000"/>
           </a:solidFill>
@@ -6788,7 +6932,7 @@
           <a:sym typeface="Arial"/>
         </a:defRPr>
       </a:lvl2pPr>
-      <a:lvl3pPr lvl="2" marR="0" rtl="0" algn="l">
+      <a:lvl3pPr marR="0" lvl="2" algn="l" rtl="0">
         <a:lnSpc>
           <a:spcPct val="100000"/>
         </a:lnSpc>
@@ -6802,7 +6946,7 @@
           <a:srgbClr val="000000"/>
         </a:buClr>
         <a:buFont typeface="Arial"/>
-        <a:defRPr b="0" i="0" sz="1400" u="none" cap="none" strike="noStrike">
+        <a:defRPr sz="1400" b="0" i="0" u="none" strike="noStrike" cap="none">
           <a:solidFill>
             <a:srgbClr val="000000"/>
           </a:solidFill>
@@ -6812,7 +6956,7 @@
           <a:sym typeface="Arial"/>
         </a:defRPr>
       </a:lvl3pPr>
-      <a:lvl4pPr lvl="3" marR="0" rtl="0" algn="l">
+      <a:lvl4pPr marR="0" lvl="3" algn="l" rtl="0">
         <a:lnSpc>
           <a:spcPct val="100000"/>
         </a:lnSpc>
@@ -6826,7 +6970,7 @@
           <a:srgbClr val="000000"/>
         </a:buClr>
         <a:buFont typeface="Arial"/>
-        <a:defRPr b="0" i="0" sz="1400" u="none" cap="none" strike="noStrike">
+        <a:defRPr sz="1400" b="0" i="0" u="none" strike="noStrike" cap="none">
           <a:solidFill>
             <a:srgbClr val="000000"/>
           </a:solidFill>
@@ -6836,7 +6980,7 @@
           <a:sym typeface="Arial"/>
         </a:defRPr>
       </a:lvl4pPr>
-      <a:lvl5pPr lvl="4" marR="0" rtl="0" algn="l">
+      <a:lvl5pPr marR="0" lvl="4" algn="l" rtl="0">
         <a:lnSpc>
           <a:spcPct val="100000"/>
         </a:lnSpc>
@@ -6850,7 +6994,7 @@
           <a:srgbClr val="000000"/>
         </a:buClr>
         <a:buFont typeface="Arial"/>
-        <a:defRPr b="0" i="0" sz="1400" u="none" cap="none" strike="noStrike">
+        <a:defRPr sz="1400" b="0" i="0" u="none" strike="noStrike" cap="none">
           <a:solidFill>
             <a:srgbClr val="000000"/>
           </a:solidFill>
@@ -6860,7 +7004,7 @@
           <a:sym typeface="Arial"/>
         </a:defRPr>
       </a:lvl5pPr>
-      <a:lvl6pPr lvl="5" marR="0" rtl="0" algn="l">
+      <a:lvl6pPr marR="0" lvl="5" algn="l" rtl="0">
         <a:lnSpc>
           <a:spcPct val="100000"/>
         </a:lnSpc>
@@ -6874,7 +7018,7 @@
           <a:srgbClr val="000000"/>
         </a:buClr>
         <a:buFont typeface="Arial"/>
-        <a:defRPr b="0" i="0" sz="1400" u="none" cap="none" strike="noStrike">
+        <a:defRPr sz="1400" b="0" i="0" u="none" strike="noStrike" cap="none">
           <a:solidFill>
             <a:srgbClr val="000000"/>
           </a:solidFill>
@@ -6884,7 +7028,7 @@
           <a:sym typeface="Arial"/>
         </a:defRPr>
       </a:lvl6pPr>
-      <a:lvl7pPr lvl="6" marR="0" rtl="0" algn="l">
+      <a:lvl7pPr marR="0" lvl="6" algn="l" rtl="0">
         <a:lnSpc>
           <a:spcPct val="100000"/>
         </a:lnSpc>
@@ -6898,7 +7042,7 @@
           <a:srgbClr val="000000"/>
         </a:buClr>
         <a:buFont typeface="Arial"/>
-        <a:defRPr b="0" i="0" sz="1400" u="none" cap="none" strike="noStrike">
+        <a:defRPr sz="1400" b="0" i="0" u="none" strike="noStrike" cap="none">
           <a:solidFill>
             <a:srgbClr val="000000"/>
           </a:solidFill>
@@ -6908,7 +7052,7 @@
           <a:sym typeface="Arial"/>
         </a:defRPr>
       </a:lvl7pPr>
-      <a:lvl8pPr lvl="7" marR="0" rtl="0" algn="l">
+      <a:lvl8pPr marR="0" lvl="7" algn="l" rtl="0">
         <a:lnSpc>
           <a:spcPct val="100000"/>
         </a:lnSpc>
@@ -6922,7 +7066,7 @@
           <a:srgbClr val="000000"/>
         </a:buClr>
         <a:buFont typeface="Arial"/>
-        <a:defRPr b="0" i="0" sz="1400" u="none" cap="none" strike="noStrike">
+        <a:defRPr sz="1400" b="0" i="0" u="none" strike="noStrike" cap="none">
           <a:solidFill>
             <a:srgbClr val="000000"/>
           </a:solidFill>
@@ -6932,7 +7076,7 @@
           <a:sym typeface="Arial"/>
         </a:defRPr>
       </a:lvl8pPr>
-      <a:lvl9pPr lvl="8" marR="0" rtl="0" algn="l">
+      <a:lvl9pPr marR="0" lvl="8" algn="l" rtl="0">
         <a:lnSpc>
           <a:spcPct val="100000"/>
         </a:lnSpc>
@@ -6946,7 +7090,7 @@
           <a:srgbClr val="000000"/>
         </a:buClr>
         <a:buFont typeface="Arial"/>
-        <a:defRPr b="0" i="0" sz="1400" u="none" cap="none" strike="noStrike">
+        <a:defRPr sz="1400" b="0" i="0" u="none" strike="noStrike" cap="none">
           <a:solidFill>
             <a:srgbClr val="000000"/>
           </a:solidFill>
@@ -6962,11 +7106,11 @@
 </file>
 
 <file path=ppt/slides/slide1.xml><?xml version="1.0" encoding="utf-8"?>
-<p:sld xmlns:a="http://schemas.openxmlformats.org/drawingml/2006/main" xmlns:r="http://schemas.openxmlformats.org/officeDocument/2006/relationships" xmlns:mc="http://schemas.openxmlformats.org/markup-compatibility/2006" xmlns:mv="urn:schemas-microsoft-com:mac:vml" xmlns:p="http://schemas.openxmlformats.org/presentationml/2006/main" xmlns:c="http://schemas.openxmlformats.org/drawingml/2006/chart" xmlns:dgm="http://schemas.openxmlformats.org/drawingml/2006/diagram" xmlns:o="urn:schemas-microsoft-com:office:office" xmlns:v="urn:schemas-microsoft-com:vml" xmlns:pvml="urn:schemas-microsoft-com:office:powerpoint" xmlns:com="http://schemas.openxmlformats.org/drawingml/2006/compatibility" xmlns:p14="http://schemas.microsoft.com/office/powerpoint/2010/main" xmlns:p15="http://schemas.microsoft.com/office/powerpoint/2012/main" xmlns:ahyp="http://schemas.microsoft.com/office/drawing/2018/hyperlinkcolor">
+<p:sld xmlns:a="http://schemas.openxmlformats.org/drawingml/2006/main" xmlns:r="http://schemas.openxmlformats.org/officeDocument/2006/relationships" xmlns:p="http://schemas.openxmlformats.org/presentationml/2006/main">
   <p:cSld>
     <p:spTree>
       <p:nvGrpSpPr>
-        <p:cNvPr id="58" name="Shape 58"/>
+        <p:cNvPr id="1" name="Shape 58"/>
         <p:cNvGrpSpPr/>
         <p:nvPr/>
       </p:nvGrpSpPr>
@@ -6981,7 +7125,9 @@
       <p:sp>
         <p:nvSpPr>
           <p:cNvPr id="59" name="Google Shape;59;p13"/>
-          <p:cNvSpPr txBox="1"/>
+          <p:cNvSpPr txBox="1">
+            <a:spLocks noGrp="1"/>
+          </p:cNvSpPr>
           <p:nvPr>
             <p:ph type="ctrTitle"/>
           </p:nvPr>
@@ -6996,12 +7142,12 @@
           </a:prstGeom>
         </p:spPr>
         <p:txBody>
-          <a:bodyPr anchorCtr="0" anchor="ctr" bIns="91425" lIns="91425" spcFirstLastPara="1" rIns="91425" wrap="square" tIns="91425">
+          <a:bodyPr spcFirstLastPara="1" wrap="square" lIns="91425" tIns="91425" rIns="91425" bIns="91425" anchor="ctr" anchorCtr="0">
             <a:noAutofit/>
           </a:bodyPr>
           <a:lstStyle/>
           <a:p>
-            <a:pPr indent="0" lvl="0" marL="0" rtl="0" algn="l">
+            <a:pPr marL="0" lvl="0" indent="0" algn="l" rtl="0">
               <a:spcBef>
                 <a:spcPts val="0"/>
               </a:spcBef>
@@ -7011,7 +7157,7 @@
               <a:buNone/>
             </a:pPr>
             <a:r>
-              <a:rPr b="0" lang="fr" sz="3150">
+              <a:rPr lang="fr" sz="3150" b="0">
                 <a:solidFill>
                   <a:srgbClr val="0F0F19"/>
                 </a:solidFill>
@@ -7032,9 +7178,11 @@
       <p:sp>
         <p:nvSpPr>
           <p:cNvPr id="60" name="Google Shape;60;p13"/>
-          <p:cNvSpPr txBox="1"/>
+          <p:cNvSpPr txBox="1">
+            <a:spLocks noGrp="1"/>
+          </p:cNvSpPr>
           <p:nvPr>
-            <p:ph idx="1" type="subTitle"/>
+            <p:ph type="subTitle" idx="1"/>
           </p:nvPr>
         </p:nvSpPr>
         <p:spPr>
@@ -7047,12 +7195,12 @@
           </a:prstGeom>
         </p:spPr>
         <p:txBody>
-          <a:bodyPr anchorCtr="0" anchor="b" bIns="91425" lIns="91425" spcFirstLastPara="1" rIns="91425" wrap="square" tIns="91425">
-            <a:normAutofit/>
+          <a:bodyPr spcFirstLastPara="1" wrap="square" lIns="91425" tIns="91425" rIns="91425" bIns="91425" anchor="b" anchorCtr="0">
+            <a:normAutofit lnSpcReduction="10000"/>
           </a:bodyPr>
           <a:lstStyle/>
           <a:p>
-            <a:pPr indent="0" lvl="0" marL="0" rtl="0" algn="ctr">
+            <a:pPr marL="0" lvl="0" indent="0" algn="ctr" rtl="0">
               <a:spcBef>
                 <a:spcPts val="0"/>
               </a:spcBef>
@@ -7062,10 +7210,29 @@
               <a:buNone/>
             </a:pPr>
             <a:r>
-              <a:rPr lang="fr"/>
-              <a:t>Ben jeddou Fatma</a:t>
+              <a:rPr lang="fr" dirty="0"/>
+              <a:t>Ben jeddou </a:t>
             </a:r>
-            <a:endParaRPr/>
+            <a:r>
+              <a:rPr lang="fr" dirty="0" smtClean="0"/>
+              <a:t>Fatma</a:t>
+            </a:r>
+          </a:p>
+          <a:p>
+            <a:pPr marL="0" lvl="0" indent="0" algn="ctr" rtl="0">
+              <a:spcBef>
+                <a:spcPts val="0"/>
+              </a:spcBef>
+              <a:spcAft>
+                <a:spcPts val="0"/>
+              </a:spcAft>
+              <a:buNone/>
+            </a:pPr>
+            <a:r>
+              <a:rPr lang="fr" smtClean="0"/>
+              <a:t>Jadla Chames</a:t>
+            </a:r>
+            <a:endParaRPr dirty="0"/>
           </a:p>
         </p:txBody>
       </p:sp>
@@ -7078,11 +7245,11 @@
 </file>
 
 <file path=ppt/slides/slide2.xml><?xml version="1.0" encoding="utf-8"?>
-<p:sld xmlns:a="http://schemas.openxmlformats.org/drawingml/2006/main" xmlns:r="http://schemas.openxmlformats.org/officeDocument/2006/relationships" xmlns:mc="http://schemas.openxmlformats.org/markup-compatibility/2006" xmlns:mv="urn:schemas-microsoft-com:mac:vml" xmlns:p="http://schemas.openxmlformats.org/presentationml/2006/main" xmlns:c="http://schemas.openxmlformats.org/drawingml/2006/chart" xmlns:dgm="http://schemas.openxmlformats.org/drawingml/2006/diagram" xmlns:o="urn:schemas-microsoft-com:office:office" xmlns:v="urn:schemas-microsoft-com:vml" xmlns:pvml="urn:schemas-microsoft-com:office:powerpoint" xmlns:com="http://schemas.openxmlformats.org/drawingml/2006/compatibility" xmlns:p14="http://schemas.microsoft.com/office/powerpoint/2010/main" xmlns:p15="http://schemas.microsoft.com/office/powerpoint/2012/main" xmlns:ahyp="http://schemas.microsoft.com/office/drawing/2018/hyperlinkcolor">
+<p:sld xmlns:a="http://schemas.openxmlformats.org/drawingml/2006/main" xmlns:r="http://schemas.openxmlformats.org/officeDocument/2006/relationships" xmlns:p="http://schemas.openxmlformats.org/presentationml/2006/main">
   <p:cSld>
     <p:spTree>
       <p:nvGrpSpPr>
-        <p:cNvPr id="64" name="Shape 64"/>
+        <p:cNvPr id="1" name="Shape 64"/>
         <p:cNvGrpSpPr/>
         <p:nvPr/>
       </p:nvGrpSpPr>
@@ -7097,7 +7264,9 @@
       <p:sp>
         <p:nvSpPr>
           <p:cNvPr id="65" name="Google Shape;65;p14"/>
-          <p:cNvSpPr txBox="1"/>
+          <p:cNvSpPr txBox="1">
+            <a:spLocks noGrp="1"/>
+          </p:cNvSpPr>
           <p:nvPr>
             <p:ph type="title"/>
           </p:nvPr>
@@ -7112,12 +7281,12 @@
           </a:prstGeom>
         </p:spPr>
         <p:txBody>
-          <a:bodyPr anchorCtr="0" anchor="t" bIns="91425" lIns="91425" spcFirstLastPara="1" rIns="91425" wrap="square" tIns="91425">
-            <a:normAutofit fontScale="90000"/>
+          <a:bodyPr spcFirstLastPara="1" wrap="square" lIns="91425" tIns="91425" rIns="91425" bIns="91425" anchor="t" anchorCtr="0">
+            <a:normAutofit/>
           </a:bodyPr>
           <a:lstStyle/>
           <a:p>
-            <a:pPr indent="0" lvl="0" marL="0" marR="38100" rtl="0" algn="l">
+            <a:pPr marL="0" marR="38100" lvl="0" indent="0" algn="l" rtl="0">
               <a:lnSpc>
                 <a:spcPct val="128571"/>
               </a:lnSpc>
@@ -7130,7 +7299,7 @@
               <a:buNone/>
             </a:pPr>
             <a:r>
-              <a:rPr b="0" lang="fr" sz="2100">
+              <a:rPr lang="fr" sz="2100" b="0">
                 <a:solidFill>
                   <a:srgbClr val="202124"/>
                 </a:solidFill>
@@ -7144,7 +7313,7 @@
               </a:rPr>
               <a:t>Project Description :</a:t>
             </a:r>
-            <a:endParaRPr b="0" sz="2100">
+            <a:endParaRPr sz="2100" b="0">
               <a:solidFill>
                 <a:srgbClr val="202124"/>
               </a:solidFill>
@@ -7158,7 +7327,7 @@
             </a:endParaRPr>
           </a:p>
           <a:p>
-            <a:pPr indent="0" lvl="0" marL="0" rtl="0" algn="l">
+            <a:pPr marL="0" lvl="0" indent="0" algn="l" rtl="0">
               <a:lnSpc>
                 <a:spcPct val="220588"/>
               </a:lnSpc>
@@ -7170,9 +7339,6 @@
               </a:spcAft>
               <a:buNone/>
             </a:pPr>
-            <a:r>
-              <a:t/>
-            </a:r>
             <a:endParaRPr sz="2550">
               <a:solidFill>
                 <a:srgbClr val="000000"/>
@@ -7187,7 +7353,7 @@
             </a:endParaRPr>
           </a:p>
           <a:p>
-            <a:pPr indent="0" lvl="0" marL="0" rtl="0" algn="l">
+            <a:pPr marL="0" lvl="0" indent="0" algn="l" rtl="0">
               <a:spcBef>
                 <a:spcPts val="0"/>
               </a:spcBef>
@@ -7196,13 +7362,10 @@
               </a:spcAft>
               <a:buNone/>
             </a:pPr>
-            <a:r>
-              <a:t/>
-            </a:r>
             <a:endParaRPr/>
           </a:p>
           <a:p>
-            <a:pPr indent="0" lvl="0" marL="0" rtl="0" algn="l">
+            <a:pPr marL="0" lvl="0" indent="0" algn="l" rtl="0">
               <a:spcBef>
                 <a:spcPts val="0"/>
               </a:spcBef>
@@ -7211,13 +7374,10 @@
               </a:spcAft>
               <a:buNone/>
             </a:pPr>
-            <a:r>
-              <a:t/>
-            </a:r>
             <a:endParaRPr/>
           </a:p>
           <a:p>
-            <a:pPr indent="0" lvl="0" marL="0" rtl="0" algn="l">
+            <a:pPr marL="0" lvl="0" indent="0" algn="l" rtl="0">
               <a:spcBef>
                 <a:spcPts val="0"/>
               </a:spcBef>
@@ -7226,13 +7386,10 @@
               </a:spcAft>
               <a:buNone/>
             </a:pPr>
-            <a:r>
-              <a:t/>
-            </a:r>
             <a:endParaRPr/>
           </a:p>
           <a:p>
-            <a:pPr indent="0" lvl="0" marL="0" rtl="0" algn="l">
+            <a:pPr marL="0" lvl="0" indent="0" algn="l" rtl="0">
               <a:spcBef>
                 <a:spcPts val="0"/>
               </a:spcBef>
@@ -7241,9 +7398,6 @@
               </a:spcAft>
               <a:buNone/>
             </a:pPr>
-            <a:r>
-              <a:t/>
-            </a:r>
             <a:endParaRPr/>
           </a:p>
         </p:txBody>
@@ -7268,12 +7422,12 @@
           </a:ln>
         </p:spPr>
         <p:txBody>
-          <a:bodyPr anchorCtr="0" anchor="t" bIns="91425" lIns="91425" spcFirstLastPara="1" rIns="91425" wrap="square" tIns="91425">
+          <a:bodyPr spcFirstLastPara="1" wrap="square" lIns="91425" tIns="91425" rIns="91425" bIns="91425" anchor="t" anchorCtr="0">
             <a:spAutoFit/>
           </a:bodyPr>
           <a:lstStyle/>
           <a:p>
-            <a:pPr indent="0" lvl="0" marL="0" rtl="0" algn="l">
+            <a:pPr marL="0" lvl="0" indent="0" algn="l" rtl="0">
               <a:spcBef>
                 <a:spcPts val="0"/>
               </a:spcBef>
@@ -7283,7 +7437,7 @@
               <a:buNone/>
             </a:pPr>
             <a:r>
-              <a:rPr b="1" lang="fr" sz="1350">
+              <a:rPr lang="fr" sz="1350" b="1">
                 <a:solidFill>
                   <a:srgbClr val="0F0F19"/>
                 </a:solidFill>
@@ -7297,7 +7451,7 @@
               </a:rPr>
               <a:t>The chatting application has huge impact on day to day life. There are numerous chatting application available in this world. Each application has different additional features varying from other applications.These application organizations compete with each other and add some competing features during each release. They have reached people much and have an impact on people's life. People find a better application from an available internet application which they feel much reliable and secure. Some of the available chatting applications that are available</a:t>
             </a:r>
-            <a:endParaRPr b="1" sz="1350">
+            <a:endParaRPr sz="1350" b="1">
               <a:solidFill>
                 <a:srgbClr val="0F0F19"/>
               </a:solidFill>
@@ -7311,7 +7465,7 @@
             </a:endParaRPr>
           </a:p>
           <a:p>
-            <a:pPr indent="0" lvl="0" marL="0" rtl="0" algn="l">
+            <a:pPr marL="0" lvl="0" indent="0" algn="l" rtl="0">
               <a:spcBef>
                 <a:spcPts val="0"/>
               </a:spcBef>
@@ -7321,7 +7475,7 @@
               <a:buNone/>
             </a:pPr>
             <a:r>
-              <a:rPr b="1" lang="fr" sz="1350">
+              <a:rPr lang="fr" sz="1350" b="1">
                 <a:solidFill>
                   <a:srgbClr val="0F0F19"/>
                 </a:solidFill>
@@ -7335,7 +7489,7 @@
               </a:rPr>
               <a:t>in these days are Whatsapp, Facebook, Instagram, Hike, etc...The above mentioned applications have billion users</a:t>
             </a:r>
-            <a:endParaRPr b="1" sz="1350">
+            <a:endParaRPr sz="1350" b="1">
               <a:solidFill>
                 <a:srgbClr val="0F0F19"/>
               </a:solidFill>
@@ -7349,7 +7503,7 @@
             </a:endParaRPr>
           </a:p>
           <a:p>
-            <a:pPr indent="0" lvl="0" marL="0" rtl="0" algn="l">
+            <a:pPr marL="0" lvl="0" indent="0" algn="l" rtl="0">
               <a:spcBef>
                 <a:spcPts val="0"/>
               </a:spcBef>
@@ -7359,7 +7513,7 @@
               <a:buNone/>
             </a:pPr>
             <a:r>
-              <a:rPr b="1" lang="fr" sz="1350">
+              <a:rPr lang="fr" sz="1350" b="1">
                 <a:solidFill>
                   <a:srgbClr val="0F0F19"/>
                 </a:solidFill>
@@ -7373,7 +7527,7 @@
               </a:rPr>
               <a:t>all over the world. Those companies are one of the top companies in the world . They have higher revenue per yearand have many employees for their organizations developing additional features to compete with  other organizations during their each release. These applications have different features and follows different ways to ensure security of</a:t>
             </a:r>
-            <a:endParaRPr b="1" sz="1350">
+            <a:endParaRPr sz="1350" b="1">
               <a:solidFill>
                 <a:srgbClr val="0F0F19"/>
               </a:solidFill>
@@ -7387,7 +7541,7 @@
             </a:endParaRPr>
           </a:p>
           <a:p>
-            <a:pPr indent="0" lvl="0" marL="0" rtl="0" algn="l">
+            <a:pPr marL="0" lvl="0" indent="0" algn="l" rtl="0">
               <a:spcBef>
                 <a:spcPts val="0"/>
               </a:spcBef>
@@ -7397,7 +7551,7 @@
               <a:buNone/>
             </a:pPr>
             <a:r>
-              <a:rPr b="1" lang="fr" sz="1350">
+              <a:rPr lang="fr" sz="1350" b="1">
                 <a:solidFill>
                   <a:srgbClr val="0F0F19"/>
                 </a:solidFill>
@@ -7411,7 +7565,7 @@
               </a:rPr>
               <a:t>their user data.</a:t>
             </a:r>
-            <a:endParaRPr b="1" sz="1350">
+            <a:endParaRPr sz="1350" b="1">
               <a:solidFill>
                 <a:srgbClr val="0F0F19"/>
               </a:solidFill>
@@ -7425,7 +7579,7 @@
             </a:endParaRPr>
           </a:p>
           <a:p>
-            <a:pPr indent="0" lvl="0" marL="0" rtl="0" algn="l">
+            <a:pPr marL="0" lvl="0" indent="0" algn="l" rtl="0">
               <a:spcBef>
                 <a:spcPts val="0"/>
               </a:spcBef>
@@ -7434,9 +7588,6 @@
               </a:spcAft>
               <a:buNone/>
             </a:pPr>
-            <a:r>
-              <a:t/>
-            </a:r>
             <a:endParaRPr sz="1650">
               <a:solidFill>
                 <a:srgbClr val="333333"/>
@@ -7457,11 +7608,11 @@
 </file>
 
 <file path=ppt/slides/slide3.xml><?xml version="1.0" encoding="utf-8"?>
-<p:sld xmlns:a="http://schemas.openxmlformats.org/drawingml/2006/main" xmlns:r="http://schemas.openxmlformats.org/officeDocument/2006/relationships" xmlns:mc="http://schemas.openxmlformats.org/markup-compatibility/2006" xmlns:mv="urn:schemas-microsoft-com:mac:vml" xmlns:p="http://schemas.openxmlformats.org/presentationml/2006/main" xmlns:c="http://schemas.openxmlformats.org/drawingml/2006/chart" xmlns:dgm="http://schemas.openxmlformats.org/drawingml/2006/diagram" xmlns:o="urn:schemas-microsoft-com:office:office" xmlns:v="urn:schemas-microsoft-com:vml" xmlns:pvml="urn:schemas-microsoft-com:office:powerpoint" xmlns:com="http://schemas.openxmlformats.org/drawingml/2006/compatibility" xmlns:p14="http://schemas.microsoft.com/office/powerpoint/2010/main" xmlns:p15="http://schemas.microsoft.com/office/powerpoint/2012/main" xmlns:ahyp="http://schemas.microsoft.com/office/drawing/2018/hyperlinkcolor">
+<p:sld xmlns:a="http://schemas.openxmlformats.org/drawingml/2006/main" xmlns:r="http://schemas.openxmlformats.org/officeDocument/2006/relationships" xmlns:p="http://schemas.openxmlformats.org/presentationml/2006/main">
   <p:cSld>
     <p:spTree>
       <p:nvGrpSpPr>
-        <p:cNvPr id="70" name="Shape 70"/>
+        <p:cNvPr id="1" name="Shape 70"/>
         <p:cNvGrpSpPr/>
         <p:nvPr/>
       </p:nvGrpSpPr>
@@ -7476,7 +7627,9 @@
       <p:sp>
         <p:nvSpPr>
           <p:cNvPr id="71" name="Google Shape;71;p15"/>
-          <p:cNvSpPr txBox="1"/>
+          <p:cNvSpPr txBox="1">
+            <a:spLocks noGrp="1"/>
+          </p:cNvSpPr>
           <p:nvPr>
             <p:ph type="title"/>
           </p:nvPr>
@@ -7491,12 +7644,12 @@
           </a:prstGeom>
         </p:spPr>
         <p:txBody>
-          <a:bodyPr anchorCtr="0" anchor="t" bIns="91425" lIns="91425" spcFirstLastPara="1" rIns="91425" wrap="square" tIns="91425">
+          <a:bodyPr spcFirstLastPara="1" wrap="square" lIns="91425" tIns="91425" rIns="91425" bIns="91425" anchor="t" anchorCtr="0">
             <a:normAutofit fontScale="90000"/>
           </a:bodyPr>
           <a:lstStyle/>
           <a:p>
-            <a:pPr indent="0" lvl="0" marL="0" marR="38100" rtl="0" algn="l">
+            <a:pPr marL="0" marR="38100" lvl="0" indent="0" algn="l" rtl="0">
               <a:lnSpc>
                 <a:spcPct val="128571"/>
               </a:lnSpc>
@@ -7509,7 +7662,7 @@
               <a:buNone/>
             </a:pPr>
             <a:r>
-              <a:rPr b="0" lang="fr" sz="2211">
+              <a:rPr lang="fr" sz="2211" b="0">
                 <a:solidFill>
                   <a:srgbClr val="202124"/>
                 </a:solidFill>
@@ -7523,7 +7676,7 @@
               </a:rPr>
               <a:t>Technologies Used</a:t>
             </a:r>
-            <a:endParaRPr b="0" sz="2211">
+            <a:endParaRPr sz="2211" b="0">
               <a:solidFill>
                 <a:srgbClr val="202124"/>
               </a:solidFill>
@@ -7537,7 +7690,7 @@
             </a:endParaRPr>
           </a:p>
           <a:p>
-            <a:pPr indent="0" lvl="0" marL="0" rtl="0" algn="l">
+            <a:pPr marL="0" lvl="0" indent="0" algn="l" rtl="0">
               <a:lnSpc>
                 <a:spcPct val="123529"/>
               </a:lnSpc>
@@ -7550,7 +7703,7 @@
               <a:buNone/>
             </a:pPr>
             <a:r>
-              <a:rPr b="0" lang="fr" sz="2800">
+              <a:rPr lang="fr" sz="2800" b="0">
                 <a:solidFill>
                   <a:srgbClr val="003D8D"/>
                 </a:solidFill>
@@ -7564,7 +7717,7 @@
               </a:rPr>
               <a:t> </a:t>
             </a:r>
-            <a:endParaRPr b="0" sz="2800">
+            <a:endParaRPr sz="2800" b="0">
               <a:solidFill>
                 <a:srgbClr val="003D8D"/>
               </a:solidFill>
@@ -7578,7 +7731,7 @@
             </a:endParaRPr>
           </a:p>
           <a:p>
-            <a:pPr indent="0" lvl="0" marL="0" rtl="0" algn="l">
+            <a:pPr marL="0" lvl="0" indent="0" algn="l" rtl="0">
               <a:spcBef>
                 <a:spcPts val="1700"/>
               </a:spcBef>
@@ -7587,9 +7740,6 @@
               </a:spcAft>
               <a:buNone/>
             </a:pPr>
-            <a:r>
-              <a:t/>
-            </a:r>
             <a:endParaRPr sz="4000">
               <a:solidFill>
                 <a:srgbClr val="000000"/>
@@ -7601,7 +7751,7 @@
             </a:endParaRPr>
           </a:p>
           <a:p>
-            <a:pPr indent="0" lvl="0" marL="0" rtl="0" algn="l">
+            <a:pPr marL="0" lvl="0" indent="0" algn="l" rtl="0">
               <a:spcBef>
                 <a:spcPts val="0"/>
               </a:spcBef>
@@ -7610,10 +7760,7 @@
               </a:spcAft>
               <a:buNone/>
             </a:pPr>
-            <a:r>
-              <a:t/>
-            </a:r>
-            <a:endParaRPr b="0" sz="4000">
+            <a:endParaRPr sz="4000" b="0">
               <a:solidFill>
                 <a:srgbClr val="000000"/>
               </a:solidFill>
@@ -7624,7 +7771,7 @@
             </a:endParaRPr>
           </a:p>
           <a:p>
-            <a:pPr indent="0" lvl="0" marL="0" rtl="0" algn="l">
+            <a:pPr marL="0" lvl="0" indent="0" algn="l" rtl="0">
               <a:spcBef>
                 <a:spcPts val="0"/>
               </a:spcBef>
@@ -7633,9 +7780,6 @@
               </a:spcAft>
               <a:buNone/>
             </a:pPr>
-            <a:r>
-              <a:t/>
-            </a:r>
             <a:endParaRPr/>
           </a:p>
         </p:txBody>
@@ -7660,12 +7804,12 @@
           </a:ln>
         </p:spPr>
         <p:txBody>
-          <a:bodyPr anchorCtr="0" anchor="t" bIns="91425" lIns="91425" spcFirstLastPara="1" rIns="91425" wrap="square" tIns="91425">
+          <a:bodyPr spcFirstLastPara="1" wrap="square" lIns="91425" tIns="91425" rIns="91425" bIns="91425" anchor="t" anchorCtr="0">
             <a:spAutoFit/>
           </a:bodyPr>
           <a:lstStyle/>
           <a:p>
-            <a:pPr indent="0" lvl="0" marL="0" rtl="0" algn="l">
+            <a:pPr marL="0" lvl="0" indent="0" algn="l" rtl="0">
               <a:spcBef>
                 <a:spcPts val="0"/>
               </a:spcBef>
@@ -7675,7 +7819,7 @@
               <a:buNone/>
             </a:pPr>
             <a:r>
-              <a:rPr b="1" lang="fr" sz="2100">
+              <a:rPr lang="fr" sz="2100" b="1">
                 <a:solidFill>
                   <a:srgbClr val="202124"/>
                 </a:solidFill>
@@ -7689,7 +7833,7 @@
               </a:rPr>
               <a:t>In this project, we used the following technologies:</a:t>
             </a:r>
-            <a:endParaRPr b="1" sz="2100">
+            <a:endParaRPr sz="2100" b="1">
               <a:solidFill>
                 <a:srgbClr val="202124"/>
               </a:solidFill>
@@ -7703,7 +7847,7 @@
             </a:endParaRPr>
           </a:p>
           <a:p>
-            <a:pPr indent="0" lvl="0" marL="0" rtl="0" algn="l">
+            <a:pPr marL="0" lvl="0" indent="0" algn="l" rtl="0">
               <a:spcBef>
                 <a:spcPts val="0"/>
               </a:spcBef>
@@ -7712,10 +7856,7 @@
               </a:spcAft>
               <a:buNone/>
             </a:pPr>
-            <a:r>
-              <a:t/>
-            </a:r>
-            <a:endParaRPr b="1" sz="2100">
+            <a:endParaRPr sz="2100" b="1">
               <a:solidFill>
                 <a:srgbClr val="202124"/>
               </a:solidFill>
@@ -7729,7 +7870,7 @@
             </a:endParaRPr>
           </a:p>
           <a:p>
-            <a:pPr indent="0" lvl="0" marL="0" rtl="0" algn="l">
+            <a:pPr marL="0" lvl="0" indent="0" algn="l" rtl="0">
               <a:spcBef>
                 <a:spcPts val="0"/>
               </a:spcBef>
@@ -7739,7 +7880,7 @@
               <a:buNone/>
             </a:pPr>
             <a:r>
-              <a:rPr b="1" lang="fr" sz="2100">
+              <a:rPr lang="fr" sz="2100" b="1">
                 <a:solidFill>
                   <a:srgbClr val="202124"/>
                 </a:solidFill>
@@ -7753,7 +7894,7 @@
               </a:rPr>
               <a:t>Frontend: HTML, CSS, React.JS</a:t>
             </a:r>
-            <a:endParaRPr b="1" sz="2100">
+            <a:endParaRPr sz="2100" b="1">
               <a:solidFill>
                 <a:srgbClr val="202124"/>
               </a:solidFill>
@@ -7767,7 +7908,7 @@
             </a:endParaRPr>
           </a:p>
           <a:p>
-            <a:pPr indent="0" lvl="0" marL="0" rtl="0" algn="l">
+            <a:pPr marL="0" lvl="0" indent="0" algn="l" rtl="0">
               <a:spcBef>
                 <a:spcPts val="0"/>
               </a:spcBef>
@@ -7777,7 +7918,7 @@
               <a:buNone/>
             </a:pPr>
             <a:r>
-              <a:rPr b="1" lang="fr" sz="2100">
+              <a:rPr lang="fr" sz="2100" b="1">
                 <a:solidFill>
                   <a:srgbClr val="202124"/>
                 </a:solidFill>
@@ -7791,7 +7932,7 @@
               </a:rPr>
               <a:t>Backend: NodeJs, Express.Js, Socket.io</a:t>
             </a:r>
-            <a:endParaRPr b="1" sz="2100">
+            <a:endParaRPr sz="2100" b="1">
               <a:solidFill>
                 <a:srgbClr val="202124"/>
               </a:solidFill>
@@ -7805,7 +7946,7 @@
             </a:endParaRPr>
           </a:p>
           <a:p>
-            <a:pPr indent="0" lvl="0" marL="0" marR="38100" rtl="0" algn="l">
+            <a:pPr marL="0" marR="38100" lvl="0" indent="0" algn="l" rtl="0">
               <a:lnSpc>
                 <a:spcPct val="128571"/>
               </a:lnSpc>
@@ -7818,7 +7959,7 @@
               <a:buNone/>
             </a:pPr>
             <a:r>
-              <a:rPr b="1" lang="fr" sz="2100">
+              <a:rPr lang="fr" sz="2100" b="1">
                 <a:solidFill>
                   <a:srgbClr val="202124"/>
                 </a:solidFill>
@@ -7861,7 +8002,7 @@
             </a:endParaRPr>
           </a:p>
           <a:p>
-            <a:pPr indent="0" lvl="0" marL="0" rtl="0" algn="l">
+            <a:pPr marL="0" lvl="0" indent="0" algn="l" rtl="0">
               <a:spcBef>
                 <a:spcPts val="0"/>
               </a:spcBef>
@@ -7870,9 +8011,6 @@
               </a:spcAft>
               <a:buNone/>
             </a:pPr>
-            <a:r>
-              <a:t/>
-            </a:r>
             <a:endParaRPr>
               <a:latin typeface="Lato"/>
               <a:ea typeface="Lato"/>
@@ -7891,11 +8029,11 @@
 </file>
 
 <file path=ppt/slides/slide4.xml><?xml version="1.0" encoding="utf-8"?>
-<p:sld xmlns:a="http://schemas.openxmlformats.org/drawingml/2006/main" xmlns:r="http://schemas.openxmlformats.org/officeDocument/2006/relationships" xmlns:mc="http://schemas.openxmlformats.org/markup-compatibility/2006" xmlns:mv="urn:schemas-microsoft-com:mac:vml" xmlns:p="http://schemas.openxmlformats.org/presentationml/2006/main" xmlns:c="http://schemas.openxmlformats.org/drawingml/2006/chart" xmlns:dgm="http://schemas.openxmlformats.org/drawingml/2006/diagram" xmlns:o="urn:schemas-microsoft-com:office:office" xmlns:v="urn:schemas-microsoft-com:vml" xmlns:pvml="urn:schemas-microsoft-com:office:powerpoint" xmlns:com="http://schemas.openxmlformats.org/drawingml/2006/compatibility" xmlns:p14="http://schemas.microsoft.com/office/powerpoint/2010/main" xmlns:p15="http://schemas.microsoft.com/office/powerpoint/2012/main" xmlns:ahyp="http://schemas.microsoft.com/office/drawing/2018/hyperlinkcolor">
+<p:sld xmlns:a="http://schemas.openxmlformats.org/drawingml/2006/main" xmlns:r="http://schemas.openxmlformats.org/officeDocument/2006/relationships" xmlns:p="http://schemas.openxmlformats.org/presentationml/2006/main">
   <p:cSld>
     <p:spTree>
       <p:nvGrpSpPr>
-        <p:cNvPr id="76" name="Shape 76"/>
+        <p:cNvPr id="1" name="Shape 76"/>
         <p:cNvGrpSpPr/>
         <p:nvPr/>
       </p:nvGrpSpPr>
@@ -7910,7 +8048,9 @@
       <p:sp>
         <p:nvSpPr>
           <p:cNvPr id="77" name="Google Shape;77;p16"/>
-          <p:cNvSpPr txBox="1"/>
+          <p:cNvSpPr txBox="1">
+            <a:spLocks noGrp="1"/>
+          </p:cNvSpPr>
           <p:nvPr>
             <p:ph type="title"/>
           </p:nvPr>
@@ -7925,12 +8065,12 @@
           </a:prstGeom>
         </p:spPr>
         <p:txBody>
-          <a:bodyPr anchorCtr="0" anchor="t" bIns="91425" lIns="91425" spcFirstLastPara="1" rIns="91425" wrap="square" tIns="91425">
+          <a:bodyPr spcFirstLastPara="1" wrap="square" lIns="91425" tIns="91425" rIns="91425" bIns="91425" anchor="t" anchorCtr="0">
             <a:noAutofit/>
           </a:bodyPr>
           <a:lstStyle/>
           <a:p>
-            <a:pPr indent="0" lvl="0" marL="0" rtl="0" algn="l">
+            <a:pPr marL="0" lvl="0" indent="0" algn="l" rtl="0">
               <a:spcBef>
                 <a:spcPts val="0"/>
               </a:spcBef>
@@ -7959,9 +8099,11 @@
       <p:sp>
         <p:nvSpPr>
           <p:cNvPr id="78" name="Google Shape;78;p16"/>
-          <p:cNvSpPr txBox="1"/>
+          <p:cNvSpPr txBox="1">
+            <a:spLocks noGrp="1"/>
+          </p:cNvSpPr>
           <p:nvPr>
-            <p:ph idx="1" type="body"/>
+            <p:ph type="body" idx="1"/>
           </p:nvPr>
         </p:nvSpPr>
         <p:spPr>
@@ -7974,12 +8116,12 @@
           </a:prstGeom>
         </p:spPr>
         <p:txBody>
-          <a:bodyPr anchorCtr="0" anchor="t" bIns="91425" lIns="91425" spcFirstLastPara="1" rIns="91425" wrap="square" tIns="91425">
-            <a:normAutofit fontScale="70000" lnSpcReduction="20000"/>
+          <a:bodyPr spcFirstLastPara="1" wrap="square" lIns="91425" tIns="91425" rIns="91425" bIns="91425" anchor="t" anchorCtr="0">
+            <a:normAutofit fontScale="77500" lnSpcReduction="20000"/>
           </a:bodyPr>
           <a:lstStyle/>
           <a:p>
-            <a:pPr indent="0" lvl="0" marL="0" rtl="0" algn="l">
+            <a:pPr marL="0" lvl="0" indent="0" algn="l" rtl="0">
               <a:spcBef>
                 <a:spcPts val="0"/>
               </a:spcBef>
@@ -8011,7 +8153,7 @@
             </a:endParaRPr>
           </a:p>
           <a:p>
-            <a:pPr indent="0" lvl="0" marL="0" rtl="0" algn="l">
+            <a:pPr marL="0" lvl="0" indent="0" algn="l" rtl="0">
               <a:spcBef>
                 <a:spcPts val="1200"/>
               </a:spcBef>
@@ -8043,7 +8185,7 @@
             </a:endParaRPr>
           </a:p>
           <a:p>
-            <a:pPr indent="0" lvl="0" marL="0" rtl="0" algn="l">
+            <a:pPr marL="0" lvl="0" indent="0" algn="l" rtl="0">
               <a:spcBef>
                 <a:spcPts val="1200"/>
               </a:spcBef>
@@ -8075,7 +8217,7 @@
             </a:endParaRPr>
           </a:p>
           <a:p>
-            <a:pPr indent="0" lvl="0" marL="0" rtl="0" algn="l">
+            <a:pPr marL="0" lvl="0" indent="0" algn="l" rtl="0">
               <a:spcBef>
                 <a:spcPts val="1200"/>
               </a:spcBef>
@@ -8107,7 +8249,7 @@
             </a:endParaRPr>
           </a:p>
           <a:p>
-            <a:pPr indent="0" lvl="0" marL="0" rtl="0" algn="l">
+            <a:pPr marL="0" lvl="0" indent="0" algn="l" rtl="0">
               <a:spcBef>
                 <a:spcPts val="1200"/>
               </a:spcBef>
@@ -8139,7 +8281,7 @@
             </a:endParaRPr>
           </a:p>
           <a:p>
-            <a:pPr indent="0" lvl="0" marL="0" rtl="0" algn="l">
+            <a:pPr marL="0" lvl="0" indent="0" algn="l" rtl="0">
               <a:spcBef>
                 <a:spcPts val="1200"/>
               </a:spcBef>
@@ -8171,7 +8313,7 @@
             </a:endParaRPr>
           </a:p>
           <a:p>
-            <a:pPr indent="0" lvl="0" marL="0" rtl="0" algn="l">
+            <a:pPr marL="0" lvl="0" indent="0" algn="l" rtl="0">
               <a:spcBef>
                 <a:spcPts val="1200"/>
               </a:spcBef>
@@ -8180,9 +8322,6 @@
               </a:spcAft>
               <a:buNone/>
             </a:pPr>
-            <a:r>
-              <a:t/>
-            </a:r>
             <a:endParaRPr/>
           </a:p>
         </p:txBody>
@@ -8196,11 +8335,11 @@
 </file>
 
 <file path=ppt/slides/slide5.xml><?xml version="1.0" encoding="utf-8"?>
-<p:sld xmlns:a="http://schemas.openxmlformats.org/drawingml/2006/main" xmlns:r="http://schemas.openxmlformats.org/officeDocument/2006/relationships" xmlns:mc="http://schemas.openxmlformats.org/markup-compatibility/2006" xmlns:mv="urn:schemas-microsoft-com:mac:vml" xmlns:p="http://schemas.openxmlformats.org/presentationml/2006/main" xmlns:c="http://schemas.openxmlformats.org/drawingml/2006/chart" xmlns:dgm="http://schemas.openxmlformats.org/drawingml/2006/diagram" xmlns:o="urn:schemas-microsoft-com:office:office" xmlns:v="urn:schemas-microsoft-com:vml" xmlns:pvml="urn:schemas-microsoft-com:office:powerpoint" xmlns:com="http://schemas.openxmlformats.org/drawingml/2006/compatibility" xmlns:p14="http://schemas.microsoft.com/office/powerpoint/2010/main" xmlns:p15="http://schemas.microsoft.com/office/powerpoint/2012/main" xmlns:ahyp="http://schemas.microsoft.com/office/drawing/2018/hyperlinkcolor">
+<p:sld xmlns:a="http://schemas.openxmlformats.org/drawingml/2006/main" xmlns:r="http://schemas.openxmlformats.org/officeDocument/2006/relationships" xmlns:p="http://schemas.openxmlformats.org/presentationml/2006/main">
   <p:cSld>
     <p:spTree>
       <p:nvGrpSpPr>
-        <p:cNvPr id="82" name="Shape 82"/>
+        <p:cNvPr id="1" name="Shape 82"/>
         <p:cNvGrpSpPr/>
         <p:nvPr/>
       </p:nvGrpSpPr>
@@ -8232,12 +8371,12 @@
           </a:ln>
         </p:spPr>
         <p:txBody>
-          <a:bodyPr anchorCtr="0" anchor="t" bIns="91425" lIns="91425" spcFirstLastPara="1" rIns="91425" wrap="square" tIns="91425">
+          <a:bodyPr spcFirstLastPara="1" wrap="square" lIns="91425" tIns="91425" rIns="91425" bIns="91425" anchor="t" anchorCtr="0">
             <a:spAutoFit/>
           </a:bodyPr>
           <a:lstStyle/>
           <a:p>
-            <a:pPr indent="0" lvl="0" marL="0" rtl="0" algn="l">
+            <a:pPr marL="0" lvl="0" indent="0" algn="l" rtl="0">
               <a:spcBef>
                 <a:spcPts val="0"/>
               </a:spcBef>
@@ -8246,9 +8385,6 @@
               </a:spcAft>
               <a:buNone/>
             </a:pPr>
-            <a:r>
-              <a:t/>
-            </a:r>
             <a:endParaRPr sz="1500">
               <a:solidFill>
                 <a:srgbClr val="111111"/>
@@ -8309,12 +8445,12 @@
           </a:ln>
         </p:spPr>
         <p:txBody>
-          <a:bodyPr anchorCtr="0" anchor="t" bIns="91425" lIns="91425" spcFirstLastPara="1" rIns="91425" wrap="square" tIns="91425">
+          <a:bodyPr spcFirstLastPara="1" wrap="square" lIns="91425" tIns="91425" rIns="91425" bIns="91425" anchor="t" anchorCtr="0">
             <a:spAutoFit/>
           </a:bodyPr>
           <a:lstStyle/>
           <a:p>
-            <a:pPr indent="0" lvl="0" marL="0" marR="38100" rtl="0" algn="l">
+            <a:pPr marL="0" marR="38100" lvl="0" indent="0" algn="l" rtl="0">
               <a:lnSpc>
                 <a:spcPct val="128571"/>
               </a:lnSpc>
@@ -8355,7 +8491,7 @@
             </a:endParaRPr>
           </a:p>
           <a:p>
-            <a:pPr indent="0" lvl="0" marL="0" rtl="0" algn="l">
+            <a:pPr marL="0" lvl="0" indent="0" algn="l" rtl="0">
               <a:spcBef>
                 <a:spcPts val="0"/>
               </a:spcBef>
@@ -8364,9 +8500,6 @@
               </a:spcAft>
               <a:buNone/>
             </a:pPr>
-            <a:r>
-              <a:t/>
-            </a:r>
             <a:endParaRPr>
               <a:latin typeface="Lato"/>
               <a:ea typeface="Lato"/>
@@ -8385,11 +8518,11 @@
 </file>
 
 <file path=ppt/slides/slide6.xml><?xml version="1.0" encoding="utf-8"?>
-<p:sld xmlns:a="http://schemas.openxmlformats.org/drawingml/2006/main" xmlns:r="http://schemas.openxmlformats.org/officeDocument/2006/relationships" xmlns:mc="http://schemas.openxmlformats.org/markup-compatibility/2006" xmlns:mv="urn:schemas-microsoft-com:mac:vml" xmlns:p="http://schemas.openxmlformats.org/presentationml/2006/main" xmlns:c="http://schemas.openxmlformats.org/drawingml/2006/chart" xmlns:dgm="http://schemas.openxmlformats.org/drawingml/2006/diagram" xmlns:o="urn:schemas-microsoft-com:office:office" xmlns:v="urn:schemas-microsoft-com:vml" xmlns:pvml="urn:schemas-microsoft-com:office:powerpoint" xmlns:com="http://schemas.openxmlformats.org/drawingml/2006/compatibility" xmlns:p14="http://schemas.microsoft.com/office/powerpoint/2010/main" xmlns:p15="http://schemas.microsoft.com/office/powerpoint/2012/main" xmlns:ahyp="http://schemas.microsoft.com/office/drawing/2018/hyperlinkcolor">
+<p:sld xmlns:a="http://schemas.openxmlformats.org/drawingml/2006/main" xmlns:r="http://schemas.openxmlformats.org/officeDocument/2006/relationships" xmlns:p="http://schemas.openxmlformats.org/presentationml/2006/main">
   <p:cSld>
     <p:spTree>
       <p:nvGrpSpPr>
-        <p:cNvPr id="89" name="Shape 89"/>
+        <p:cNvPr id="1" name="Shape 89"/>
         <p:cNvGrpSpPr/>
         <p:nvPr/>
       </p:nvGrpSpPr>
@@ -8404,7 +8537,9 @@
       <p:sp>
         <p:nvSpPr>
           <p:cNvPr id="90" name="Google Shape;90;p18"/>
-          <p:cNvSpPr txBox="1"/>
+          <p:cNvSpPr txBox="1">
+            <a:spLocks noGrp="1"/>
+          </p:cNvSpPr>
           <p:nvPr>
             <p:ph type="title"/>
           </p:nvPr>
@@ -8419,12 +8554,12 @@
           </a:prstGeom>
         </p:spPr>
         <p:txBody>
-          <a:bodyPr anchorCtr="0" anchor="t" bIns="91425" lIns="91425" spcFirstLastPara="1" rIns="91425" wrap="square" tIns="91425">
+          <a:bodyPr spcFirstLastPara="1" wrap="square" lIns="91425" tIns="91425" rIns="91425" bIns="91425" anchor="t" anchorCtr="0">
             <a:normAutofit fontScale="90000"/>
           </a:bodyPr>
           <a:lstStyle/>
           <a:p>
-            <a:pPr indent="0" lvl="0" marL="0" rtl="0" algn="l">
+            <a:pPr marL="0" lvl="0" indent="0" algn="l" rtl="0">
               <a:spcBef>
                 <a:spcPts val="0"/>
               </a:spcBef>
@@ -8444,9 +8579,11 @@
       <p:sp>
         <p:nvSpPr>
           <p:cNvPr id="91" name="Google Shape;91;p18"/>
-          <p:cNvSpPr txBox="1"/>
+          <p:cNvSpPr txBox="1">
+            <a:spLocks noGrp="1"/>
+          </p:cNvSpPr>
           <p:nvPr>
-            <p:ph idx="1" type="body"/>
+            <p:ph type="body" idx="1"/>
           </p:nvPr>
         </p:nvSpPr>
         <p:spPr>
@@ -8459,12 +8596,12 @@
           </a:prstGeom>
         </p:spPr>
         <p:txBody>
-          <a:bodyPr anchorCtr="0" anchor="t" bIns="91425" lIns="91425" spcFirstLastPara="1" rIns="91425" wrap="square" tIns="91425">
-            <a:normAutofit/>
+          <a:bodyPr spcFirstLastPara="1" wrap="square" lIns="91425" tIns="91425" rIns="91425" bIns="91425" anchor="t" anchorCtr="0">
+            <a:normAutofit lnSpcReduction="10000"/>
           </a:bodyPr>
           <a:lstStyle/>
           <a:p>
-            <a:pPr indent="0" lvl="0" marL="0" rtl="0" algn="l">
+            <a:pPr marL="0" lvl="0" indent="0" algn="l" rtl="0">
               <a:spcBef>
                 <a:spcPts val="0"/>
               </a:spcBef>
@@ -8474,7 +8611,7 @@
               <a:buNone/>
             </a:pPr>
             <a:r>
-              <a:rPr b="1" lang="fr">
+              <a:rPr lang="fr" b="1">
                 <a:latin typeface="Playfair Display"/>
                 <a:ea typeface="Playfair Display"/>
                 <a:cs typeface="Playfair Display"/>
@@ -8500,7 +8637,288 @@
 </file>
 
 <file path=ppt/theme/theme1.xml><?xml version="1.0" encoding="utf-8"?>
-<a:theme xmlns:a="http://schemas.openxmlformats.org/drawingml/2006/main" xmlns:r="http://schemas.openxmlformats.org/officeDocument/2006/relationships">
+<a:theme xmlns:a="http://schemas.openxmlformats.org/drawingml/2006/main" name="Coral">
+  <a:themeElements>
+    <a:clrScheme name="Coral">
+      <a:dk1>
+        <a:srgbClr val="F55E61"/>
+      </a:dk1>
+      <a:lt1>
+        <a:srgbClr val="FFFFFF"/>
+      </a:lt1>
+      <a:dk2>
+        <a:srgbClr val="5E696C"/>
+      </a:dk2>
+      <a:lt2>
+        <a:srgbClr val="BFC7CA"/>
+      </a:lt2>
+      <a:accent1>
+        <a:srgbClr val="1E2D31"/>
+      </a:accent1>
+      <a:accent2>
+        <a:srgbClr val="273C42"/>
+      </a:accent2>
+      <a:accent3>
+        <a:srgbClr val="83D061"/>
+      </a:accent3>
+      <a:accent4>
+        <a:srgbClr val="F6CD4C"/>
+      </a:accent4>
+      <a:accent5>
+        <a:srgbClr val="AF4345"/>
+      </a:accent5>
+      <a:accent6>
+        <a:srgbClr val="F58F8F"/>
+      </a:accent6>
+      <a:hlink>
+        <a:srgbClr val="AF4345"/>
+      </a:hlink>
+      <a:folHlink>
+        <a:srgbClr val="AF4345"/>
+      </a:folHlink>
+    </a:clrScheme>
+    <a:fontScheme name="Office">
+      <a:majorFont>
+        <a:latin typeface="Arial"/>
+        <a:ea typeface=""/>
+        <a:cs typeface=""/>
+        <a:font script="Jpan" typeface="ＭＳ Ｐゴシック"/>
+        <a:font script="Hang" typeface="맑은 고딕"/>
+        <a:font script="Hans" typeface="宋体"/>
+        <a:font script="Hant" typeface="新細明體"/>
+        <a:font script="Arab" typeface="Times New Roman"/>
+        <a:font script="Hebr" typeface="Times New Roman"/>
+        <a:font script="Thai" typeface="Angsana New"/>
+        <a:font script="Ethi" typeface="Nyala"/>
+        <a:font script="Beng" typeface="Vrinda"/>
+        <a:font script="Gujr" typeface="Shruti"/>
+        <a:font script="Khmr" typeface="MoolBoran"/>
+        <a:font script="Knda" typeface="Tunga"/>
+        <a:font script="Guru" typeface="Raavi"/>
+        <a:font script="Cans" typeface="Euphemia"/>
+        <a:font script="Cher" typeface="Plantagenet Cherokee"/>
+        <a:font script="Yiii" typeface="Microsoft Yi Baiti"/>
+        <a:font script="Tibt" typeface="Microsoft Himalaya"/>
+        <a:font script="Thaa" typeface="MV Boli"/>
+        <a:font script="Deva" typeface="Mangal"/>
+        <a:font script="Telu" typeface="Gautami"/>
+        <a:font script="Taml" typeface="Latha"/>
+        <a:font script="Syrc" typeface="Estrangelo Edessa"/>
+        <a:font script="Orya" typeface="Kalinga"/>
+        <a:font script="Mlym" typeface="Kartika"/>
+        <a:font script="Laoo" typeface="DokChampa"/>
+        <a:font script="Sinh" typeface="Iskoola Pota"/>
+        <a:font script="Mong" typeface="Mongolian Baiti"/>
+        <a:font script="Viet" typeface="Times New Roman"/>
+        <a:font script="Uigh" typeface="Microsoft Uighur"/>
+        <a:font script="Geor" typeface="Sylfaen"/>
+      </a:majorFont>
+      <a:minorFont>
+        <a:latin typeface="Arial"/>
+        <a:ea typeface=""/>
+        <a:cs typeface=""/>
+        <a:font script="Jpan" typeface="ＭＳ Ｐゴシック"/>
+        <a:font script="Hang" typeface="맑은 고딕"/>
+        <a:font script="Hans" typeface="宋体"/>
+        <a:font script="Hant" typeface="新細明體"/>
+        <a:font script="Arab" typeface="Arial"/>
+        <a:font script="Hebr" typeface="Arial"/>
+        <a:font script="Thai" typeface="Cordia New"/>
+        <a:font script="Ethi" typeface="Nyala"/>
+        <a:font script="Beng" typeface="Vrinda"/>
+        <a:font script="Gujr" typeface="Shruti"/>
+        <a:font script="Khmr" typeface="DaunPenh"/>
+        <a:font script="Knda" typeface="Tunga"/>
+        <a:font script="Guru" typeface="Raavi"/>
+        <a:font script="Cans" typeface="Euphemia"/>
+        <a:font script="Cher" typeface="Plantagenet Cherokee"/>
+        <a:font script="Yiii" typeface="Microsoft Yi Baiti"/>
+        <a:font script="Tibt" typeface="Microsoft Himalaya"/>
+        <a:font script="Thaa" typeface="MV Boli"/>
+        <a:font script="Deva" typeface="Mangal"/>
+        <a:font script="Telu" typeface="Gautami"/>
+        <a:font script="Taml" typeface="Latha"/>
+        <a:font script="Syrc" typeface="Estrangelo Edessa"/>
+        <a:font script="Orya" typeface="Kalinga"/>
+        <a:font script="Mlym" typeface="Kartika"/>
+        <a:font script="Laoo" typeface="DokChampa"/>
+        <a:font script="Sinh" typeface="Iskoola Pota"/>
+        <a:font script="Mong" typeface="Mongolian Baiti"/>
+        <a:font script="Viet" typeface="Arial"/>
+        <a:font script="Uigh" typeface="Microsoft Uighur"/>
+        <a:font script="Geor" typeface="Sylfaen"/>
+      </a:minorFont>
+    </a:fontScheme>
+    <a:fmtScheme name="Office">
+      <a:fillStyleLst>
+        <a:solidFill>
+          <a:schemeClr val="phClr"/>
+        </a:solidFill>
+        <a:gradFill rotWithShape="1">
+          <a:gsLst>
+            <a:gs pos="0">
+              <a:schemeClr val="phClr">
+                <a:tint val="50000"/>
+                <a:satMod val="300000"/>
+              </a:schemeClr>
+            </a:gs>
+            <a:gs pos="35000">
+              <a:schemeClr val="phClr">
+                <a:tint val="37000"/>
+                <a:satMod val="300000"/>
+              </a:schemeClr>
+            </a:gs>
+            <a:gs pos="100000">
+              <a:schemeClr val="phClr">
+                <a:tint val="15000"/>
+                <a:satMod val="350000"/>
+              </a:schemeClr>
+            </a:gs>
+          </a:gsLst>
+          <a:lin ang="16200000" scaled="1"/>
+        </a:gradFill>
+        <a:gradFill rotWithShape="1">
+          <a:gsLst>
+            <a:gs pos="0">
+              <a:schemeClr val="phClr">
+                <a:tint val="100000"/>
+                <a:shade val="100000"/>
+                <a:satMod val="130000"/>
+              </a:schemeClr>
+            </a:gs>
+            <a:gs pos="100000">
+              <a:schemeClr val="phClr">
+                <a:tint val="50000"/>
+                <a:shade val="100000"/>
+                <a:satMod val="350000"/>
+              </a:schemeClr>
+            </a:gs>
+          </a:gsLst>
+          <a:lin ang="16200000" scaled="0"/>
+        </a:gradFill>
+      </a:fillStyleLst>
+      <a:lnStyleLst>
+        <a:ln w="9525" cap="flat" cmpd="sng" algn="ctr">
+          <a:solidFill>
+            <a:schemeClr val="phClr">
+              <a:shade val="95000"/>
+              <a:satMod val="105000"/>
+            </a:schemeClr>
+          </a:solidFill>
+          <a:prstDash val="solid"/>
+        </a:ln>
+        <a:ln w="25400" cap="flat" cmpd="sng" algn="ctr">
+          <a:solidFill>
+            <a:schemeClr val="phClr"/>
+          </a:solidFill>
+          <a:prstDash val="solid"/>
+        </a:ln>
+        <a:ln w="38100" cap="flat" cmpd="sng" algn="ctr">
+          <a:solidFill>
+            <a:schemeClr val="phClr"/>
+          </a:solidFill>
+          <a:prstDash val="solid"/>
+        </a:ln>
+      </a:lnStyleLst>
+      <a:effectStyleLst>
+        <a:effectStyle>
+          <a:effectLst>
+            <a:outerShdw blurRad="40000" dist="20000" dir="5400000" rotWithShape="0">
+              <a:srgbClr val="000000">
+                <a:alpha val="38000"/>
+              </a:srgbClr>
+            </a:outerShdw>
+          </a:effectLst>
+        </a:effectStyle>
+        <a:effectStyle>
+          <a:effectLst>
+            <a:outerShdw blurRad="40000" dist="23000" dir="5400000" rotWithShape="0">
+              <a:srgbClr val="000000">
+                <a:alpha val="35000"/>
+              </a:srgbClr>
+            </a:outerShdw>
+          </a:effectLst>
+        </a:effectStyle>
+        <a:effectStyle>
+          <a:effectLst>
+            <a:outerShdw blurRad="40000" dist="23000" dir="5400000" rotWithShape="0">
+              <a:srgbClr val="000000">
+                <a:alpha val="35000"/>
+              </a:srgbClr>
+            </a:outerShdw>
+          </a:effectLst>
+          <a:scene3d>
+            <a:camera prst="orthographicFront">
+              <a:rot lat="0" lon="0" rev="0"/>
+            </a:camera>
+            <a:lightRig rig="threePt" dir="t">
+              <a:rot lat="0" lon="0" rev="1200000"/>
+            </a:lightRig>
+          </a:scene3d>
+          <a:sp3d>
+            <a:bevelT w="63500" h="25400"/>
+          </a:sp3d>
+        </a:effectStyle>
+      </a:effectStyleLst>
+      <a:bgFillStyleLst>
+        <a:solidFill>
+          <a:schemeClr val="phClr"/>
+        </a:solidFill>
+        <a:gradFill rotWithShape="1">
+          <a:gsLst>
+            <a:gs pos="0">
+              <a:schemeClr val="phClr">
+                <a:tint val="40000"/>
+                <a:satMod val="350000"/>
+              </a:schemeClr>
+            </a:gs>
+            <a:gs pos="40000">
+              <a:schemeClr val="phClr">
+                <a:tint val="45000"/>
+                <a:shade val="99000"/>
+                <a:satMod val="350000"/>
+              </a:schemeClr>
+            </a:gs>
+            <a:gs pos="100000">
+              <a:schemeClr val="phClr">
+                <a:shade val="20000"/>
+                <a:satMod val="255000"/>
+              </a:schemeClr>
+            </a:gs>
+          </a:gsLst>
+          <a:path path="circle">
+            <a:fillToRect l="50000" t="-80000" r="50000" b="180000"/>
+          </a:path>
+        </a:gradFill>
+        <a:gradFill rotWithShape="1">
+          <a:gsLst>
+            <a:gs pos="0">
+              <a:schemeClr val="phClr">
+                <a:tint val="80000"/>
+                <a:satMod val="300000"/>
+              </a:schemeClr>
+            </a:gs>
+            <a:gs pos="100000">
+              <a:schemeClr val="phClr">
+                <a:shade val="30000"/>
+                <a:satMod val="200000"/>
+              </a:schemeClr>
+            </a:gs>
+          </a:gsLst>
+          <a:path path="circle">
+            <a:fillToRect l="50000" t="50000" r="50000" b="50000"/>
+          </a:path>
+        </a:gradFill>
+      </a:bgFillStyleLst>
+    </a:fmtScheme>
+  </a:themeElements>
+  <a:objectDefaults/>
+  <a:extraClrSchemeLst/>
+</a:theme>
+</file>
+
+<file path=ppt/theme/theme2.xml><?xml version="1.0" encoding="utf-8"?>
+<a:theme xmlns:a="http://schemas.openxmlformats.org/drawingml/2006/main">
   <a:themeElements>
     <a:clrScheme name="Default">
       <a:dk1>
@@ -8775,284 +9193,7 @@
       </a:bgFillStyleLst>
     </a:fmtScheme>
   </a:themeElements>
-</a:theme>
-</file>
-
-<file path=ppt/theme/theme2.xml><?xml version="1.0" encoding="utf-8"?>
-<a:theme xmlns:a="http://schemas.openxmlformats.org/drawingml/2006/main" xmlns:r="http://schemas.openxmlformats.org/officeDocument/2006/relationships" name="Coral">
-  <a:themeElements>
-    <a:clrScheme name="Coral">
-      <a:dk1>
-        <a:srgbClr val="F55E61"/>
-      </a:dk1>
-      <a:lt1>
-        <a:srgbClr val="FFFFFF"/>
-      </a:lt1>
-      <a:dk2>
-        <a:srgbClr val="5E696C"/>
-      </a:dk2>
-      <a:lt2>
-        <a:srgbClr val="BFC7CA"/>
-      </a:lt2>
-      <a:accent1>
-        <a:srgbClr val="1E2D31"/>
-      </a:accent1>
-      <a:accent2>
-        <a:srgbClr val="273C42"/>
-      </a:accent2>
-      <a:accent3>
-        <a:srgbClr val="83D061"/>
-      </a:accent3>
-      <a:accent4>
-        <a:srgbClr val="F6CD4C"/>
-      </a:accent4>
-      <a:accent5>
-        <a:srgbClr val="AF4345"/>
-      </a:accent5>
-      <a:accent6>
-        <a:srgbClr val="F58F8F"/>
-      </a:accent6>
-      <a:hlink>
-        <a:srgbClr val="AF4345"/>
-      </a:hlink>
-      <a:folHlink>
-        <a:srgbClr val="AF4345"/>
-      </a:folHlink>
-    </a:clrScheme>
-    <a:fontScheme name="Office">
-      <a:majorFont>
-        <a:latin typeface="Arial"/>
-        <a:ea typeface=""/>
-        <a:cs typeface=""/>
-        <a:font script="Jpan" typeface="ＭＳ Ｐゴシック"/>
-        <a:font script="Hang" typeface="맑은 고딕"/>
-        <a:font script="Hans" typeface="宋体"/>
-        <a:font script="Hant" typeface="新細明體"/>
-        <a:font script="Arab" typeface="Times New Roman"/>
-        <a:font script="Hebr" typeface="Times New Roman"/>
-        <a:font script="Thai" typeface="Angsana New"/>
-        <a:font script="Ethi" typeface="Nyala"/>
-        <a:font script="Beng" typeface="Vrinda"/>
-        <a:font script="Gujr" typeface="Shruti"/>
-        <a:font script="Khmr" typeface="MoolBoran"/>
-        <a:font script="Knda" typeface="Tunga"/>
-        <a:font script="Guru" typeface="Raavi"/>
-        <a:font script="Cans" typeface="Euphemia"/>
-        <a:font script="Cher" typeface="Plantagenet Cherokee"/>
-        <a:font script="Yiii" typeface="Microsoft Yi Baiti"/>
-        <a:font script="Tibt" typeface="Microsoft Himalaya"/>
-        <a:font script="Thaa" typeface="MV Boli"/>
-        <a:font script="Deva" typeface="Mangal"/>
-        <a:font script="Telu" typeface="Gautami"/>
-        <a:font script="Taml" typeface="Latha"/>
-        <a:font script="Syrc" typeface="Estrangelo Edessa"/>
-        <a:font script="Orya" typeface="Kalinga"/>
-        <a:font script="Mlym" typeface="Kartika"/>
-        <a:font script="Laoo" typeface="DokChampa"/>
-        <a:font script="Sinh" typeface="Iskoola Pota"/>
-        <a:font script="Mong" typeface="Mongolian Baiti"/>
-        <a:font script="Viet" typeface="Times New Roman"/>
-        <a:font script="Uigh" typeface="Microsoft Uighur"/>
-        <a:font script="Geor" typeface="Sylfaen"/>
-      </a:majorFont>
-      <a:minorFont>
-        <a:latin typeface="Arial"/>
-        <a:ea typeface=""/>
-        <a:cs typeface=""/>
-        <a:font script="Jpan" typeface="ＭＳ Ｐゴシック"/>
-        <a:font script="Hang" typeface="맑은 고딕"/>
-        <a:font script="Hans" typeface="宋体"/>
-        <a:font script="Hant" typeface="新細明體"/>
-        <a:font script="Arab" typeface="Arial"/>
-        <a:font script="Hebr" typeface="Arial"/>
-        <a:font script="Thai" typeface="Cordia New"/>
-        <a:font script="Ethi" typeface="Nyala"/>
-        <a:font script="Beng" typeface="Vrinda"/>
-        <a:font script="Gujr" typeface="Shruti"/>
-        <a:font script="Khmr" typeface="DaunPenh"/>
-        <a:font script="Knda" typeface="Tunga"/>
-        <a:font script="Guru" typeface="Raavi"/>
-        <a:font script="Cans" typeface="Euphemia"/>
-        <a:font script="Cher" typeface="Plantagenet Cherokee"/>
-        <a:font script="Yiii" typeface="Microsoft Yi Baiti"/>
-        <a:font script="Tibt" typeface="Microsoft Himalaya"/>
-        <a:font script="Thaa" typeface="MV Boli"/>
-        <a:font script="Deva" typeface="Mangal"/>
-        <a:font script="Telu" typeface="Gautami"/>
-        <a:font script="Taml" typeface="Latha"/>
-        <a:font script="Syrc" typeface="Estrangelo Edessa"/>
-        <a:font script="Orya" typeface="Kalinga"/>
-        <a:font script="Mlym" typeface="Kartika"/>
-        <a:font script="Laoo" typeface="DokChampa"/>
-        <a:font script="Sinh" typeface="Iskoola Pota"/>
-        <a:font script="Mong" typeface="Mongolian Baiti"/>
-        <a:font script="Viet" typeface="Arial"/>
-        <a:font script="Uigh" typeface="Microsoft Uighur"/>
-        <a:font script="Geor" typeface="Sylfaen"/>
-      </a:minorFont>
-    </a:fontScheme>
-    <a:fmtScheme name="Office">
-      <a:fillStyleLst>
-        <a:solidFill>
-          <a:schemeClr val="phClr"/>
-        </a:solidFill>
-        <a:gradFill rotWithShape="1">
-          <a:gsLst>
-            <a:gs pos="0">
-              <a:schemeClr val="phClr">
-                <a:tint val="50000"/>
-                <a:satMod val="300000"/>
-              </a:schemeClr>
-            </a:gs>
-            <a:gs pos="35000">
-              <a:schemeClr val="phClr">
-                <a:tint val="37000"/>
-                <a:satMod val="300000"/>
-              </a:schemeClr>
-            </a:gs>
-            <a:gs pos="100000">
-              <a:schemeClr val="phClr">
-                <a:tint val="15000"/>
-                <a:satMod val="350000"/>
-              </a:schemeClr>
-            </a:gs>
-          </a:gsLst>
-          <a:lin ang="16200000" scaled="1"/>
-        </a:gradFill>
-        <a:gradFill rotWithShape="1">
-          <a:gsLst>
-            <a:gs pos="0">
-              <a:schemeClr val="phClr">
-                <a:tint val="100000"/>
-                <a:shade val="100000"/>
-                <a:satMod val="130000"/>
-              </a:schemeClr>
-            </a:gs>
-            <a:gs pos="100000">
-              <a:schemeClr val="phClr">
-                <a:tint val="50000"/>
-                <a:shade val="100000"/>
-                <a:satMod val="350000"/>
-              </a:schemeClr>
-            </a:gs>
-          </a:gsLst>
-          <a:lin ang="16200000" scaled="0"/>
-        </a:gradFill>
-      </a:fillStyleLst>
-      <a:lnStyleLst>
-        <a:ln w="9525" cap="flat" cmpd="sng" algn="ctr">
-          <a:solidFill>
-            <a:schemeClr val="phClr">
-              <a:shade val="95000"/>
-              <a:satMod val="105000"/>
-            </a:schemeClr>
-          </a:solidFill>
-          <a:prstDash val="solid"/>
-        </a:ln>
-        <a:ln w="25400" cap="flat" cmpd="sng" algn="ctr">
-          <a:solidFill>
-            <a:schemeClr val="phClr"/>
-          </a:solidFill>
-          <a:prstDash val="solid"/>
-        </a:ln>
-        <a:ln w="38100" cap="flat" cmpd="sng" algn="ctr">
-          <a:solidFill>
-            <a:schemeClr val="phClr"/>
-          </a:solidFill>
-          <a:prstDash val="solid"/>
-        </a:ln>
-      </a:lnStyleLst>
-      <a:effectStyleLst>
-        <a:effectStyle>
-          <a:effectLst>
-            <a:outerShdw blurRad="40000" dist="20000" dir="5400000" rotWithShape="0">
-              <a:srgbClr val="000000">
-                <a:alpha val="38000"/>
-              </a:srgbClr>
-            </a:outerShdw>
-          </a:effectLst>
-        </a:effectStyle>
-        <a:effectStyle>
-          <a:effectLst>
-            <a:outerShdw blurRad="40000" dist="23000" dir="5400000" rotWithShape="0">
-              <a:srgbClr val="000000">
-                <a:alpha val="35000"/>
-              </a:srgbClr>
-            </a:outerShdw>
-          </a:effectLst>
-        </a:effectStyle>
-        <a:effectStyle>
-          <a:effectLst>
-            <a:outerShdw blurRad="40000" dist="23000" dir="5400000" rotWithShape="0">
-              <a:srgbClr val="000000">
-                <a:alpha val="35000"/>
-              </a:srgbClr>
-            </a:outerShdw>
-          </a:effectLst>
-          <a:scene3d>
-            <a:camera prst="orthographicFront">
-              <a:rot lat="0" lon="0" rev="0"/>
-            </a:camera>
-            <a:lightRig rig="threePt" dir="t">
-              <a:rot lat="0" lon="0" rev="1200000"/>
-            </a:lightRig>
-          </a:scene3d>
-          <a:sp3d>
-            <a:bevelT w="63500" h="25400"/>
-          </a:sp3d>
-        </a:effectStyle>
-      </a:effectStyleLst>
-      <a:bgFillStyleLst>
-        <a:solidFill>
-          <a:schemeClr val="phClr"/>
-        </a:solidFill>
-        <a:gradFill rotWithShape="1">
-          <a:gsLst>
-            <a:gs pos="0">
-              <a:schemeClr val="phClr">
-                <a:tint val="40000"/>
-                <a:satMod val="350000"/>
-              </a:schemeClr>
-            </a:gs>
-            <a:gs pos="40000">
-              <a:schemeClr val="phClr">
-                <a:tint val="45000"/>
-                <a:shade val="99000"/>
-                <a:satMod val="350000"/>
-              </a:schemeClr>
-            </a:gs>
-            <a:gs pos="100000">
-              <a:schemeClr val="phClr">
-                <a:shade val="20000"/>
-                <a:satMod val="255000"/>
-              </a:schemeClr>
-            </a:gs>
-          </a:gsLst>
-          <a:path path="circle">
-            <a:fillToRect l="50000" t="-80000" r="50000" b="180000"/>
-          </a:path>
-        </a:gradFill>
-        <a:gradFill rotWithShape="1">
-          <a:gsLst>
-            <a:gs pos="0">
-              <a:schemeClr val="phClr">
-                <a:tint val="80000"/>
-                <a:satMod val="300000"/>
-              </a:schemeClr>
-            </a:gs>
-            <a:gs pos="100000">
-              <a:schemeClr val="phClr">
-                <a:shade val="30000"/>
-                <a:satMod val="200000"/>
-              </a:schemeClr>
-            </a:gs>
-          </a:gsLst>
-          <a:path path="circle">
-            <a:fillToRect l="50000" t="50000" r="50000" b="50000"/>
-          </a:path>
-        </a:gradFill>
-      </a:bgFillStyleLst>
-    </a:fmtScheme>
-  </a:themeElements>
+  <a:objectDefaults/>
+  <a:extraClrSchemeLst/>
 </a:theme>
 </file>